--- a/SMART WEATHER.pptx
+++ b/SMART WEATHER.pptx
@@ -8,11 +8,14 @@
     <p:sldId id="256" r:id="rId2"/>
     <p:sldId id="257" r:id="rId3"/>
     <p:sldId id="258" r:id="rId4"/>
-    <p:sldId id="259" r:id="rId5"/>
-    <p:sldId id="260" r:id="rId6"/>
-    <p:sldId id="261" r:id="rId7"/>
-    <p:sldId id="262" r:id="rId8"/>
-    <p:sldId id="263" r:id="rId9"/>
+    <p:sldId id="266" r:id="rId5"/>
+    <p:sldId id="264" r:id="rId6"/>
+    <p:sldId id="265" r:id="rId7"/>
+    <p:sldId id="259" r:id="rId8"/>
+    <p:sldId id="260" r:id="rId9"/>
+    <p:sldId id="261" r:id="rId10"/>
+    <p:sldId id="262" r:id="rId11"/>
+    <p:sldId id="263" r:id="rId12"/>
   </p:sldIdLst>
   <p:sldSz cx="9144000" cy="6858000" type="screen4x3"/>
   <p:notesSz cx="6858000" cy="9144000"/>
@@ -111,6 +114,11 @@
       </a:defRPr>
     </a:lvl9pPr>
   </p:defaultTextStyle>
+  <p:extLst>
+    <p:ext uri="{EFAFB233-063F-42B5-8137-9DF3F51BA10A}">
+      <p15:sldGuideLst xmlns:p15="http://schemas.microsoft.com/office/powerpoint/2012/main"/>
+    </p:ext>
+  </p:extLst>
 </p:presentation>
 </file>
 
@@ -1679,6 +1687,1707 @@
 </file>
 
 <file path=ppt/diagrams/colors3.xml><?xml version="1.0" encoding="utf-8"?>
+<dgm:colorsDef xmlns:dgm="http://schemas.openxmlformats.org/drawingml/2006/diagram" xmlns:a="http://schemas.openxmlformats.org/drawingml/2006/main" uniqueId="urn:microsoft.com/office/officeart/2005/8/colors/colorful3">
+  <dgm:title val=""/>
+  <dgm:desc val=""/>
+  <dgm:catLst>
+    <dgm:cat type="colorful" pri="10300"/>
+  </dgm:catLst>
+  <dgm:styleLbl name="node0">
+    <dgm:fillClrLst meth="repeat">
+      <a:schemeClr val="accent2"/>
+    </dgm:fillClrLst>
+    <dgm:linClrLst meth="repeat">
+      <a:schemeClr val="lt1"/>
+    </dgm:linClrLst>
+    <dgm:effectClrLst/>
+    <dgm:txLinClrLst/>
+    <dgm:txFillClrLst/>
+    <dgm:txEffectClrLst/>
+  </dgm:styleLbl>
+  <dgm:styleLbl name="node1">
+    <dgm:fillClrLst>
+      <a:schemeClr val="accent3"/>
+      <a:schemeClr val="accent4"/>
+    </dgm:fillClrLst>
+    <dgm:linClrLst meth="repeat">
+      <a:schemeClr val="lt1"/>
+    </dgm:linClrLst>
+    <dgm:effectClrLst/>
+    <dgm:txLinClrLst/>
+    <dgm:txFillClrLst/>
+    <dgm:txEffectClrLst/>
+  </dgm:styleLbl>
+  <dgm:styleLbl name="alignNode1">
+    <dgm:fillClrLst>
+      <a:schemeClr val="accent3"/>
+      <a:schemeClr val="accent4"/>
+    </dgm:fillClrLst>
+    <dgm:linClrLst>
+      <a:schemeClr val="accent3"/>
+      <a:schemeClr val="accent4"/>
+    </dgm:linClrLst>
+    <dgm:effectClrLst/>
+    <dgm:txLinClrLst/>
+    <dgm:txFillClrLst/>
+    <dgm:txEffectClrLst/>
+  </dgm:styleLbl>
+  <dgm:styleLbl name="lnNode1">
+    <dgm:fillClrLst>
+      <a:schemeClr val="accent3"/>
+      <a:schemeClr val="accent4"/>
+    </dgm:fillClrLst>
+    <dgm:linClrLst meth="repeat">
+      <a:schemeClr val="lt1"/>
+    </dgm:linClrLst>
+    <dgm:effectClrLst/>
+    <dgm:txLinClrLst/>
+    <dgm:txFillClrLst/>
+    <dgm:txEffectClrLst/>
+  </dgm:styleLbl>
+  <dgm:styleLbl name="vennNode1">
+    <dgm:fillClrLst>
+      <a:schemeClr val="accent3">
+        <a:alpha val="50000"/>
+      </a:schemeClr>
+      <a:schemeClr val="accent4">
+        <a:alpha val="50000"/>
+      </a:schemeClr>
+    </dgm:fillClrLst>
+    <dgm:linClrLst meth="repeat">
+      <a:schemeClr val="lt1"/>
+    </dgm:linClrLst>
+    <dgm:effectClrLst/>
+    <dgm:txLinClrLst/>
+    <dgm:txFillClrLst/>
+    <dgm:txEffectClrLst/>
+  </dgm:styleLbl>
+  <dgm:styleLbl name="node2">
+    <dgm:fillClrLst>
+      <a:schemeClr val="accent4"/>
+    </dgm:fillClrLst>
+    <dgm:linClrLst meth="repeat">
+      <a:schemeClr val="lt1"/>
+    </dgm:linClrLst>
+    <dgm:effectClrLst/>
+    <dgm:txLinClrLst/>
+    <dgm:txFillClrLst/>
+    <dgm:txEffectClrLst/>
+  </dgm:styleLbl>
+  <dgm:styleLbl name="node3">
+    <dgm:fillClrLst>
+      <a:schemeClr val="accent5"/>
+    </dgm:fillClrLst>
+    <dgm:linClrLst meth="repeat">
+      <a:schemeClr val="lt1"/>
+    </dgm:linClrLst>
+    <dgm:effectClrLst/>
+    <dgm:txLinClrLst/>
+    <dgm:txFillClrLst/>
+    <dgm:txEffectClrLst/>
+  </dgm:styleLbl>
+  <dgm:styleLbl name="node4">
+    <dgm:fillClrLst>
+      <a:schemeClr val="accent6"/>
+    </dgm:fillClrLst>
+    <dgm:linClrLst meth="repeat">
+      <a:schemeClr val="lt1"/>
+    </dgm:linClrLst>
+    <dgm:effectClrLst/>
+    <dgm:txLinClrLst/>
+    <dgm:txFillClrLst/>
+    <dgm:txEffectClrLst/>
+  </dgm:styleLbl>
+  <dgm:styleLbl name="fgImgPlace1">
+    <dgm:fillClrLst>
+      <a:schemeClr val="accent3">
+        <a:tint val="50000"/>
+      </a:schemeClr>
+      <a:schemeClr val="accent4">
+        <a:tint val="50000"/>
+      </a:schemeClr>
+    </dgm:fillClrLst>
+    <dgm:linClrLst meth="repeat">
+      <a:schemeClr val="lt1"/>
+    </dgm:linClrLst>
+    <dgm:effectClrLst/>
+    <dgm:txLinClrLst/>
+    <dgm:txFillClrLst meth="repeat">
+      <a:schemeClr val="lt1"/>
+    </dgm:txFillClrLst>
+    <dgm:txEffectClrLst/>
+  </dgm:styleLbl>
+  <dgm:styleLbl name="alignImgPlace1">
+    <dgm:fillClrLst>
+      <a:schemeClr val="accent3">
+        <a:tint val="50000"/>
+      </a:schemeClr>
+      <a:schemeClr val="accent4">
+        <a:tint val="20000"/>
+      </a:schemeClr>
+    </dgm:fillClrLst>
+    <dgm:linClrLst meth="repeat">
+      <a:schemeClr val="lt1"/>
+    </dgm:linClrLst>
+    <dgm:effectClrLst/>
+    <dgm:txLinClrLst/>
+    <dgm:txFillClrLst meth="repeat">
+      <a:schemeClr val="lt1"/>
+    </dgm:txFillClrLst>
+    <dgm:txEffectClrLst/>
+  </dgm:styleLbl>
+  <dgm:styleLbl name="bgImgPlace1">
+    <dgm:fillClrLst>
+      <a:schemeClr val="accent3">
+        <a:tint val="50000"/>
+      </a:schemeClr>
+      <a:schemeClr val="accent4">
+        <a:tint val="20000"/>
+      </a:schemeClr>
+    </dgm:fillClrLst>
+    <dgm:linClrLst meth="repeat">
+      <a:schemeClr val="lt1"/>
+    </dgm:linClrLst>
+    <dgm:effectClrLst/>
+    <dgm:txLinClrLst/>
+    <dgm:txFillClrLst meth="repeat">
+      <a:schemeClr val="lt1"/>
+    </dgm:txFillClrLst>
+    <dgm:txEffectClrLst/>
+  </dgm:styleLbl>
+  <dgm:styleLbl name="sibTrans2D1">
+    <dgm:fillClrLst>
+      <a:schemeClr val="accent3"/>
+      <a:schemeClr val="accent4"/>
+    </dgm:fillClrLst>
+    <dgm:linClrLst meth="repeat">
+      <a:schemeClr val="lt1"/>
+    </dgm:linClrLst>
+    <dgm:effectClrLst/>
+    <dgm:txLinClrLst/>
+    <dgm:txFillClrLst/>
+    <dgm:txEffectClrLst/>
+  </dgm:styleLbl>
+  <dgm:styleLbl name="fgSibTrans2D1">
+    <dgm:fillClrLst>
+      <a:schemeClr val="accent3"/>
+      <a:schemeClr val="accent4"/>
+    </dgm:fillClrLst>
+    <dgm:linClrLst meth="repeat">
+      <a:schemeClr val="lt1"/>
+    </dgm:linClrLst>
+    <dgm:effectClrLst/>
+    <dgm:txLinClrLst/>
+    <dgm:txFillClrLst meth="repeat">
+      <a:schemeClr val="lt1"/>
+    </dgm:txFillClrLst>
+    <dgm:txEffectClrLst/>
+  </dgm:styleLbl>
+  <dgm:styleLbl name="bgSibTrans2D1">
+    <dgm:fillClrLst>
+      <a:schemeClr val="accent3"/>
+      <a:schemeClr val="accent4"/>
+    </dgm:fillClrLst>
+    <dgm:linClrLst meth="repeat">
+      <a:schemeClr val="lt1"/>
+    </dgm:linClrLst>
+    <dgm:effectClrLst/>
+    <dgm:txLinClrLst/>
+    <dgm:txFillClrLst meth="repeat">
+      <a:schemeClr val="lt1"/>
+    </dgm:txFillClrLst>
+    <dgm:txEffectClrLst/>
+  </dgm:styleLbl>
+  <dgm:styleLbl name="sibTrans1D1">
+    <dgm:fillClrLst/>
+    <dgm:linClrLst>
+      <a:schemeClr val="accent3"/>
+      <a:schemeClr val="accent4"/>
+    </dgm:linClrLst>
+    <dgm:effectClrLst/>
+    <dgm:txLinClrLst/>
+    <dgm:txFillClrLst meth="repeat">
+      <a:schemeClr val="tx1"/>
+    </dgm:txFillClrLst>
+    <dgm:txEffectClrLst/>
+  </dgm:styleLbl>
+  <dgm:styleLbl name="callout">
+    <dgm:fillClrLst meth="repeat">
+      <a:schemeClr val="accent3"/>
+    </dgm:fillClrLst>
+    <dgm:linClrLst meth="repeat">
+      <a:schemeClr val="accent3">
+        <a:tint val="50000"/>
+      </a:schemeClr>
+    </dgm:linClrLst>
+    <dgm:effectClrLst/>
+    <dgm:txLinClrLst/>
+    <dgm:txFillClrLst meth="repeat">
+      <a:schemeClr val="tx1"/>
+    </dgm:txFillClrLst>
+    <dgm:txEffectClrLst/>
+  </dgm:styleLbl>
+  <dgm:styleLbl name="asst0">
+    <dgm:fillClrLst meth="repeat">
+      <a:schemeClr val="accent3"/>
+    </dgm:fillClrLst>
+    <dgm:linClrLst meth="repeat">
+      <a:schemeClr val="lt1">
+        <a:shade val="80000"/>
+      </a:schemeClr>
+    </dgm:linClrLst>
+    <dgm:effectClrLst/>
+    <dgm:txLinClrLst/>
+    <dgm:txFillClrLst/>
+    <dgm:txEffectClrLst/>
+  </dgm:styleLbl>
+  <dgm:styleLbl name="asst1">
+    <dgm:fillClrLst meth="repeat">
+      <a:schemeClr val="accent4"/>
+    </dgm:fillClrLst>
+    <dgm:linClrLst meth="repeat">
+      <a:schemeClr val="lt1">
+        <a:shade val="80000"/>
+      </a:schemeClr>
+    </dgm:linClrLst>
+    <dgm:effectClrLst/>
+    <dgm:txLinClrLst/>
+    <dgm:txFillClrLst/>
+    <dgm:txEffectClrLst/>
+  </dgm:styleLbl>
+  <dgm:styleLbl name="asst2">
+    <dgm:fillClrLst>
+      <a:schemeClr val="accent5"/>
+    </dgm:fillClrLst>
+    <dgm:linClrLst meth="repeat">
+      <a:schemeClr val="lt1"/>
+    </dgm:linClrLst>
+    <dgm:effectClrLst/>
+    <dgm:txLinClrLst/>
+    <dgm:txFillClrLst/>
+    <dgm:txEffectClrLst/>
+  </dgm:styleLbl>
+  <dgm:styleLbl name="asst3">
+    <dgm:fillClrLst>
+      <a:schemeClr val="accent6"/>
+    </dgm:fillClrLst>
+    <dgm:linClrLst meth="repeat">
+      <a:schemeClr val="lt1"/>
+    </dgm:linClrLst>
+    <dgm:effectClrLst/>
+    <dgm:txLinClrLst/>
+    <dgm:txFillClrLst/>
+    <dgm:txEffectClrLst/>
+  </dgm:styleLbl>
+  <dgm:styleLbl name="asst4">
+    <dgm:fillClrLst>
+      <a:schemeClr val="accent1"/>
+    </dgm:fillClrLst>
+    <dgm:linClrLst meth="repeat">
+      <a:schemeClr val="lt1"/>
+    </dgm:linClrLst>
+    <dgm:effectClrLst/>
+    <dgm:txLinClrLst/>
+    <dgm:txFillClrLst/>
+    <dgm:txEffectClrLst/>
+  </dgm:styleLbl>
+  <dgm:styleLbl name="parChTrans2D1">
+    <dgm:fillClrLst meth="repeat">
+      <a:schemeClr val="accent2"/>
+    </dgm:fillClrLst>
+    <dgm:linClrLst meth="repeat">
+      <a:schemeClr val="lt1"/>
+    </dgm:linClrLst>
+    <dgm:effectClrLst/>
+    <dgm:txLinClrLst/>
+    <dgm:txFillClrLst meth="repeat">
+      <a:schemeClr val="lt1"/>
+    </dgm:txFillClrLst>
+    <dgm:txEffectClrLst/>
+  </dgm:styleLbl>
+  <dgm:styleLbl name="parChTrans2D2">
+    <dgm:fillClrLst meth="repeat">
+      <a:schemeClr val="accent3"/>
+    </dgm:fillClrLst>
+    <dgm:linClrLst meth="repeat">
+      <a:schemeClr val="lt1"/>
+    </dgm:linClrLst>
+    <dgm:effectClrLst/>
+    <dgm:txLinClrLst/>
+    <dgm:txFillClrLst/>
+    <dgm:txEffectClrLst/>
+  </dgm:styleLbl>
+  <dgm:styleLbl name="parChTrans2D3">
+    <dgm:fillClrLst meth="repeat">
+      <a:schemeClr val="accent4"/>
+    </dgm:fillClrLst>
+    <dgm:linClrLst meth="repeat">
+      <a:schemeClr val="lt1"/>
+    </dgm:linClrLst>
+    <dgm:effectClrLst/>
+    <dgm:txLinClrLst/>
+    <dgm:txFillClrLst/>
+    <dgm:txEffectClrLst/>
+  </dgm:styleLbl>
+  <dgm:styleLbl name="parChTrans2D4">
+    <dgm:fillClrLst meth="repeat">
+      <a:schemeClr val="accent5"/>
+    </dgm:fillClrLst>
+    <dgm:linClrLst meth="repeat">
+      <a:schemeClr val="lt1"/>
+    </dgm:linClrLst>
+    <dgm:effectClrLst/>
+    <dgm:txLinClrLst/>
+    <dgm:txFillClrLst meth="repeat">
+      <a:schemeClr val="lt1"/>
+    </dgm:txFillClrLst>
+    <dgm:txEffectClrLst/>
+  </dgm:styleLbl>
+  <dgm:styleLbl name="parChTrans1D1">
+    <dgm:fillClrLst meth="repeat">
+      <a:schemeClr val="accent3"/>
+    </dgm:fillClrLst>
+    <dgm:linClrLst meth="repeat">
+      <a:schemeClr val="accent3"/>
+    </dgm:linClrLst>
+    <dgm:effectClrLst/>
+    <dgm:txLinClrLst/>
+    <dgm:txFillClrLst meth="repeat">
+      <a:schemeClr val="tx1"/>
+    </dgm:txFillClrLst>
+    <dgm:txEffectClrLst/>
+  </dgm:styleLbl>
+  <dgm:styleLbl name="parChTrans1D2">
+    <dgm:fillClrLst meth="repeat">
+      <a:schemeClr val="accent2">
+        <a:tint val="90000"/>
+      </a:schemeClr>
+    </dgm:fillClrLst>
+    <dgm:linClrLst meth="repeat">
+      <a:schemeClr val="accent4"/>
+    </dgm:linClrLst>
+    <dgm:effectClrLst/>
+    <dgm:txLinClrLst/>
+    <dgm:txFillClrLst meth="repeat">
+      <a:schemeClr val="tx1"/>
+    </dgm:txFillClrLst>
+    <dgm:txEffectClrLst/>
+  </dgm:styleLbl>
+  <dgm:styleLbl name="parChTrans1D3">
+    <dgm:fillClrLst meth="repeat">
+      <a:schemeClr val="accent2">
+        <a:tint val="70000"/>
+      </a:schemeClr>
+    </dgm:fillClrLst>
+    <dgm:linClrLst meth="repeat">
+      <a:schemeClr val="accent5"/>
+    </dgm:linClrLst>
+    <dgm:effectClrLst/>
+    <dgm:txLinClrLst/>
+    <dgm:txFillClrLst meth="repeat">
+      <a:schemeClr val="tx1"/>
+    </dgm:txFillClrLst>
+    <dgm:txEffectClrLst/>
+  </dgm:styleLbl>
+  <dgm:styleLbl name="parChTrans1D4">
+    <dgm:fillClrLst meth="repeat">
+      <a:schemeClr val="accent6">
+        <a:tint val="50000"/>
+      </a:schemeClr>
+    </dgm:fillClrLst>
+    <dgm:linClrLst meth="repeat">
+      <a:schemeClr val="accent6"/>
+    </dgm:linClrLst>
+    <dgm:effectClrLst/>
+    <dgm:txLinClrLst/>
+    <dgm:txFillClrLst meth="repeat">
+      <a:schemeClr val="tx1"/>
+    </dgm:txFillClrLst>
+    <dgm:txEffectClrLst/>
+  </dgm:styleLbl>
+  <dgm:styleLbl name="fgAcc1">
+    <dgm:fillClrLst meth="repeat">
+      <a:schemeClr val="lt1">
+        <a:alpha val="90000"/>
+      </a:schemeClr>
+    </dgm:fillClrLst>
+    <dgm:linClrLst>
+      <a:schemeClr val="accent3"/>
+      <a:schemeClr val="accent4"/>
+    </dgm:linClrLst>
+    <dgm:effectClrLst/>
+    <dgm:txLinClrLst/>
+    <dgm:txFillClrLst meth="repeat">
+      <a:schemeClr val="dk1"/>
+    </dgm:txFillClrLst>
+    <dgm:txEffectClrLst/>
+  </dgm:styleLbl>
+  <dgm:styleLbl name="conFgAcc1">
+    <dgm:fillClrLst meth="repeat">
+      <a:schemeClr val="lt1">
+        <a:alpha val="90000"/>
+      </a:schemeClr>
+    </dgm:fillClrLst>
+    <dgm:linClrLst>
+      <a:schemeClr val="accent3"/>
+      <a:schemeClr val="accent4"/>
+    </dgm:linClrLst>
+    <dgm:effectClrLst/>
+    <dgm:txLinClrLst/>
+    <dgm:txFillClrLst meth="repeat">
+      <a:schemeClr val="dk1"/>
+    </dgm:txFillClrLst>
+    <dgm:txEffectClrLst/>
+  </dgm:styleLbl>
+  <dgm:styleLbl name="alignAcc1">
+    <dgm:fillClrLst meth="repeat">
+      <a:schemeClr val="lt1">
+        <a:alpha val="90000"/>
+      </a:schemeClr>
+    </dgm:fillClrLst>
+    <dgm:linClrLst>
+      <a:schemeClr val="accent3"/>
+      <a:schemeClr val="accent4"/>
+    </dgm:linClrLst>
+    <dgm:effectClrLst/>
+    <dgm:txLinClrLst/>
+    <dgm:txFillClrLst meth="repeat">
+      <a:schemeClr val="dk1"/>
+    </dgm:txFillClrLst>
+    <dgm:txEffectClrLst/>
+  </dgm:styleLbl>
+  <dgm:styleLbl name="trAlignAcc1">
+    <dgm:fillClrLst meth="repeat">
+      <a:schemeClr val="lt1">
+        <a:alpha val="40000"/>
+      </a:schemeClr>
+    </dgm:fillClrLst>
+    <dgm:linClrLst meth="repeat">
+      <a:schemeClr val="accent2"/>
+    </dgm:linClrLst>
+    <dgm:effectClrLst/>
+    <dgm:txLinClrLst/>
+    <dgm:txFillClrLst meth="repeat">
+      <a:schemeClr val="dk1"/>
+    </dgm:txFillClrLst>
+    <dgm:txEffectClrLst/>
+  </dgm:styleLbl>
+  <dgm:styleLbl name="bgAcc1">
+    <dgm:fillClrLst meth="repeat">
+      <a:schemeClr val="lt1">
+        <a:alpha val="90000"/>
+      </a:schemeClr>
+    </dgm:fillClrLst>
+    <dgm:linClrLst>
+      <a:schemeClr val="accent3"/>
+      <a:schemeClr val="accent4"/>
+    </dgm:linClrLst>
+    <dgm:effectClrLst/>
+    <dgm:txLinClrLst/>
+    <dgm:txFillClrLst meth="repeat">
+      <a:schemeClr val="dk1"/>
+    </dgm:txFillClrLst>
+    <dgm:txEffectClrLst/>
+  </dgm:styleLbl>
+  <dgm:styleLbl name="solidFgAcc1">
+    <dgm:fillClrLst meth="repeat">
+      <a:schemeClr val="lt1"/>
+    </dgm:fillClrLst>
+    <dgm:linClrLst>
+      <a:schemeClr val="accent3"/>
+      <a:schemeClr val="accent4"/>
+    </dgm:linClrLst>
+    <dgm:effectClrLst/>
+    <dgm:txLinClrLst/>
+    <dgm:txFillClrLst meth="repeat">
+      <a:schemeClr val="dk1"/>
+    </dgm:txFillClrLst>
+    <dgm:txEffectClrLst/>
+  </dgm:styleLbl>
+  <dgm:styleLbl name="solidAlignAcc1">
+    <dgm:fillClrLst meth="repeat">
+      <a:schemeClr val="lt1"/>
+    </dgm:fillClrLst>
+    <dgm:linClrLst>
+      <a:schemeClr val="accent3"/>
+      <a:schemeClr val="accent4"/>
+    </dgm:linClrLst>
+    <dgm:effectClrLst/>
+    <dgm:txLinClrLst/>
+    <dgm:txFillClrLst meth="repeat">
+      <a:schemeClr val="dk1"/>
+    </dgm:txFillClrLst>
+    <dgm:txEffectClrLst/>
+  </dgm:styleLbl>
+  <dgm:styleLbl name="solidBgAcc1">
+    <dgm:fillClrLst meth="repeat">
+      <a:schemeClr val="lt1"/>
+    </dgm:fillClrLst>
+    <dgm:linClrLst>
+      <a:schemeClr val="accent3"/>
+      <a:schemeClr val="accent4"/>
+    </dgm:linClrLst>
+    <dgm:effectClrLst/>
+    <dgm:txLinClrLst/>
+    <dgm:txFillClrLst meth="repeat">
+      <a:schemeClr val="dk1"/>
+    </dgm:txFillClrLst>
+    <dgm:txEffectClrLst/>
+  </dgm:styleLbl>
+  <dgm:styleLbl name="fgAccFollowNode1">
+    <dgm:fillClrLst>
+      <a:schemeClr val="accent3">
+        <a:tint val="40000"/>
+        <a:alpha val="90000"/>
+      </a:schemeClr>
+      <a:schemeClr val="accent4">
+        <a:tint val="40000"/>
+        <a:alpha val="90000"/>
+      </a:schemeClr>
+    </dgm:fillClrLst>
+    <dgm:linClrLst>
+      <a:schemeClr val="accent3">
+        <a:tint val="40000"/>
+        <a:alpha val="90000"/>
+      </a:schemeClr>
+      <a:schemeClr val="accent4">
+        <a:tint val="40000"/>
+        <a:alpha val="90000"/>
+      </a:schemeClr>
+    </dgm:linClrLst>
+    <dgm:effectClrLst/>
+    <dgm:txLinClrLst/>
+    <dgm:txFillClrLst meth="repeat">
+      <a:schemeClr val="dk1"/>
+    </dgm:txFillClrLst>
+    <dgm:txEffectClrLst/>
+  </dgm:styleLbl>
+  <dgm:styleLbl name="alignAccFollowNode1">
+    <dgm:fillClrLst>
+      <a:schemeClr val="accent3">
+        <a:tint val="40000"/>
+        <a:alpha val="90000"/>
+      </a:schemeClr>
+      <a:schemeClr val="accent4">
+        <a:tint val="40000"/>
+        <a:alpha val="90000"/>
+      </a:schemeClr>
+    </dgm:fillClrLst>
+    <dgm:linClrLst>
+      <a:schemeClr val="accent3">
+        <a:tint val="40000"/>
+        <a:alpha val="90000"/>
+      </a:schemeClr>
+      <a:schemeClr val="accent4">
+        <a:tint val="40000"/>
+        <a:alpha val="90000"/>
+      </a:schemeClr>
+    </dgm:linClrLst>
+    <dgm:effectClrLst/>
+    <dgm:txLinClrLst/>
+    <dgm:txFillClrLst meth="repeat">
+      <a:schemeClr val="dk1"/>
+    </dgm:txFillClrLst>
+    <dgm:txEffectClrLst/>
+  </dgm:styleLbl>
+  <dgm:styleLbl name="bgAccFollowNode1">
+    <dgm:fillClrLst>
+      <a:schemeClr val="accent3">
+        <a:tint val="40000"/>
+        <a:alpha val="90000"/>
+      </a:schemeClr>
+      <a:schemeClr val="accent4">
+        <a:tint val="40000"/>
+        <a:alpha val="90000"/>
+      </a:schemeClr>
+    </dgm:fillClrLst>
+    <dgm:linClrLst>
+      <a:schemeClr val="accent3">
+        <a:tint val="40000"/>
+        <a:alpha val="90000"/>
+      </a:schemeClr>
+      <a:schemeClr val="accent4">
+        <a:tint val="40000"/>
+        <a:alpha val="90000"/>
+      </a:schemeClr>
+    </dgm:linClrLst>
+    <dgm:effectClrLst/>
+    <dgm:txLinClrLst/>
+    <dgm:txFillClrLst meth="repeat">
+      <a:schemeClr val="dk1"/>
+    </dgm:txFillClrLst>
+    <dgm:txEffectClrLst/>
+  </dgm:styleLbl>
+  <dgm:styleLbl name="fgAcc0">
+    <dgm:fillClrLst meth="repeat">
+      <a:schemeClr val="lt1">
+        <a:alpha val="90000"/>
+      </a:schemeClr>
+    </dgm:fillClrLst>
+    <dgm:linClrLst>
+      <a:schemeClr val="accent2"/>
+    </dgm:linClrLst>
+    <dgm:effectClrLst/>
+    <dgm:txLinClrLst/>
+    <dgm:txFillClrLst meth="repeat">
+      <a:schemeClr val="dk1"/>
+    </dgm:txFillClrLst>
+    <dgm:txEffectClrLst/>
+  </dgm:styleLbl>
+  <dgm:styleLbl name="fgAcc2">
+    <dgm:fillClrLst meth="repeat">
+      <a:schemeClr val="lt1">
+        <a:alpha val="90000"/>
+      </a:schemeClr>
+    </dgm:fillClrLst>
+    <dgm:linClrLst>
+      <a:schemeClr val="accent4"/>
+    </dgm:linClrLst>
+    <dgm:effectClrLst/>
+    <dgm:txLinClrLst/>
+    <dgm:txFillClrLst meth="repeat">
+      <a:schemeClr val="dk1"/>
+    </dgm:txFillClrLst>
+    <dgm:txEffectClrLst/>
+  </dgm:styleLbl>
+  <dgm:styleLbl name="fgAcc3">
+    <dgm:fillClrLst meth="repeat">
+      <a:schemeClr val="lt1">
+        <a:alpha val="90000"/>
+      </a:schemeClr>
+    </dgm:fillClrLst>
+    <dgm:linClrLst>
+      <a:schemeClr val="accent5"/>
+    </dgm:linClrLst>
+    <dgm:effectClrLst/>
+    <dgm:txLinClrLst/>
+    <dgm:txFillClrLst meth="repeat">
+      <a:schemeClr val="dk1"/>
+    </dgm:txFillClrLst>
+    <dgm:txEffectClrLst/>
+  </dgm:styleLbl>
+  <dgm:styleLbl name="fgAcc4">
+    <dgm:fillClrLst meth="repeat">
+      <a:schemeClr val="lt1">
+        <a:alpha val="90000"/>
+      </a:schemeClr>
+    </dgm:fillClrLst>
+    <dgm:linClrLst>
+      <a:schemeClr val="accent6"/>
+    </dgm:linClrLst>
+    <dgm:effectClrLst/>
+    <dgm:txLinClrLst/>
+    <dgm:txFillClrLst meth="repeat">
+      <a:schemeClr val="dk1"/>
+    </dgm:txFillClrLst>
+    <dgm:txEffectClrLst/>
+  </dgm:styleLbl>
+  <dgm:styleLbl name="bgShp">
+    <dgm:fillClrLst meth="repeat">
+      <a:schemeClr val="accent3">
+        <a:tint val="40000"/>
+      </a:schemeClr>
+    </dgm:fillClrLst>
+    <dgm:linClrLst meth="repeat">
+      <a:schemeClr val="dk1"/>
+    </dgm:linClrLst>
+    <dgm:effectClrLst/>
+    <dgm:txLinClrLst/>
+    <dgm:txFillClrLst meth="repeat">
+      <a:schemeClr val="dk1"/>
+    </dgm:txFillClrLst>
+    <dgm:txEffectClrLst/>
+  </dgm:styleLbl>
+  <dgm:styleLbl name="dkBgShp">
+    <dgm:fillClrLst meth="repeat">
+      <a:schemeClr val="accent3">
+        <a:shade val="90000"/>
+      </a:schemeClr>
+    </dgm:fillClrLst>
+    <dgm:linClrLst meth="repeat">
+      <a:schemeClr val="dk1"/>
+    </dgm:linClrLst>
+    <dgm:effectClrLst/>
+    <dgm:txLinClrLst/>
+    <dgm:txFillClrLst meth="repeat">
+      <a:schemeClr val="lt1"/>
+    </dgm:txFillClrLst>
+    <dgm:txEffectClrLst/>
+  </dgm:styleLbl>
+  <dgm:styleLbl name="trBgShp">
+    <dgm:fillClrLst meth="repeat">
+      <a:schemeClr val="accent2">
+        <a:tint val="50000"/>
+        <a:alpha val="40000"/>
+      </a:schemeClr>
+    </dgm:fillClrLst>
+    <dgm:linClrLst meth="repeat">
+      <a:schemeClr val="accent3"/>
+    </dgm:linClrLst>
+    <dgm:effectClrLst/>
+    <dgm:txLinClrLst/>
+    <dgm:txFillClrLst meth="repeat">
+      <a:schemeClr val="lt1"/>
+    </dgm:txFillClrLst>
+    <dgm:txEffectClrLst/>
+  </dgm:styleLbl>
+  <dgm:styleLbl name="fgShp">
+    <dgm:fillClrLst meth="repeat">
+      <a:schemeClr val="accent3">
+        <a:tint val="40000"/>
+      </a:schemeClr>
+    </dgm:fillClrLst>
+    <dgm:linClrLst meth="repeat">
+      <a:schemeClr val="lt1"/>
+    </dgm:linClrLst>
+    <dgm:effectClrLst/>
+    <dgm:txLinClrLst/>
+    <dgm:txFillClrLst meth="repeat">
+      <a:schemeClr val="dk1"/>
+    </dgm:txFillClrLst>
+    <dgm:txEffectClrLst/>
+  </dgm:styleLbl>
+  <dgm:styleLbl name="revTx">
+    <dgm:fillClrLst meth="repeat">
+      <a:schemeClr val="lt1">
+        <a:alpha val="0"/>
+      </a:schemeClr>
+    </dgm:fillClrLst>
+    <dgm:linClrLst meth="repeat">
+      <a:schemeClr val="dk1">
+        <a:alpha val="0"/>
+      </a:schemeClr>
+    </dgm:linClrLst>
+    <dgm:effectClrLst/>
+    <dgm:txLinClrLst/>
+    <dgm:txFillClrLst meth="repeat">
+      <a:schemeClr val="tx1"/>
+    </dgm:txFillClrLst>
+    <dgm:txEffectClrLst/>
+  </dgm:styleLbl>
+</dgm:colorsDef>
+</file>
+
+<file path=ppt/diagrams/colors4.xml><?xml version="1.0" encoding="utf-8"?>
+<dgm:colorsDef xmlns:dgm="http://schemas.openxmlformats.org/drawingml/2006/diagram" xmlns:a="http://schemas.openxmlformats.org/drawingml/2006/main" uniqueId="urn:microsoft.com/office/officeart/2005/8/colors/colorful1">
+  <dgm:title val=""/>
+  <dgm:desc val=""/>
+  <dgm:catLst>
+    <dgm:cat type="colorful" pri="10100"/>
+  </dgm:catLst>
+  <dgm:styleLbl name="node0">
+    <dgm:fillClrLst meth="repeat">
+      <a:schemeClr val="accent1"/>
+    </dgm:fillClrLst>
+    <dgm:linClrLst meth="repeat">
+      <a:schemeClr val="lt1"/>
+    </dgm:linClrLst>
+    <dgm:effectClrLst/>
+    <dgm:txLinClrLst/>
+    <dgm:txFillClrLst/>
+    <dgm:txEffectClrLst/>
+  </dgm:styleLbl>
+  <dgm:styleLbl name="node1">
+    <dgm:fillClrLst meth="repeat">
+      <a:schemeClr val="accent2"/>
+      <a:schemeClr val="accent3"/>
+      <a:schemeClr val="accent4"/>
+      <a:schemeClr val="accent5"/>
+      <a:schemeClr val="accent6"/>
+    </dgm:fillClrLst>
+    <dgm:linClrLst meth="repeat">
+      <a:schemeClr val="lt1"/>
+    </dgm:linClrLst>
+    <dgm:effectClrLst/>
+    <dgm:txLinClrLst/>
+    <dgm:txFillClrLst/>
+    <dgm:txEffectClrLst/>
+  </dgm:styleLbl>
+  <dgm:styleLbl name="alignNode1">
+    <dgm:fillClrLst meth="repeat">
+      <a:schemeClr val="accent2"/>
+      <a:schemeClr val="accent3"/>
+      <a:schemeClr val="accent4"/>
+      <a:schemeClr val="accent5"/>
+      <a:schemeClr val="accent6"/>
+    </dgm:fillClrLst>
+    <dgm:linClrLst meth="repeat">
+      <a:schemeClr val="accent2"/>
+      <a:schemeClr val="accent3"/>
+      <a:schemeClr val="accent4"/>
+      <a:schemeClr val="accent5"/>
+      <a:schemeClr val="accent6"/>
+    </dgm:linClrLst>
+    <dgm:effectClrLst/>
+    <dgm:txLinClrLst/>
+    <dgm:txFillClrLst/>
+    <dgm:txEffectClrLst/>
+  </dgm:styleLbl>
+  <dgm:styleLbl name="lnNode1">
+    <dgm:fillClrLst meth="repeat">
+      <a:schemeClr val="accent2"/>
+      <a:schemeClr val="accent3"/>
+      <a:schemeClr val="accent4"/>
+      <a:schemeClr val="accent5"/>
+      <a:schemeClr val="accent6"/>
+    </dgm:fillClrLst>
+    <dgm:linClrLst meth="repeat">
+      <a:schemeClr val="lt1"/>
+    </dgm:linClrLst>
+    <dgm:effectClrLst/>
+    <dgm:txLinClrLst/>
+    <dgm:txFillClrLst/>
+    <dgm:txEffectClrLst/>
+  </dgm:styleLbl>
+  <dgm:styleLbl name="vennNode1">
+    <dgm:fillClrLst meth="repeat">
+      <a:schemeClr val="accent2">
+        <a:alpha val="50000"/>
+      </a:schemeClr>
+      <a:schemeClr val="accent3">
+        <a:alpha val="50000"/>
+      </a:schemeClr>
+      <a:schemeClr val="accent4">
+        <a:alpha val="50000"/>
+      </a:schemeClr>
+      <a:schemeClr val="accent5">
+        <a:alpha val="50000"/>
+      </a:schemeClr>
+      <a:schemeClr val="accent6">
+        <a:alpha val="50000"/>
+      </a:schemeClr>
+    </dgm:fillClrLst>
+    <dgm:linClrLst meth="repeat">
+      <a:schemeClr val="lt1"/>
+    </dgm:linClrLst>
+    <dgm:effectClrLst/>
+    <dgm:txLinClrLst/>
+    <dgm:txFillClrLst/>
+    <dgm:txEffectClrLst/>
+  </dgm:styleLbl>
+  <dgm:styleLbl name="node2">
+    <dgm:fillClrLst>
+      <a:schemeClr val="accent2"/>
+    </dgm:fillClrLst>
+    <dgm:linClrLst meth="repeat">
+      <a:schemeClr val="lt1"/>
+    </dgm:linClrLst>
+    <dgm:effectClrLst/>
+    <dgm:txLinClrLst/>
+    <dgm:txFillClrLst/>
+    <dgm:txEffectClrLst/>
+  </dgm:styleLbl>
+  <dgm:styleLbl name="node3">
+    <dgm:fillClrLst>
+      <a:schemeClr val="accent3"/>
+    </dgm:fillClrLst>
+    <dgm:linClrLst meth="repeat">
+      <a:schemeClr val="lt1"/>
+    </dgm:linClrLst>
+    <dgm:effectClrLst/>
+    <dgm:txLinClrLst/>
+    <dgm:txFillClrLst/>
+    <dgm:txEffectClrLst/>
+  </dgm:styleLbl>
+  <dgm:styleLbl name="node4">
+    <dgm:fillClrLst>
+      <a:schemeClr val="accent4"/>
+    </dgm:fillClrLst>
+    <dgm:linClrLst meth="repeat">
+      <a:schemeClr val="lt1"/>
+    </dgm:linClrLst>
+    <dgm:effectClrLst/>
+    <dgm:txLinClrLst/>
+    <dgm:txFillClrLst/>
+    <dgm:txEffectClrLst/>
+  </dgm:styleLbl>
+  <dgm:styleLbl name="fgImgPlace1">
+    <dgm:fillClrLst meth="repeat">
+      <a:schemeClr val="accent2">
+        <a:tint val="50000"/>
+      </a:schemeClr>
+      <a:schemeClr val="accent3">
+        <a:tint val="50000"/>
+      </a:schemeClr>
+      <a:schemeClr val="accent4">
+        <a:tint val="50000"/>
+      </a:schemeClr>
+      <a:schemeClr val="accent5">
+        <a:tint val="50000"/>
+      </a:schemeClr>
+      <a:schemeClr val="accent6">
+        <a:tint val="50000"/>
+      </a:schemeClr>
+    </dgm:fillClrLst>
+    <dgm:linClrLst meth="repeat">
+      <a:schemeClr val="lt1"/>
+    </dgm:linClrLst>
+    <dgm:effectClrLst/>
+    <dgm:txLinClrLst/>
+    <dgm:txFillClrLst meth="repeat">
+      <a:schemeClr val="lt1"/>
+    </dgm:txFillClrLst>
+    <dgm:txEffectClrLst/>
+  </dgm:styleLbl>
+  <dgm:styleLbl name="alignImgPlace1">
+    <dgm:fillClrLst>
+      <a:schemeClr val="accent1">
+        <a:tint val="50000"/>
+      </a:schemeClr>
+      <a:schemeClr val="accent2">
+        <a:tint val="20000"/>
+      </a:schemeClr>
+    </dgm:fillClrLst>
+    <dgm:linClrLst meth="repeat">
+      <a:schemeClr val="lt1"/>
+    </dgm:linClrLst>
+    <dgm:effectClrLst/>
+    <dgm:txLinClrLst/>
+    <dgm:txFillClrLst meth="repeat">
+      <a:schemeClr val="lt1"/>
+    </dgm:txFillClrLst>
+    <dgm:txEffectClrLst/>
+  </dgm:styleLbl>
+  <dgm:styleLbl name="bgImgPlace1">
+    <dgm:fillClrLst>
+      <a:schemeClr val="accent1">
+        <a:tint val="50000"/>
+      </a:schemeClr>
+      <a:schemeClr val="accent2">
+        <a:tint val="20000"/>
+      </a:schemeClr>
+    </dgm:fillClrLst>
+    <dgm:linClrLst meth="repeat">
+      <a:schemeClr val="lt1"/>
+    </dgm:linClrLst>
+    <dgm:effectClrLst/>
+    <dgm:txLinClrLst/>
+    <dgm:txFillClrLst meth="repeat">
+      <a:schemeClr val="lt1"/>
+    </dgm:txFillClrLst>
+    <dgm:txEffectClrLst/>
+  </dgm:styleLbl>
+  <dgm:styleLbl name="sibTrans2D1">
+    <dgm:fillClrLst meth="repeat">
+      <a:schemeClr val="accent2"/>
+      <a:schemeClr val="accent3"/>
+      <a:schemeClr val="accent4"/>
+      <a:schemeClr val="accent5"/>
+      <a:schemeClr val="accent6"/>
+    </dgm:fillClrLst>
+    <dgm:linClrLst meth="cycle">
+      <a:schemeClr val="lt1"/>
+    </dgm:linClrLst>
+    <dgm:effectClrLst/>
+    <dgm:txLinClrLst/>
+    <dgm:txFillClrLst/>
+    <dgm:txEffectClrLst/>
+  </dgm:styleLbl>
+  <dgm:styleLbl name="fgSibTrans2D1">
+    <dgm:fillClrLst meth="repeat">
+      <a:schemeClr val="accent2"/>
+      <a:schemeClr val="accent3"/>
+      <a:schemeClr val="accent4"/>
+      <a:schemeClr val="accent5"/>
+      <a:schemeClr val="accent6"/>
+    </dgm:fillClrLst>
+    <dgm:linClrLst meth="cycle">
+      <a:schemeClr val="lt1"/>
+    </dgm:linClrLst>
+    <dgm:effectClrLst/>
+    <dgm:txLinClrLst/>
+    <dgm:txFillClrLst meth="repeat">
+      <a:schemeClr val="lt1"/>
+    </dgm:txFillClrLst>
+    <dgm:txEffectClrLst/>
+  </dgm:styleLbl>
+  <dgm:styleLbl name="bgSibTrans2D1">
+    <dgm:fillClrLst meth="repeat">
+      <a:schemeClr val="accent2"/>
+      <a:schemeClr val="accent3"/>
+      <a:schemeClr val="accent4"/>
+      <a:schemeClr val="accent5"/>
+      <a:schemeClr val="accent6"/>
+    </dgm:fillClrLst>
+    <dgm:linClrLst meth="cycle">
+      <a:schemeClr val="lt1"/>
+    </dgm:linClrLst>
+    <dgm:effectClrLst/>
+    <dgm:txLinClrLst/>
+    <dgm:txFillClrLst meth="repeat">
+      <a:schemeClr val="lt1"/>
+    </dgm:txFillClrLst>
+    <dgm:txEffectClrLst/>
+  </dgm:styleLbl>
+  <dgm:styleLbl name="sibTrans1D1">
+    <dgm:fillClrLst meth="repeat">
+      <a:schemeClr val="accent2"/>
+      <a:schemeClr val="accent3"/>
+      <a:schemeClr val="accent4"/>
+      <a:schemeClr val="accent5"/>
+      <a:schemeClr val="accent6"/>
+    </dgm:fillClrLst>
+    <dgm:linClrLst meth="repeat">
+      <a:schemeClr val="accent2"/>
+      <a:schemeClr val="accent3"/>
+      <a:schemeClr val="accent4"/>
+      <a:schemeClr val="accent5"/>
+      <a:schemeClr val="accent6"/>
+    </dgm:linClrLst>
+    <dgm:effectClrLst/>
+    <dgm:txLinClrLst/>
+    <dgm:txFillClrLst meth="repeat">
+      <a:schemeClr val="tx1"/>
+    </dgm:txFillClrLst>
+    <dgm:txEffectClrLst/>
+  </dgm:styleLbl>
+  <dgm:styleLbl name="callout">
+    <dgm:fillClrLst meth="repeat">
+      <a:schemeClr val="accent2"/>
+    </dgm:fillClrLst>
+    <dgm:linClrLst meth="repeat">
+      <a:schemeClr val="accent2">
+        <a:tint val="50000"/>
+      </a:schemeClr>
+    </dgm:linClrLst>
+    <dgm:effectClrLst/>
+    <dgm:txLinClrLst/>
+    <dgm:txFillClrLst meth="repeat">
+      <a:schemeClr val="tx1"/>
+    </dgm:txFillClrLst>
+    <dgm:txEffectClrLst/>
+  </dgm:styleLbl>
+  <dgm:styleLbl name="asst0">
+    <dgm:fillClrLst meth="repeat">
+      <a:schemeClr val="accent1"/>
+    </dgm:fillClrLst>
+    <dgm:linClrLst meth="repeat">
+      <a:schemeClr val="lt1"/>
+    </dgm:linClrLst>
+    <dgm:effectClrLst/>
+    <dgm:txLinClrLst/>
+    <dgm:txFillClrLst/>
+    <dgm:txEffectClrLst/>
+  </dgm:styleLbl>
+  <dgm:styleLbl name="asst1">
+    <dgm:fillClrLst meth="repeat">
+      <a:schemeClr val="accent2"/>
+    </dgm:fillClrLst>
+    <dgm:linClrLst meth="repeat">
+      <a:schemeClr val="lt1"/>
+    </dgm:linClrLst>
+    <dgm:effectClrLst/>
+    <dgm:txLinClrLst/>
+    <dgm:txFillClrLst/>
+    <dgm:txEffectClrLst/>
+  </dgm:styleLbl>
+  <dgm:styleLbl name="asst2">
+    <dgm:fillClrLst>
+      <a:schemeClr val="accent3"/>
+    </dgm:fillClrLst>
+    <dgm:linClrLst meth="repeat">
+      <a:schemeClr val="lt1"/>
+    </dgm:linClrLst>
+    <dgm:effectClrLst/>
+    <dgm:txLinClrLst/>
+    <dgm:txFillClrLst/>
+    <dgm:txEffectClrLst/>
+  </dgm:styleLbl>
+  <dgm:styleLbl name="asst3">
+    <dgm:fillClrLst>
+      <a:schemeClr val="accent4"/>
+    </dgm:fillClrLst>
+    <dgm:linClrLst meth="repeat">
+      <a:schemeClr val="lt1"/>
+    </dgm:linClrLst>
+    <dgm:effectClrLst/>
+    <dgm:txLinClrLst/>
+    <dgm:txFillClrLst/>
+    <dgm:txEffectClrLst/>
+  </dgm:styleLbl>
+  <dgm:styleLbl name="asst4">
+    <dgm:fillClrLst>
+      <a:schemeClr val="accent5"/>
+    </dgm:fillClrLst>
+    <dgm:linClrLst meth="repeat">
+      <a:schemeClr val="lt1"/>
+    </dgm:linClrLst>
+    <dgm:effectClrLst/>
+    <dgm:txLinClrLst/>
+    <dgm:txFillClrLst/>
+    <dgm:txEffectClrLst/>
+  </dgm:styleLbl>
+  <dgm:styleLbl name="parChTrans2D1">
+    <dgm:fillClrLst meth="repeat">
+      <a:schemeClr val="accent2"/>
+    </dgm:fillClrLst>
+    <dgm:linClrLst meth="repeat">
+      <a:schemeClr val="lt1"/>
+    </dgm:linClrLst>
+    <dgm:effectClrLst/>
+    <dgm:txLinClrLst/>
+    <dgm:txFillClrLst meth="repeat">
+      <a:schemeClr val="lt1"/>
+    </dgm:txFillClrLst>
+    <dgm:txEffectClrLst/>
+  </dgm:styleLbl>
+  <dgm:styleLbl name="parChTrans2D2">
+    <dgm:fillClrLst meth="repeat">
+      <a:schemeClr val="accent3"/>
+    </dgm:fillClrLst>
+    <dgm:linClrLst meth="repeat">
+      <a:schemeClr val="lt1"/>
+    </dgm:linClrLst>
+    <dgm:effectClrLst/>
+    <dgm:txLinClrLst/>
+    <dgm:txFillClrLst/>
+    <dgm:txEffectClrLst/>
+  </dgm:styleLbl>
+  <dgm:styleLbl name="parChTrans2D3">
+    <dgm:fillClrLst meth="repeat">
+      <a:schemeClr val="accent4"/>
+    </dgm:fillClrLst>
+    <dgm:linClrLst meth="repeat">
+      <a:schemeClr val="lt1"/>
+    </dgm:linClrLst>
+    <dgm:effectClrLst/>
+    <dgm:txLinClrLst/>
+    <dgm:txFillClrLst/>
+    <dgm:txEffectClrLst/>
+  </dgm:styleLbl>
+  <dgm:styleLbl name="parChTrans2D4">
+    <dgm:fillClrLst meth="repeat">
+      <a:schemeClr val="accent5"/>
+    </dgm:fillClrLst>
+    <dgm:linClrLst meth="repeat">
+      <a:schemeClr val="lt1"/>
+    </dgm:linClrLst>
+    <dgm:effectClrLst/>
+    <dgm:txLinClrLst/>
+    <dgm:txFillClrLst meth="repeat">
+      <a:schemeClr val="lt1"/>
+    </dgm:txFillClrLst>
+    <dgm:txEffectClrLst/>
+  </dgm:styleLbl>
+  <dgm:styleLbl name="parChTrans1D1">
+    <dgm:fillClrLst meth="repeat">
+      <a:schemeClr val="accent2"/>
+    </dgm:fillClrLst>
+    <dgm:linClrLst meth="repeat">
+      <a:schemeClr val="accent1"/>
+    </dgm:linClrLst>
+    <dgm:effectClrLst/>
+    <dgm:txLinClrLst/>
+    <dgm:txFillClrLst meth="repeat">
+      <a:schemeClr val="tx1"/>
+    </dgm:txFillClrLst>
+    <dgm:txEffectClrLst/>
+  </dgm:styleLbl>
+  <dgm:styleLbl name="parChTrans1D2">
+    <dgm:fillClrLst meth="repeat">
+      <a:schemeClr val="accent3">
+        <a:tint val="90000"/>
+      </a:schemeClr>
+    </dgm:fillClrLst>
+    <dgm:linClrLst meth="repeat">
+      <a:schemeClr val="accent2"/>
+    </dgm:linClrLst>
+    <dgm:effectClrLst/>
+    <dgm:txLinClrLst/>
+    <dgm:txFillClrLst meth="repeat">
+      <a:schemeClr val="tx1"/>
+    </dgm:txFillClrLst>
+    <dgm:txEffectClrLst/>
+  </dgm:styleLbl>
+  <dgm:styleLbl name="parChTrans1D3">
+    <dgm:fillClrLst meth="repeat">
+      <a:schemeClr val="accent4">
+        <a:tint val="70000"/>
+      </a:schemeClr>
+    </dgm:fillClrLst>
+    <dgm:linClrLst meth="repeat">
+      <a:schemeClr val="accent3"/>
+    </dgm:linClrLst>
+    <dgm:effectClrLst/>
+    <dgm:txLinClrLst/>
+    <dgm:txFillClrLst meth="repeat">
+      <a:schemeClr val="tx1"/>
+    </dgm:txFillClrLst>
+    <dgm:txEffectClrLst/>
+  </dgm:styleLbl>
+  <dgm:styleLbl name="parChTrans1D4">
+    <dgm:fillClrLst meth="repeat">
+      <a:schemeClr val="accent5">
+        <a:tint val="50000"/>
+      </a:schemeClr>
+    </dgm:fillClrLst>
+    <dgm:linClrLst meth="repeat">
+      <a:schemeClr val="accent4"/>
+    </dgm:linClrLst>
+    <dgm:effectClrLst/>
+    <dgm:txLinClrLst/>
+    <dgm:txFillClrLst meth="repeat">
+      <a:schemeClr val="tx1"/>
+    </dgm:txFillClrLst>
+    <dgm:txEffectClrLst/>
+  </dgm:styleLbl>
+  <dgm:styleLbl name="fgAcc1">
+    <dgm:fillClrLst meth="repeat">
+      <a:schemeClr val="lt1">
+        <a:alpha val="90000"/>
+      </a:schemeClr>
+    </dgm:fillClrLst>
+    <dgm:linClrLst meth="repeat">
+      <a:schemeClr val="accent2"/>
+      <a:schemeClr val="accent3"/>
+      <a:schemeClr val="accent4"/>
+      <a:schemeClr val="accent5"/>
+      <a:schemeClr val="accent6"/>
+    </dgm:linClrLst>
+    <dgm:effectClrLst/>
+    <dgm:txLinClrLst/>
+    <dgm:txFillClrLst meth="repeat">
+      <a:schemeClr val="dk1"/>
+    </dgm:txFillClrLst>
+    <dgm:txEffectClrLst/>
+  </dgm:styleLbl>
+  <dgm:styleLbl name="conFgAcc1">
+    <dgm:fillClrLst meth="repeat">
+      <a:schemeClr val="lt1">
+        <a:alpha val="90000"/>
+      </a:schemeClr>
+    </dgm:fillClrLst>
+    <dgm:linClrLst meth="repeat">
+      <a:schemeClr val="accent2"/>
+      <a:schemeClr val="accent3"/>
+      <a:schemeClr val="accent4"/>
+      <a:schemeClr val="accent5"/>
+      <a:schemeClr val="accent6"/>
+    </dgm:linClrLst>
+    <dgm:effectClrLst/>
+    <dgm:txLinClrLst/>
+    <dgm:txFillClrLst meth="repeat">
+      <a:schemeClr val="dk1"/>
+    </dgm:txFillClrLst>
+    <dgm:txEffectClrLst/>
+  </dgm:styleLbl>
+  <dgm:styleLbl name="alignAcc1">
+    <dgm:fillClrLst meth="repeat">
+      <a:schemeClr val="lt1">
+        <a:alpha val="90000"/>
+      </a:schemeClr>
+    </dgm:fillClrLst>
+    <dgm:linClrLst meth="repeat">
+      <a:schemeClr val="accent2"/>
+      <a:schemeClr val="accent3"/>
+      <a:schemeClr val="accent4"/>
+      <a:schemeClr val="accent5"/>
+      <a:schemeClr val="accent6"/>
+    </dgm:linClrLst>
+    <dgm:effectClrLst/>
+    <dgm:txLinClrLst/>
+    <dgm:txFillClrLst meth="repeat">
+      <a:schemeClr val="dk1"/>
+    </dgm:txFillClrLst>
+    <dgm:txEffectClrLst/>
+  </dgm:styleLbl>
+  <dgm:styleLbl name="trAlignAcc1">
+    <dgm:fillClrLst meth="repeat">
+      <a:schemeClr val="lt1">
+        <a:alpha val="40000"/>
+      </a:schemeClr>
+    </dgm:fillClrLst>
+    <dgm:linClrLst meth="repeat">
+      <a:schemeClr val="accent1"/>
+    </dgm:linClrLst>
+    <dgm:effectClrLst/>
+    <dgm:txLinClrLst/>
+    <dgm:txFillClrLst meth="repeat">
+      <a:schemeClr val="dk1"/>
+    </dgm:txFillClrLst>
+    <dgm:txEffectClrLst/>
+  </dgm:styleLbl>
+  <dgm:styleLbl name="bgAcc1">
+    <dgm:fillClrLst meth="repeat">
+      <a:schemeClr val="lt1">
+        <a:alpha val="90000"/>
+      </a:schemeClr>
+    </dgm:fillClrLst>
+    <dgm:linClrLst meth="repeat">
+      <a:schemeClr val="accent2"/>
+      <a:schemeClr val="accent3"/>
+      <a:schemeClr val="accent4"/>
+      <a:schemeClr val="accent5"/>
+      <a:schemeClr val="accent6"/>
+    </dgm:linClrLst>
+    <dgm:effectClrLst/>
+    <dgm:txLinClrLst/>
+    <dgm:txFillClrLst meth="repeat">
+      <a:schemeClr val="dk1"/>
+    </dgm:txFillClrLst>
+    <dgm:txEffectClrLst/>
+  </dgm:styleLbl>
+  <dgm:styleLbl name="solidFgAcc1">
+    <dgm:fillClrLst meth="repeat">
+      <a:schemeClr val="lt1"/>
+    </dgm:fillClrLst>
+    <dgm:linClrLst meth="repeat">
+      <a:schemeClr val="accent2"/>
+      <a:schemeClr val="accent3"/>
+      <a:schemeClr val="accent4"/>
+      <a:schemeClr val="accent5"/>
+      <a:schemeClr val="accent6"/>
+    </dgm:linClrLst>
+    <dgm:effectClrLst/>
+    <dgm:txLinClrLst/>
+    <dgm:txFillClrLst meth="repeat">
+      <a:schemeClr val="dk1"/>
+    </dgm:txFillClrLst>
+    <dgm:txEffectClrLst/>
+  </dgm:styleLbl>
+  <dgm:styleLbl name="solidAlignAcc1">
+    <dgm:fillClrLst meth="repeat">
+      <a:schemeClr val="lt1"/>
+    </dgm:fillClrLst>
+    <dgm:linClrLst meth="repeat">
+      <a:schemeClr val="accent2"/>
+      <a:schemeClr val="accent3"/>
+      <a:schemeClr val="accent4"/>
+      <a:schemeClr val="accent5"/>
+      <a:schemeClr val="accent6"/>
+    </dgm:linClrLst>
+    <dgm:effectClrLst/>
+    <dgm:txLinClrLst/>
+    <dgm:txFillClrLst meth="repeat">
+      <a:schemeClr val="dk1"/>
+    </dgm:txFillClrLst>
+    <dgm:txEffectClrLst/>
+  </dgm:styleLbl>
+  <dgm:styleLbl name="solidBgAcc1">
+    <dgm:fillClrLst meth="repeat">
+      <a:schemeClr val="lt1"/>
+    </dgm:fillClrLst>
+    <dgm:linClrLst meth="repeat">
+      <a:schemeClr val="accent2"/>
+      <a:schemeClr val="accent3"/>
+      <a:schemeClr val="accent4"/>
+      <a:schemeClr val="accent5"/>
+      <a:schemeClr val="accent6"/>
+    </dgm:linClrLst>
+    <dgm:effectClrLst/>
+    <dgm:txLinClrLst/>
+    <dgm:txFillClrLst meth="repeat">
+      <a:schemeClr val="dk1"/>
+    </dgm:txFillClrLst>
+    <dgm:txEffectClrLst/>
+  </dgm:styleLbl>
+  <dgm:styleLbl name="fgAccFollowNode1">
+    <dgm:fillClrLst meth="repeat">
+      <a:schemeClr val="accent2">
+        <a:tint val="40000"/>
+        <a:alpha val="90000"/>
+      </a:schemeClr>
+      <a:schemeClr val="accent3">
+        <a:tint val="40000"/>
+        <a:alpha val="90000"/>
+      </a:schemeClr>
+      <a:schemeClr val="accent4">
+        <a:tint val="40000"/>
+        <a:alpha val="90000"/>
+      </a:schemeClr>
+      <a:schemeClr val="accent5">
+        <a:tint val="40000"/>
+        <a:alpha val="90000"/>
+      </a:schemeClr>
+      <a:schemeClr val="accent6">
+        <a:tint val="40000"/>
+        <a:alpha val="90000"/>
+      </a:schemeClr>
+    </dgm:fillClrLst>
+    <dgm:linClrLst meth="repeat">
+      <a:schemeClr val="accent2">
+        <a:tint val="40000"/>
+        <a:alpha val="90000"/>
+      </a:schemeClr>
+      <a:schemeClr val="accent3">
+        <a:tint val="40000"/>
+        <a:alpha val="90000"/>
+      </a:schemeClr>
+      <a:schemeClr val="accent4">
+        <a:tint val="40000"/>
+        <a:alpha val="90000"/>
+      </a:schemeClr>
+      <a:schemeClr val="accent5">
+        <a:tint val="40000"/>
+        <a:alpha val="90000"/>
+      </a:schemeClr>
+      <a:schemeClr val="accent6">
+        <a:tint val="40000"/>
+        <a:alpha val="90000"/>
+      </a:schemeClr>
+    </dgm:linClrLst>
+    <dgm:effectClrLst/>
+    <dgm:txLinClrLst/>
+    <dgm:txFillClrLst meth="repeat">
+      <a:schemeClr val="dk1"/>
+    </dgm:txFillClrLst>
+    <dgm:txEffectClrLst/>
+  </dgm:styleLbl>
+  <dgm:styleLbl name="alignAccFollowNode1">
+    <dgm:fillClrLst meth="repeat">
+      <a:schemeClr val="accent2">
+        <a:tint val="40000"/>
+        <a:alpha val="90000"/>
+      </a:schemeClr>
+      <a:schemeClr val="accent3">
+        <a:tint val="40000"/>
+        <a:alpha val="90000"/>
+      </a:schemeClr>
+      <a:schemeClr val="accent4">
+        <a:tint val="40000"/>
+        <a:alpha val="90000"/>
+      </a:schemeClr>
+      <a:schemeClr val="accent5">
+        <a:tint val="40000"/>
+        <a:alpha val="90000"/>
+      </a:schemeClr>
+      <a:schemeClr val="accent6">
+        <a:tint val="40000"/>
+        <a:alpha val="90000"/>
+      </a:schemeClr>
+    </dgm:fillClrLst>
+    <dgm:linClrLst meth="repeat">
+      <a:schemeClr val="accent2">
+        <a:tint val="40000"/>
+        <a:alpha val="90000"/>
+      </a:schemeClr>
+      <a:schemeClr val="accent3">
+        <a:tint val="40000"/>
+        <a:alpha val="90000"/>
+      </a:schemeClr>
+      <a:schemeClr val="accent4">
+        <a:tint val="40000"/>
+        <a:alpha val="90000"/>
+      </a:schemeClr>
+      <a:schemeClr val="accent5">
+        <a:tint val="40000"/>
+        <a:alpha val="90000"/>
+      </a:schemeClr>
+      <a:schemeClr val="accent6">
+        <a:tint val="40000"/>
+        <a:alpha val="90000"/>
+      </a:schemeClr>
+    </dgm:linClrLst>
+    <dgm:effectClrLst/>
+    <dgm:txLinClrLst/>
+    <dgm:txFillClrLst meth="repeat">
+      <a:schemeClr val="dk1"/>
+    </dgm:txFillClrLst>
+    <dgm:txEffectClrLst/>
+  </dgm:styleLbl>
+  <dgm:styleLbl name="bgAccFollowNode1">
+    <dgm:fillClrLst meth="repeat">
+      <a:schemeClr val="accent2">
+        <a:tint val="40000"/>
+        <a:alpha val="90000"/>
+      </a:schemeClr>
+      <a:schemeClr val="accent3">
+        <a:tint val="40000"/>
+        <a:alpha val="90000"/>
+      </a:schemeClr>
+      <a:schemeClr val="accent4">
+        <a:tint val="40000"/>
+        <a:alpha val="90000"/>
+      </a:schemeClr>
+      <a:schemeClr val="accent5">
+        <a:tint val="40000"/>
+        <a:alpha val="90000"/>
+      </a:schemeClr>
+      <a:schemeClr val="accent6">
+        <a:tint val="40000"/>
+        <a:alpha val="90000"/>
+      </a:schemeClr>
+    </dgm:fillClrLst>
+    <dgm:linClrLst meth="repeat">
+      <a:schemeClr val="accent2">
+        <a:tint val="40000"/>
+        <a:alpha val="90000"/>
+      </a:schemeClr>
+      <a:schemeClr val="accent3">
+        <a:tint val="40000"/>
+        <a:alpha val="90000"/>
+      </a:schemeClr>
+      <a:schemeClr val="accent4">
+        <a:tint val="40000"/>
+        <a:alpha val="90000"/>
+      </a:schemeClr>
+      <a:schemeClr val="accent5">
+        <a:tint val="40000"/>
+        <a:alpha val="90000"/>
+      </a:schemeClr>
+      <a:schemeClr val="accent6">
+        <a:tint val="40000"/>
+        <a:alpha val="90000"/>
+      </a:schemeClr>
+    </dgm:linClrLst>
+    <dgm:effectClrLst/>
+    <dgm:txLinClrLst/>
+    <dgm:txFillClrLst meth="repeat">
+      <a:schemeClr val="dk1"/>
+    </dgm:txFillClrLst>
+    <dgm:txEffectClrLst/>
+  </dgm:styleLbl>
+  <dgm:styleLbl name="fgAcc0">
+    <dgm:fillClrLst meth="repeat">
+      <a:schemeClr val="lt1">
+        <a:alpha val="90000"/>
+      </a:schemeClr>
+    </dgm:fillClrLst>
+    <dgm:linClrLst>
+      <a:schemeClr val="accent1"/>
+    </dgm:linClrLst>
+    <dgm:effectClrLst/>
+    <dgm:txLinClrLst/>
+    <dgm:txFillClrLst meth="repeat">
+      <a:schemeClr val="dk1"/>
+    </dgm:txFillClrLst>
+    <dgm:txEffectClrLst/>
+  </dgm:styleLbl>
+  <dgm:styleLbl name="fgAcc2">
+    <dgm:fillClrLst meth="repeat">
+      <a:schemeClr val="lt1">
+        <a:alpha val="90000"/>
+      </a:schemeClr>
+    </dgm:fillClrLst>
+    <dgm:linClrLst>
+      <a:schemeClr val="accent2"/>
+    </dgm:linClrLst>
+    <dgm:effectClrLst/>
+    <dgm:txLinClrLst/>
+    <dgm:txFillClrLst meth="repeat">
+      <a:schemeClr val="dk1"/>
+    </dgm:txFillClrLst>
+    <dgm:txEffectClrLst/>
+  </dgm:styleLbl>
+  <dgm:styleLbl name="fgAcc3">
+    <dgm:fillClrLst meth="repeat">
+      <a:schemeClr val="lt1">
+        <a:alpha val="90000"/>
+      </a:schemeClr>
+    </dgm:fillClrLst>
+    <dgm:linClrLst>
+      <a:schemeClr val="accent3"/>
+    </dgm:linClrLst>
+    <dgm:effectClrLst/>
+    <dgm:txLinClrLst/>
+    <dgm:txFillClrLst meth="repeat">
+      <a:schemeClr val="dk1"/>
+    </dgm:txFillClrLst>
+    <dgm:txEffectClrLst/>
+  </dgm:styleLbl>
+  <dgm:styleLbl name="fgAcc4">
+    <dgm:fillClrLst meth="repeat">
+      <a:schemeClr val="lt1">
+        <a:alpha val="90000"/>
+      </a:schemeClr>
+    </dgm:fillClrLst>
+    <dgm:linClrLst>
+      <a:schemeClr val="accent4"/>
+    </dgm:linClrLst>
+    <dgm:effectClrLst/>
+    <dgm:txLinClrLst/>
+    <dgm:txFillClrLst meth="repeat">
+      <a:schemeClr val="dk1"/>
+    </dgm:txFillClrLst>
+    <dgm:txEffectClrLst/>
+  </dgm:styleLbl>
+  <dgm:styleLbl name="bgShp">
+    <dgm:fillClrLst meth="repeat">
+      <a:schemeClr val="accent2">
+        <a:tint val="40000"/>
+      </a:schemeClr>
+    </dgm:fillClrLst>
+    <dgm:linClrLst meth="repeat">
+      <a:schemeClr val="dk1"/>
+    </dgm:linClrLst>
+    <dgm:effectClrLst/>
+    <dgm:txLinClrLst/>
+    <dgm:txFillClrLst meth="repeat">
+      <a:schemeClr val="dk1"/>
+    </dgm:txFillClrLst>
+    <dgm:txEffectClrLst/>
+  </dgm:styleLbl>
+  <dgm:styleLbl name="dkBgShp">
+    <dgm:fillClrLst meth="repeat">
+      <a:schemeClr val="accent2">
+        <a:shade val="90000"/>
+      </a:schemeClr>
+    </dgm:fillClrLst>
+    <dgm:linClrLst meth="repeat">
+      <a:schemeClr val="dk1"/>
+    </dgm:linClrLst>
+    <dgm:effectClrLst/>
+    <dgm:txLinClrLst/>
+    <dgm:txFillClrLst meth="repeat">
+      <a:schemeClr val="lt1"/>
+    </dgm:txFillClrLst>
+    <dgm:txEffectClrLst/>
+  </dgm:styleLbl>
+  <dgm:styleLbl name="trBgShp">
+    <dgm:fillClrLst meth="repeat">
+      <a:schemeClr val="accent1">
+        <a:tint val="50000"/>
+        <a:alpha val="40000"/>
+      </a:schemeClr>
+    </dgm:fillClrLst>
+    <dgm:linClrLst meth="repeat">
+      <a:schemeClr val="accent2"/>
+    </dgm:linClrLst>
+    <dgm:effectClrLst/>
+    <dgm:txLinClrLst/>
+    <dgm:txFillClrLst meth="repeat">
+      <a:schemeClr val="lt1"/>
+    </dgm:txFillClrLst>
+    <dgm:txEffectClrLst/>
+  </dgm:styleLbl>
+  <dgm:styleLbl name="fgShp">
+    <dgm:fillClrLst meth="repeat">
+      <a:schemeClr val="accent2">
+        <a:tint val="40000"/>
+      </a:schemeClr>
+    </dgm:fillClrLst>
+    <dgm:linClrLst meth="repeat">
+      <a:schemeClr val="lt1"/>
+    </dgm:linClrLst>
+    <dgm:effectClrLst/>
+    <dgm:txLinClrLst/>
+    <dgm:txFillClrLst meth="repeat">
+      <a:schemeClr val="dk1"/>
+    </dgm:txFillClrLst>
+    <dgm:txEffectClrLst/>
+  </dgm:styleLbl>
+  <dgm:styleLbl name="revTx">
+    <dgm:fillClrLst meth="repeat">
+      <a:schemeClr val="lt1">
+        <a:alpha val="0"/>
+      </a:schemeClr>
+    </dgm:fillClrLst>
+    <dgm:linClrLst meth="repeat">
+      <a:schemeClr val="dk1">
+        <a:alpha val="0"/>
+      </a:schemeClr>
+    </dgm:linClrLst>
+    <dgm:effectClrLst/>
+    <dgm:txLinClrLst/>
+    <dgm:txFillClrLst meth="repeat">
+      <a:schemeClr val="tx1"/>
+    </dgm:txFillClrLst>
+    <dgm:txEffectClrLst/>
+  </dgm:styleLbl>
+</dgm:colorsDef>
+</file>
+
+<file path=ppt/diagrams/colors5.xml><?xml version="1.0" encoding="utf-8"?>
 <dgm:colorsDef xmlns:dgm="http://schemas.openxmlformats.org/drawingml/2006/diagram" xmlns:a="http://schemas.openxmlformats.org/drawingml/2006/main" uniqueId="urn:microsoft.com/office/officeart/2005/8/colors/colorful3">
   <dgm:title val=""/>
   <dgm:desc val=""/>
@@ -3061,6 +4770,560 @@
 </file>
 
 <file path=ppt/diagrams/data3.xml><?xml version="1.0" encoding="utf-8"?>
+<dgm:dataModel xmlns:dgm="http://schemas.openxmlformats.org/drawingml/2006/diagram" xmlns:a="http://schemas.openxmlformats.org/drawingml/2006/main">
+  <dgm:ptLst>
+    <dgm:pt modelId="{62379415-E005-4558-A4A8-B256520121F1}" type="doc">
+      <dgm:prSet loTypeId="urn:microsoft.com/office/officeart/2008/layout/LinedList" loCatId="list" qsTypeId="urn:microsoft.com/office/officeart/2005/8/quickstyle/simple1" qsCatId="simple" csTypeId="urn:microsoft.com/office/officeart/2005/8/colors/colorful3" csCatId="colorful" phldr="1"/>
+      <dgm:spPr/>
+    </dgm:pt>
+    <dgm:pt modelId="{52968CA5-C8E4-4C62-834C-762F848D8F06}">
+      <dgm:prSet phldrT="[Text]"/>
+      <dgm:spPr/>
+      <dgm:t>
+        <a:bodyPr/>
+        <a:lstStyle/>
+        <a:p>
+          <a:r>
+            <a:rPr lang="en-US" dirty="0"/>
+            <a:t>Not everyone is digitally literate</a:t>
+          </a:r>
+        </a:p>
+      </dgm:t>
+    </dgm:pt>
+    <dgm:pt modelId="{20B2D383-586B-4229-8919-6BBD6485D84A}" type="parTrans" cxnId="{ABAAEF3A-4769-40A5-BD74-05A129597FED}">
+      <dgm:prSet/>
+      <dgm:spPr/>
+      <dgm:t>
+        <a:bodyPr/>
+        <a:lstStyle/>
+        <a:p>
+          <a:endParaRPr lang="en-US"/>
+        </a:p>
+      </dgm:t>
+    </dgm:pt>
+    <dgm:pt modelId="{BE2FF7EA-4730-4413-BA6C-C8F59022BF88}" type="sibTrans" cxnId="{ABAAEF3A-4769-40A5-BD74-05A129597FED}">
+      <dgm:prSet/>
+      <dgm:spPr/>
+      <dgm:t>
+        <a:bodyPr/>
+        <a:lstStyle/>
+        <a:p>
+          <a:endParaRPr lang="en-US"/>
+        </a:p>
+      </dgm:t>
+    </dgm:pt>
+    <dgm:pt modelId="{E2E620CE-D526-46E5-A1F7-8DBC8E18C619}">
+      <dgm:prSet phldrT="[Text]"/>
+      <dgm:spPr/>
+      <dgm:t>
+        <a:bodyPr/>
+        <a:lstStyle/>
+        <a:p>
+          <a:r>
+            <a:rPr lang="en-US" dirty="0"/>
+            <a:t>Data charges</a:t>
+          </a:r>
+        </a:p>
+      </dgm:t>
+    </dgm:pt>
+    <dgm:pt modelId="{838B033C-AFD0-4E19-AD88-B5D3F9C563FC}" type="parTrans" cxnId="{F08E59C4-1C25-436D-9141-73F107574FAB}">
+      <dgm:prSet/>
+      <dgm:spPr/>
+      <dgm:t>
+        <a:bodyPr/>
+        <a:lstStyle/>
+        <a:p>
+          <a:endParaRPr lang="en-US"/>
+        </a:p>
+      </dgm:t>
+    </dgm:pt>
+    <dgm:pt modelId="{434CE59B-54C6-4EBA-845E-90A5F3A49D42}" type="sibTrans" cxnId="{F08E59C4-1C25-436D-9141-73F107574FAB}">
+      <dgm:prSet/>
+      <dgm:spPr/>
+      <dgm:t>
+        <a:bodyPr/>
+        <a:lstStyle/>
+        <a:p>
+          <a:endParaRPr lang="en-US"/>
+        </a:p>
+      </dgm:t>
+    </dgm:pt>
+    <dgm:pt modelId="{78242132-73BB-47C6-B3C1-F115DC992F8F}">
+      <dgm:prSet phldrT="[Text]"/>
+      <dgm:spPr/>
+      <dgm:t>
+        <a:bodyPr/>
+        <a:lstStyle/>
+        <a:p>
+          <a:r>
+            <a:rPr lang="en-US" dirty="0"/>
+            <a:t>Storage issues</a:t>
+          </a:r>
+        </a:p>
+      </dgm:t>
+    </dgm:pt>
+    <dgm:pt modelId="{E1943A27-70DF-4542-AAEB-2CD6FF93E74B}" type="parTrans" cxnId="{B565BBF2-A9D8-4636-A939-176CB7650C5C}">
+      <dgm:prSet/>
+      <dgm:spPr/>
+      <dgm:t>
+        <a:bodyPr/>
+        <a:lstStyle/>
+        <a:p>
+          <a:endParaRPr lang="en-US"/>
+        </a:p>
+      </dgm:t>
+    </dgm:pt>
+    <dgm:pt modelId="{C5D6F120-08FE-4D4C-A862-816E3F5EA8CA}" type="sibTrans" cxnId="{B565BBF2-A9D8-4636-A939-176CB7650C5C}">
+      <dgm:prSet/>
+      <dgm:spPr/>
+      <dgm:t>
+        <a:bodyPr/>
+        <a:lstStyle/>
+        <a:p>
+          <a:endParaRPr lang="en-US"/>
+        </a:p>
+      </dgm:t>
+    </dgm:pt>
+    <dgm:pt modelId="{75ED7C72-7CC2-47F7-B5C4-70EB11B5FACC}">
+      <dgm:prSet phldrT="[Text]"/>
+      <dgm:spPr/>
+      <dgm:t>
+        <a:bodyPr/>
+        <a:lstStyle/>
+        <a:p>
+          <a:r>
+            <a:rPr lang="en-US" dirty="0"/>
+            <a:t>Annoying ads</a:t>
+          </a:r>
+        </a:p>
+      </dgm:t>
+    </dgm:pt>
+    <dgm:pt modelId="{59DD45B4-A72B-4E57-8A94-181FDAD23D1E}" type="parTrans" cxnId="{7F587000-2D3C-45CB-8800-739D334921C0}">
+      <dgm:prSet/>
+      <dgm:spPr/>
+      <dgm:t>
+        <a:bodyPr/>
+        <a:lstStyle/>
+        <a:p>
+          <a:endParaRPr lang="en-US"/>
+        </a:p>
+      </dgm:t>
+    </dgm:pt>
+    <dgm:pt modelId="{C45EC3B5-E654-47A6-BF83-532EF659F385}" type="sibTrans" cxnId="{7F587000-2D3C-45CB-8800-739D334921C0}">
+      <dgm:prSet/>
+      <dgm:spPr/>
+      <dgm:t>
+        <a:bodyPr/>
+        <a:lstStyle/>
+        <a:p>
+          <a:endParaRPr lang="en-US"/>
+        </a:p>
+      </dgm:t>
+    </dgm:pt>
+    <dgm:pt modelId="{1F66248C-69AA-4566-93E8-22E86EE2BF79}">
+      <dgm:prSet phldrT="[Text]"/>
+      <dgm:spPr/>
+      <dgm:t>
+        <a:bodyPr/>
+        <a:lstStyle/>
+        <a:p>
+          <a:r>
+            <a:rPr lang="en-US" dirty="0"/>
+            <a:t>Not everyone has a smartphone </a:t>
+          </a:r>
+        </a:p>
+      </dgm:t>
+    </dgm:pt>
+    <dgm:pt modelId="{EEB3A324-DF63-4946-AC28-55FEFFF80F79}" type="parTrans" cxnId="{536E49FE-235B-4C5D-9CC3-48259A574FF6}">
+      <dgm:prSet/>
+      <dgm:spPr/>
+      <dgm:t>
+        <a:bodyPr/>
+        <a:lstStyle/>
+        <a:p>
+          <a:endParaRPr lang="en-US"/>
+        </a:p>
+      </dgm:t>
+    </dgm:pt>
+    <dgm:pt modelId="{912D6941-EC3F-48C9-9785-267DDA8C3731}" type="sibTrans" cxnId="{536E49FE-235B-4C5D-9CC3-48259A574FF6}">
+      <dgm:prSet/>
+      <dgm:spPr/>
+      <dgm:t>
+        <a:bodyPr/>
+        <a:lstStyle/>
+        <a:p>
+          <a:endParaRPr lang="en-US"/>
+        </a:p>
+      </dgm:t>
+    </dgm:pt>
+    <dgm:pt modelId="{66188FE3-5837-4B1C-A842-E67C26800969}" type="pres">
+      <dgm:prSet presAssocID="{62379415-E005-4558-A4A8-B256520121F1}" presName="vert0" presStyleCnt="0">
+        <dgm:presLayoutVars>
+          <dgm:dir/>
+          <dgm:animOne val="branch"/>
+          <dgm:animLvl val="lvl"/>
+        </dgm:presLayoutVars>
+      </dgm:prSet>
+      <dgm:spPr/>
+    </dgm:pt>
+    <dgm:pt modelId="{62B06F91-41D2-4F0E-8C68-0C9C07C6AB50}" type="pres">
+      <dgm:prSet presAssocID="{52968CA5-C8E4-4C62-834C-762F848D8F06}" presName="thickLine" presStyleLbl="alignNode1" presStyleIdx="0" presStyleCnt="5"/>
+      <dgm:spPr/>
+    </dgm:pt>
+    <dgm:pt modelId="{BA24E0D5-C5B1-4917-AB51-B721FE1F4B7E}" type="pres">
+      <dgm:prSet presAssocID="{52968CA5-C8E4-4C62-834C-762F848D8F06}" presName="horz1" presStyleCnt="0"/>
+      <dgm:spPr/>
+    </dgm:pt>
+    <dgm:pt modelId="{A39947E9-7D7E-40A5-AB48-59E3E8AC3259}" type="pres">
+      <dgm:prSet presAssocID="{52968CA5-C8E4-4C62-834C-762F848D8F06}" presName="tx1" presStyleLbl="revTx" presStyleIdx="0" presStyleCnt="5"/>
+      <dgm:spPr/>
+    </dgm:pt>
+    <dgm:pt modelId="{AF79D336-06BC-49FC-A2AA-C4483716F5A5}" type="pres">
+      <dgm:prSet presAssocID="{52968CA5-C8E4-4C62-834C-762F848D8F06}" presName="vert1" presStyleCnt="0"/>
+      <dgm:spPr/>
+    </dgm:pt>
+    <dgm:pt modelId="{B13DE8EF-1487-45C4-B8E6-C329854696E8}" type="pres">
+      <dgm:prSet presAssocID="{E2E620CE-D526-46E5-A1F7-8DBC8E18C619}" presName="thickLine" presStyleLbl="alignNode1" presStyleIdx="1" presStyleCnt="5"/>
+      <dgm:spPr/>
+    </dgm:pt>
+    <dgm:pt modelId="{F9055908-E019-4ED3-AA32-747AAFBFFDA3}" type="pres">
+      <dgm:prSet presAssocID="{E2E620CE-D526-46E5-A1F7-8DBC8E18C619}" presName="horz1" presStyleCnt="0"/>
+      <dgm:spPr/>
+    </dgm:pt>
+    <dgm:pt modelId="{0F0C6BDC-53AC-4586-8BF0-3BF5FBF574B9}" type="pres">
+      <dgm:prSet presAssocID="{E2E620CE-D526-46E5-A1F7-8DBC8E18C619}" presName="tx1" presStyleLbl="revTx" presStyleIdx="1" presStyleCnt="5"/>
+      <dgm:spPr/>
+    </dgm:pt>
+    <dgm:pt modelId="{FB285B10-EDE5-4F83-86C1-8AB16D3892E8}" type="pres">
+      <dgm:prSet presAssocID="{E2E620CE-D526-46E5-A1F7-8DBC8E18C619}" presName="vert1" presStyleCnt="0"/>
+      <dgm:spPr/>
+    </dgm:pt>
+    <dgm:pt modelId="{BEF5E524-0559-462A-A368-5BA776822EF9}" type="pres">
+      <dgm:prSet presAssocID="{78242132-73BB-47C6-B3C1-F115DC992F8F}" presName="thickLine" presStyleLbl="alignNode1" presStyleIdx="2" presStyleCnt="5"/>
+      <dgm:spPr/>
+    </dgm:pt>
+    <dgm:pt modelId="{B624590E-0443-413C-B056-6C631CE4F2E5}" type="pres">
+      <dgm:prSet presAssocID="{78242132-73BB-47C6-B3C1-F115DC992F8F}" presName="horz1" presStyleCnt="0"/>
+      <dgm:spPr/>
+    </dgm:pt>
+    <dgm:pt modelId="{BA159794-27A4-476A-A3B7-593E343BCA66}" type="pres">
+      <dgm:prSet presAssocID="{78242132-73BB-47C6-B3C1-F115DC992F8F}" presName="tx1" presStyleLbl="revTx" presStyleIdx="2" presStyleCnt="5"/>
+      <dgm:spPr/>
+    </dgm:pt>
+    <dgm:pt modelId="{F575FFBB-C2FE-4594-BA09-8F7F1B9D2F89}" type="pres">
+      <dgm:prSet presAssocID="{78242132-73BB-47C6-B3C1-F115DC992F8F}" presName="vert1" presStyleCnt="0"/>
+      <dgm:spPr/>
+    </dgm:pt>
+    <dgm:pt modelId="{EDE3E0B7-3F59-4DBE-9804-1A96FBCB729B}" type="pres">
+      <dgm:prSet presAssocID="{75ED7C72-7CC2-47F7-B5C4-70EB11B5FACC}" presName="thickLine" presStyleLbl="alignNode1" presStyleIdx="3" presStyleCnt="5"/>
+      <dgm:spPr/>
+    </dgm:pt>
+    <dgm:pt modelId="{590130C6-B17C-4B24-BDC2-B5A85A4FCB6D}" type="pres">
+      <dgm:prSet presAssocID="{75ED7C72-7CC2-47F7-B5C4-70EB11B5FACC}" presName="horz1" presStyleCnt="0"/>
+      <dgm:spPr/>
+    </dgm:pt>
+    <dgm:pt modelId="{B28B2804-6F3C-4201-91F5-F947A08E9798}" type="pres">
+      <dgm:prSet presAssocID="{75ED7C72-7CC2-47F7-B5C4-70EB11B5FACC}" presName="tx1" presStyleLbl="revTx" presStyleIdx="3" presStyleCnt="5"/>
+      <dgm:spPr/>
+    </dgm:pt>
+    <dgm:pt modelId="{AFBC4915-4C6A-47E6-B7EE-836111503ACE}" type="pres">
+      <dgm:prSet presAssocID="{75ED7C72-7CC2-47F7-B5C4-70EB11B5FACC}" presName="vert1" presStyleCnt="0"/>
+      <dgm:spPr/>
+    </dgm:pt>
+    <dgm:pt modelId="{53C476E7-DBFD-4B42-8C34-4C6DE2801382}" type="pres">
+      <dgm:prSet presAssocID="{1F66248C-69AA-4566-93E8-22E86EE2BF79}" presName="thickLine" presStyleLbl="alignNode1" presStyleIdx="4" presStyleCnt="5"/>
+      <dgm:spPr/>
+    </dgm:pt>
+    <dgm:pt modelId="{E1D68D55-0E92-470E-9A0F-B6639D7B1E0A}" type="pres">
+      <dgm:prSet presAssocID="{1F66248C-69AA-4566-93E8-22E86EE2BF79}" presName="horz1" presStyleCnt="0"/>
+      <dgm:spPr/>
+    </dgm:pt>
+    <dgm:pt modelId="{3842B1C5-9CF6-4D68-ADC4-CF2A2896B9A2}" type="pres">
+      <dgm:prSet presAssocID="{1F66248C-69AA-4566-93E8-22E86EE2BF79}" presName="tx1" presStyleLbl="revTx" presStyleIdx="4" presStyleCnt="5"/>
+      <dgm:spPr/>
+    </dgm:pt>
+    <dgm:pt modelId="{822CF03D-5BC7-4127-8E79-24DE82FDDE02}" type="pres">
+      <dgm:prSet presAssocID="{1F66248C-69AA-4566-93E8-22E86EE2BF79}" presName="vert1" presStyleCnt="0"/>
+      <dgm:spPr/>
+    </dgm:pt>
+  </dgm:ptLst>
+  <dgm:cxnLst>
+    <dgm:cxn modelId="{7F587000-2D3C-45CB-8800-739D334921C0}" srcId="{62379415-E005-4558-A4A8-B256520121F1}" destId="{75ED7C72-7CC2-47F7-B5C4-70EB11B5FACC}" srcOrd="3" destOrd="0" parTransId="{59DD45B4-A72B-4E57-8A94-181FDAD23D1E}" sibTransId="{C45EC3B5-E654-47A6-BF83-532EF659F385}"/>
+    <dgm:cxn modelId="{3F7D1A0D-7A94-4BE3-86EB-C739E1900D6A}" type="presOf" srcId="{62379415-E005-4558-A4A8-B256520121F1}" destId="{66188FE3-5837-4B1C-A842-E67C26800969}" srcOrd="0" destOrd="0" presId="urn:microsoft.com/office/officeart/2008/layout/LinedList"/>
+    <dgm:cxn modelId="{75372C1B-AD93-40E7-A6F3-DF406FA51938}" type="presOf" srcId="{52968CA5-C8E4-4C62-834C-762F848D8F06}" destId="{A39947E9-7D7E-40A5-AB48-59E3E8AC3259}" srcOrd="0" destOrd="0" presId="urn:microsoft.com/office/officeart/2008/layout/LinedList"/>
+    <dgm:cxn modelId="{ABAAEF3A-4769-40A5-BD74-05A129597FED}" srcId="{62379415-E005-4558-A4A8-B256520121F1}" destId="{52968CA5-C8E4-4C62-834C-762F848D8F06}" srcOrd="0" destOrd="0" parTransId="{20B2D383-586B-4229-8919-6BBD6485D84A}" sibTransId="{BE2FF7EA-4730-4413-BA6C-C8F59022BF88}"/>
+    <dgm:cxn modelId="{FACC0F43-CDA3-4DF5-A4F4-4EE34C54CA71}" type="presOf" srcId="{1F66248C-69AA-4566-93E8-22E86EE2BF79}" destId="{3842B1C5-9CF6-4D68-ADC4-CF2A2896B9A2}" srcOrd="0" destOrd="0" presId="urn:microsoft.com/office/officeart/2008/layout/LinedList"/>
+    <dgm:cxn modelId="{12056386-2FEC-4CFB-90B5-E998A839108D}" type="presOf" srcId="{E2E620CE-D526-46E5-A1F7-8DBC8E18C619}" destId="{0F0C6BDC-53AC-4586-8BF0-3BF5FBF574B9}" srcOrd="0" destOrd="0" presId="urn:microsoft.com/office/officeart/2008/layout/LinedList"/>
+    <dgm:cxn modelId="{EC5FACA7-DE8B-4303-BE05-95EF26D32E8D}" type="presOf" srcId="{75ED7C72-7CC2-47F7-B5C4-70EB11B5FACC}" destId="{B28B2804-6F3C-4201-91F5-F947A08E9798}" srcOrd="0" destOrd="0" presId="urn:microsoft.com/office/officeart/2008/layout/LinedList"/>
+    <dgm:cxn modelId="{54B6F6BA-9331-472C-BA71-DD7B60C15AEF}" type="presOf" srcId="{78242132-73BB-47C6-B3C1-F115DC992F8F}" destId="{BA159794-27A4-476A-A3B7-593E343BCA66}" srcOrd="0" destOrd="0" presId="urn:microsoft.com/office/officeart/2008/layout/LinedList"/>
+    <dgm:cxn modelId="{F08E59C4-1C25-436D-9141-73F107574FAB}" srcId="{62379415-E005-4558-A4A8-B256520121F1}" destId="{E2E620CE-D526-46E5-A1F7-8DBC8E18C619}" srcOrd="1" destOrd="0" parTransId="{838B033C-AFD0-4E19-AD88-B5D3F9C563FC}" sibTransId="{434CE59B-54C6-4EBA-845E-90A5F3A49D42}"/>
+    <dgm:cxn modelId="{B565BBF2-A9D8-4636-A939-176CB7650C5C}" srcId="{62379415-E005-4558-A4A8-B256520121F1}" destId="{78242132-73BB-47C6-B3C1-F115DC992F8F}" srcOrd="2" destOrd="0" parTransId="{E1943A27-70DF-4542-AAEB-2CD6FF93E74B}" sibTransId="{C5D6F120-08FE-4D4C-A862-816E3F5EA8CA}"/>
+    <dgm:cxn modelId="{536E49FE-235B-4C5D-9CC3-48259A574FF6}" srcId="{62379415-E005-4558-A4A8-B256520121F1}" destId="{1F66248C-69AA-4566-93E8-22E86EE2BF79}" srcOrd="4" destOrd="0" parTransId="{EEB3A324-DF63-4946-AC28-55FEFFF80F79}" sibTransId="{912D6941-EC3F-48C9-9785-267DDA8C3731}"/>
+    <dgm:cxn modelId="{3D99F2AB-3A86-4CF7-8370-9A4CE4E9F56C}" type="presParOf" srcId="{66188FE3-5837-4B1C-A842-E67C26800969}" destId="{62B06F91-41D2-4F0E-8C68-0C9C07C6AB50}" srcOrd="0" destOrd="0" presId="urn:microsoft.com/office/officeart/2008/layout/LinedList"/>
+    <dgm:cxn modelId="{E9164643-AF02-4B6E-AEA1-E8DCE4163FC0}" type="presParOf" srcId="{66188FE3-5837-4B1C-A842-E67C26800969}" destId="{BA24E0D5-C5B1-4917-AB51-B721FE1F4B7E}" srcOrd="1" destOrd="0" presId="urn:microsoft.com/office/officeart/2008/layout/LinedList"/>
+    <dgm:cxn modelId="{79E82A48-0556-463F-96A0-D00D5DD87A19}" type="presParOf" srcId="{BA24E0D5-C5B1-4917-AB51-B721FE1F4B7E}" destId="{A39947E9-7D7E-40A5-AB48-59E3E8AC3259}" srcOrd="0" destOrd="0" presId="urn:microsoft.com/office/officeart/2008/layout/LinedList"/>
+    <dgm:cxn modelId="{6AD8868E-9E6A-49BB-BC0C-25BDC6A656B9}" type="presParOf" srcId="{BA24E0D5-C5B1-4917-AB51-B721FE1F4B7E}" destId="{AF79D336-06BC-49FC-A2AA-C4483716F5A5}" srcOrd="1" destOrd="0" presId="urn:microsoft.com/office/officeart/2008/layout/LinedList"/>
+    <dgm:cxn modelId="{BCE8AA27-317A-4AEB-BCFF-43B25E0651FB}" type="presParOf" srcId="{66188FE3-5837-4B1C-A842-E67C26800969}" destId="{B13DE8EF-1487-45C4-B8E6-C329854696E8}" srcOrd="2" destOrd="0" presId="urn:microsoft.com/office/officeart/2008/layout/LinedList"/>
+    <dgm:cxn modelId="{DE243F1C-179E-4816-8638-452258731DF8}" type="presParOf" srcId="{66188FE3-5837-4B1C-A842-E67C26800969}" destId="{F9055908-E019-4ED3-AA32-747AAFBFFDA3}" srcOrd="3" destOrd="0" presId="urn:microsoft.com/office/officeart/2008/layout/LinedList"/>
+    <dgm:cxn modelId="{DBB82D7D-2745-415B-BAF7-09947F32945E}" type="presParOf" srcId="{F9055908-E019-4ED3-AA32-747AAFBFFDA3}" destId="{0F0C6BDC-53AC-4586-8BF0-3BF5FBF574B9}" srcOrd="0" destOrd="0" presId="urn:microsoft.com/office/officeart/2008/layout/LinedList"/>
+    <dgm:cxn modelId="{B1222E57-F3FC-4B3A-9EF9-67C28114E2F4}" type="presParOf" srcId="{F9055908-E019-4ED3-AA32-747AAFBFFDA3}" destId="{FB285B10-EDE5-4F83-86C1-8AB16D3892E8}" srcOrd="1" destOrd="0" presId="urn:microsoft.com/office/officeart/2008/layout/LinedList"/>
+    <dgm:cxn modelId="{4A68D240-D7DD-4ECB-B5E8-BE5B557407F5}" type="presParOf" srcId="{66188FE3-5837-4B1C-A842-E67C26800969}" destId="{BEF5E524-0559-462A-A368-5BA776822EF9}" srcOrd="4" destOrd="0" presId="urn:microsoft.com/office/officeart/2008/layout/LinedList"/>
+    <dgm:cxn modelId="{EEDCB4E9-9F51-48A6-A9B9-71AC5BACFD03}" type="presParOf" srcId="{66188FE3-5837-4B1C-A842-E67C26800969}" destId="{B624590E-0443-413C-B056-6C631CE4F2E5}" srcOrd="5" destOrd="0" presId="urn:microsoft.com/office/officeart/2008/layout/LinedList"/>
+    <dgm:cxn modelId="{F3023AC2-CC0E-4227-8FE3-FC230BE19FBD}" type="presParOf" srcId="{B624590E-0443-413C-B056-6C631CE4F2E5}" destId="{BA159794-27A4-476A-A3B7-593E343BCA66}" srcOrd="0" destOrd="0" presId="urn:microsoft.com/office/officeart/2008/layout/LinedList"/>
+    <dgm:cxn modelId="{F0941C42-DDF4-4C15-AD48-6427D3FD7990}" type="presParOf" srcId="{B624590E-0443-413C-B056-6C631CE4F2E5}" destId="{F575FFBB-C2FE-4594-BA09-8F7F1B9D2F89}" srcOrd="1" destOrd="0" presId="urn:microsoft.com/office/officeart/2008/layout/LinedList"/>
+    <dgm:cxn modelId="{868DA704-CDD1-4A5E-9B4F-FF338D4255DF}" type="presParOf" srcId="{66188FE3-5837-4B1C-A842-E67C26800969}" destId="{EDE3E0B7-3F59-4DBE-9804-1A96FBCB729B}" srcOrd="6" destOrd="0" presId="urn:microsoft.com/office/officeart/2008/layout/LinedList"/>
+    <dgm:cxn modelId="{3968384B-F1B6-4F05-B922-26ED1A7C4CE6}" type="presParOf" srcId="{66188FE3-5837-4B1C-A842-E67C26800969}" destId="{590130C6-B17C-4B24-BDC2-B5A85A4FCB6D}" srcOrd="7" destOrd="0" presId="urn:microsoft.com/office/officeart/2008/layout/LinedList"/>
+    <dgm:cxn modelId="{2E15D230-F7DD-4D23-8A40-686DC49B6ABE}" type="presParOf" srcId="{590130C6-B17C-4B24-BDC2-B5A85A4FCB6D}" destId="{B28B2804-6F3C-4201-91F5-F947A08E9798}" srcOrd="0" destOrd="0" presId="urn:microsoft.com/office/officeart/2008/layout/LinedList"/>
+    <dgm:cxn modelId="{C56E8C95-4B97-4FB2-A261-5708F01BB4F4}" type="presParOf" srcId="{590130C6-B17C-4B24-BDC2-B5A85A4FCB6D}" destId="{AFBC4915-4C6A-47E6-B7EE-836111503ACE}" srcOrd="1" destOrd="0" presId="urn:microsoft.com/office/officeart/2008/layout/LinedList"/>
+    <dgm:cxn modelId="{8F1510CE-2D38-4C81-BF71-0057FD8B7828}" type="presParOf" srcId="{66188FE3-5837-4B1C-A842-E67C26800969}" destId="{53C476E7-DBFD-4B42-8C34-4C6DE2801382}" srcOrd="8" destOrd="0" presId="urn:microsoft.com/office/officeart/2008/layout/LinedList"/>
+    <dgm:cxn modelId="{0616CAB5-4384-4C04-9114-A75AAE9FF7D7}" type="presParOf" srcId="{66188FE3-5837-4B1C-A842-E67C26800969}" destId="{E1D68D55-0E92-470E-9A0F-B6639D7B1E0A}" srcOrd="9" destOrd="0" presId="urn:microsoft.com/office/officeart/2008/layout/LinedList"/>
+    <dgm:cxn modelId="{8D9C4B32-4041-4C67-855E-84216630493D}" type="presParOf" srcId="{E1D68D55-0E92-470E-9A0F-B6639D7B1E0A}" destId="{3842B1C5-9CF6-4D68-ADC4-CF2A2896B9A2}" srcOrd="0" destOrd="0" presId="urn:microsoft.com/office/officeart/2008/layout/LinedList"/>
+    <dgm:cxn modelId="{6940E93E-8DC9-431B-8A36-E1CC2052CA49}" type="presParOf" srcId="{E1D68D55-0E92-470E-9A0F-B6639D7B1E0A}" destId="{822CF03D-5BC7-4127-8E79-24DE82FDDE02}" srcOrd="1" destOrd="0" presId="urn:microsoft.com/office/officeart/2008/layout/LinedList"/>
+  </dgm:cxnLst>
+  <dgm:bg/>
+  <dgm:whole/>
+  <dgm:extLst>
+    <a:ext uri="http://schemas.microsoft.com/office/drawing/2008/diagram">
+      <dsp:dataModelExt xmlns:dsp="http://schemas.microsoft.com/office/drawing/2008/diagram" relId="rId6" minVer="http://schemas.openxmlformats.org/drawingml/2006/diagram"/>
+    </a:ext>
+  </dgm:extLst>
+</dgm:dataModel>
+</file>
+
+<file path=ppt/diagrams/data4.xml><?xml version="1.0" encoding="utf-8"?>
+<dgm:dataModel xmlns:dgm="http://schemas.openxmlformats.org/drawingml/2006/diagram" xmlns:a="http://schemas.openxmlformats.org/drawingml/2006/main">
+  <dgm:ptLst>
+    <dgm:pt modelId="{62379415-E005-4558-A4A8-B256520121F1}" type="doc">
+      <dgm:prSet loTypeId="urn:microsoft.com/office/officeart/2005/8/layout/default" loCatId="list" qsTypeId="urn:microsoft.com/office/officeart/2005/8/quickstyle/simple1" qsCatId="simple" csTypeId="urn:microsoft.com/office/officeart/2005/8/colors/colorful1" csCatId="colorful" phldr="1"/>
+      <dgm:spPr/>
+    </dgm:pt>
+    <dgm:pt modelId="{DC3EB776-718F-4704-996A-BAB7C3C61E82}">
+      <dgm:prSet/>
+      <dgm:spPr/>
+      <dgm:t>
+        <a:bodyPr/>
+        <a:lstStyle/>
+        <a:p>
+          <a:r>
+            <a:rPr lang="en-US" dirty="0"/>
+            <a:t>Lazy People</a:t>
+          </a:r>
+        </a:p>
+      </dgm:t>
+    </dgm:pt>
+    <dgm:pt modelId="{CEF36D64-B442-480C-ACDE-2BA13D7742CC}" type="parTrans" cxnId="{41067880-2FE3-41FF-AC81-A23EB995C34B}">
+      <dgm:prSet/>
+      <dgm:spPr/>
+      <dgm:t>
+        <a:bodyPr/>
+        <a:lstStyle/>
+        <a:p>
+          <a:endParaRPr lang="en-US"/>
+        </a:p>
+      </dgm:t>
+    </dgm:pt>
+    <dgm:pt modelId="{1630CAA9-D5FA-477A-A3EF-F3ABF27B62B8}" type="sibTrans" cxnId="{41067880-2FE3-41FF-AC81-A23EB995C34B}">
+      <dgm:prSet/>
+      <dgm:spPr/>
+      <dgm:t>
+        <a:bodyPr/>
+        <a:lstStyle/>
+        <a:p>
+          <a:endParaRPr lang="en-US"/>
+        </a:p>
+      </dgm:t>
+    </dgm:pt>
+    <dgm:pt modelId="{A11C6662-9E27-43C7-9E89-AD570BFE9A75}">
+      <dgm:prSet/>
+      <dgm:spPr/>
+      <dgm:t>
+        <a:bodyPr/>
+        <a:lstStyle/>
+        <a:p>
+          <a:r>
+            <a:rPr lang="en-US" dirty="0"/>
+            <a:t>Smart People</a:t>
+          </a:r>
+        </a:p>
+      </dgm:t>
+    </dgm:pt>
+    <dgm:pt modelId="{CCE83363-8F60-4320-B16B-85F142E2B9C6}" type="parTrans" cxnId="{E6A37005-7013-4306-A3D4-45FD228FFA92}">
+      <dgm:prSet/>
+      <dgm:spPr/>
+      <dgm:t>
+        <a:bodyPr/>
+        <a:lstStyle/>
+        <a:p>
+          <a:endParaRPr lang="en-US"/>
+        </a:p>
+      </dgm:t>
+    </dgm:pt>
+    <dgm:pt modelId="{41972AB8-AE0D-4BC6-92B4-8D387A6780AF}" type="sibTrans" cxnId="{E6A37005-7013-4306-A3D4-45FD228FFA92}">
+      <dgm:prSet/>
+      <dgm:spPr/>
+      <dgm:t>
+        <a:bodyPr/>
+        <a:lstStyle/>
+        <a:p>
+          <a:endParaRPr lang="en-US"/>
+        </a:p>
+      </dgm:t>
+    </dgm:pt>
+    <dgm:pt modelId="{A06036E6-9D26-4E92-95B5-E5F192E7D0FB}">
+      <dgm:prSet/>
+      <dgm:spPr/>
+      <dgm:t>
+        <a:bodyPr/>
+        <a:lstStyle/>
+        <a:p>
+          <a:r>
+            <a:rPr lang="en-US" dirty="0"/>
+            <a:t>Old People</a:t>
+          </a:r>
+        </a:p>
+      </dgm:t>
+    </dgm:pt>
+    <dgm:pt modelId="{808642D0-E002-4217-A12C-6408D72C06D1}" type="parTrans" cxnId="{D936FFF7-9A34-49EC-B722-9292D017FD0A}">
+      <dgm:prSet/>
+      <dgm:spPr/>
+      <dgm:t>
+        <a:bodyPr/>
+        <a:lstStyle/>
+        <a:p>
+          <a:endParaRPr lang="en-US"/>
+        </a:p>
+      </dgm:t>
+    </dgm:pt>
+    <dgm:pt modelId="{6FB33533-1942-4B5E-892F-1534A86657FB}" type="sibTrans" cxnId="{D936FFF7-9A34-49EC-B722-9292D017FD0A}">
+      <dgm:prSet/>
+      <dgm:spPr/>
+      <dgm:t>
+        <a:bodyPr/>
+        <a:lstStyle/>
+        <a:p>
+          <a:endParaRPr lang="en-US"/>
+        </a:p>
+      </dgm:t>
+    </dgm:pt>
+    <dgm:pt modelId="{1BEB4535-9C3A-41E3-BA51-278298C1E486}">
+      <dgm:prSet/>
+      <dgm:spPr/>
+      <dgm:t>
+        <a:bodyPr/>
+        <a:lstStyle/>
+        <a:p>
+          <a:r>
+            <a:rPr lang="en-US" dirty="0"/>
+            <a:t>People without Smartphone</a:t>
+          </a:r>
+        </a:p>
+      </dgm:t>
+    </dgm:pt>
+    <dgm:pt modelId="{458666A4-4426-497E-AB76-82824216CB9C}" type="parTrans" cxnId="{A294A18C-4097-4CB3-AA47-CB74096369D2}">
+      <dgm:prSet/>
+      <dgm:spPr/>
+      <dgm:t>
+        <a:bodyPr/>
+        <a:lstStyle/>
+        <a:p>
+          <a:endParaRPr lang="en-US"/>
+        </a:p>
+      </dgm:t>
+    </dgm:pt>
+    <dgm:pt modelId="{E2907DA2-0749-41EF-BE1B-82B98839F80A}" type="sibTrans" cxnId="{A294A18C-4097-4CB3-AA47-CB74096369D2}">
+      <dgm:prSet/>
+      <dgm:spPr/>
+      <dgm:t>
+        <a:bodyPr/>
+        <a:lstStyle/>
+        <a:p>
+          <a:endParaRPr lang="en-US"/>
+        </a:p>
+      </dgm:t>
+    </dgm:pt>
+    <dgm:pt modelId="{D232E7ED-5F12-4EB0-8980-CDC657382F37}" type="pres">
+      <dgm:prSet presAssocID="{62379415-E005-4558-A4A8-B256520121F1}" presName="diagram" presStyleCnt="0">
+        <dgm:presLayoutVars>
+          <dgm:dir/>
+          <dgm:resizeHandles val="exact"/>
+        </dgm:presLayoutVars>
+      </dgm:prSet>
+      <dgm:spPr/>
+    </dgm:pt>
+    <dgm:pt modelId="{1E21737F-C644-420A-B24B-E238667F9223}" type="pres">
+      <dgm:prSet presAssocID="{DC3EB776-718F-4704-996A-BAB7C3C61E82}" presName="node" presStyleLbl="node1" presStyleIdx="0" presStyleCnt="4">
+        <dgm:presLayoutVars>
+          <dgm:bulletEnabled val="1"/>
+        </dgm:presLayoutVars>
+      </dgm:prSet>
+      <dgm:spPr/>
+    </dgm:pt>
+    <dgm:pt modelId="{150496B9-9480-4936-B691-F3DAA8340CEE}" type="pres">
+      <dgm:prSet presAssocID="{1630CAA9-D5FA-477A-A3EF-F3ABF27B62B8}" presName="sibTrans" presStyleCnt="0"/>
+      <dgm:spPr/>
+    </dgm:pt>
+    <dgm:pt modelId="{5071F8A4-ACEF-48FA-865B-A5DE5539754C}" type="pres">
+      <dgm:prSet presAssocID="{A11C6662-9E27-43C7-9E89-AD570BFE9A75}" presName="node" presStyleLbl="node1" presStyleIdx="1" presStyleCnt="4">
+        <dgm:presLayoutVars>
+          <dgm:bulletEnabled val="1"/>
+        </dgm:presLayoutVars>
+      </dgm:prSet>
+      <dgm:spPr/>
+    </dgm:pt>
+    <dgm:pt modelId="{C910CD23-BF60-4FE9-AA8A-A63C611CEDBD}" type="pres">
+      <dgm:prSet presAssocID="{41972AB8-AE0D-4BC6-92B4-8D387A6780AF}" presName="sibTrans" presStyleCnt="0"/>
+      <dgm:spPr/>
+    </dgm:pt>
+    <dgm:pt modelId="{0C5F4035-77CA-4451-B192-A87A2DB88250}" type="pres">
+      <dgm:prSet presAssocID="{A06036E6-9D26-4E92-95B5-E5F192E7D0FB}" presName="node" presStyleLbl="node1" presStyleIdx="2" presStyleCnt="4">
+        <dgm:presLayoutVars>
+          <dgm:bulletEnabled val="1"/>
+        </dgm:presLayoutVars>
+      </dgm:prSet>
+      <dgm:spPr/>
+    </dgm:pt>
+    <dgm:pt modelId="{ADCB3CBE-11F1-4A19-B4F0-E9141FDD61A6}" type="pres">
+      <dgm:prSet presAssocID="{6FB33533-1942-4B5E-892F-1534A86657FB}" presName="sibTrans" presStyleCnt="0"/>
+      <dgm:spPr/>
+    </dgm:pt>
+    <dgm:pt modelId="{8135EBB8-A21D-455C-9A04-80D3885DB09B}" type="pres">
+      <dgm:prSet presAssocID="{1BEB4535-9C3A-41E3-BA51-278298C1E486}" presName="node" presStyleLbl="node1" presStyleIdx="3" presStyleCnt="4">
+        <dgm:presLayoutVars>
+          <dgm:bulletEnabled val="1"/>
+        </dgm:presLayoutVars>
+      </dgm:prSet>
+      <dgm:spPr/>
+    </dgm:pt>
+  </dgm:ptLst>
+  <dgm:cxnLst>
+    <dgm:cxn modelId="{E6A37005-7013-4306-A3D4-45FD228FFA92}" srcId="{62379415-E005-4558-A4A8-B256520121F1}" destId="{A11C6662-9E27-43C7-9E89-AD570BFE9A75}" srcOrd="1" destOrd="0" parTransId="{CCE83363-8F60-4320-B16B-85F142E2B9C6}" sibTransId="{41972AB8-AE0D-4BC6-92B4-8D387A6780AF}"/>
+    <dgm:cxn modelId="{AE1FC86C-309D-4F21-ABA7-D63C49F54DA8}" type="presOf" srcId="{62379415-E005-4558-A4A8-B256520121F1}" destId="{D232E7ED-5F12-4EB0-8980-CDC657382F37}" srcOrd="0" destOrd="0" presId="urn:microsoft.com/office/officeart/2005/8/layout/default"/>
+    <dgm:cxn modelId="{0B51E76E-DB6E-4AF7-A881-37AEE4D25754}" type="presOf" srcId="{A11C6662-9E27-43C7-9E89-AD570BFE9A75}" destId="{5071F8A4-ACEF-48FA-865B-A5DE5539754C}" srcOrd="0" destOrd="0" presId="urn:microsoft.com/office/officeart/2005/8/layout/default"/>
+    <dgm:cxn modelId="{41067880-2FE3-41FF-AC81-A23EB995C34B}" srcId="{62379415-E005-4558-A4A8-B256520121F1}" destId="{DC3EB776-718F-4704-996A-BAB7C3C61E82}" srcOrd="0" destOrd="0" parTransId="{CEF36D64-B442-480C-ACDE-2BA13D7742CC}" sibTransId="{1630CAA9-D5FA-477A-A3EF-F3ABF27B62B8}"/>
+    <dgm:cxn modelId="{2A8C728C-4EE9-4D07-A051-D21118FAF419}" type="presOf" srcId="{A06036E6-9D26-4E92-95B5-E5F192E7D0FB}" destId="{0C5F4035-77CA-4451-B192-A87A2DB88250}" srcOrd="0" destOrd="0" presId="urn:microsoft.com/office/officeart/2005/8/layout/default"/>
+    <dgm:cxn modelId="{A294A18C-4097-4CB3-AA47-CB74096369D2}" srcId="{62379415-E005-4558-A4A8-B256520121F1}" destId="{1BEB4535-9C3A-41E3-BA51-278298C1E486}" srcOrd="3" destOrd="0" parTransId="{458666A4-4426-497E-AB76-82824216CB9C}" sibTransId="{E2907DA2-0749-41EF-BE1B-82B98839F80A}"/>
+    <dgm:cxn modelId="{F7B97CA3-A8AE-4BCA-8CE5-FA1FC6A8FD5D}" type="presOf" srcId="{1BEB4535-9C3A-41E3-BA51-278298C1E486}" destId="{8135EBB8-A21D-455C-9A04-80D3885DB09B}" srcOrd="0" destOrd="0" presId="urn:microsoft.com/office/officeart/2005/8/layout/default"/>
+    <dgm:cxn modelId="{FB6415E6-D81B-4A46-BDFC-DE2168D1101D}" type="presOf" srcId="{DC3EB776-718F-4704-996A-BAB7C3C61E82}" destId="{1E21737F-C644-420A-B24B-E238667F9223}" srcOrd="0" destOrd="0" presId="urn:microsoft.com/office/officeart/2005/8/layout/default"/>
+    <dgm:cxn modelId="{D936FFF7-9A34-49EC-B722-9292D017FD0A}" srcId="{62379415-E005-4558-A4A8-B256520121F1}" destId="{A06036E6-9D26-4E92-95B5-E5F192E7D0FB}" srcOrd="2" destOrd="0" parTransId="{808642D0-E002-4217-A12C-6408D72C06D1}" sibTransId="{6FB33533-1942-4B5E-892F-1534A86657FB}"/>
+    <dgm:cxn modelId="{A234FCD7-881F-4278-B9EE-DA3484F7E0BC}" type="presParOf" srcId="{D232E7ED-5F12-4EB0-8980-CDC657382F37}" destId="{1E21737F-C644-420A-B24B-E238667F9223}" srcOrd="0" destOrd="0" presId="urn:microsoft.com/office/officeart/2005/8/layout/default"/>
+    <dgm:cxn modelId="{C796FAC3-1E54-408E-8C64-5C3FC3019A4E}" type="presParOf" srcId="{D232E7ED-5F12-4EB0-8980-CDC657382F37}" destId="{150496B9-9480-4936-B691-F3DAA8340CEE}" srcOrd="1" destOrd="0" presId="urn:microsoft.com/office/officeart/2005/8/layout/default"/>
+    <dgm:cxn modelId="{611713DF-9C7C-462A-99F7-F892FA0F79C5}" type="presParOf" srcId="{D232E7ED-5F12-4EB0-8980-CDC657382F37}" destId="{5071F8A4-ACEF-48FA-865B-A5DE5539754C}" srcOrd="2" destOrd="0" presId="urn:microsoft.com/office/officeart/2005/8/layout/default"/>
+    <dgm:cxn modelId="{11E85E85-D90C-4498-9F1A-E6532435D9D8}" type="presParOf" srcId="{D232E7ED-5F12-4EB0-8980-CDC657382F37}" destId="{C910CD23-BF60-4FE9-AA8A-A63C611CEDBD}" srcOrd="3" destOrd="0" presId="urn:microsoft.com/office/officeart/2005/8/layout/default"/>
+    <dgm:cxn modelId="{FDB2DAAE-D805-42B3-A42D-DE302ED7881E}" type="presParOf" srcId="{D232E7ED-5F12-4EB0-8980-CDC657382F37}" destId="{0C5F4035-77CA-4451-B192-A87A2DB88250}" srcOrd="4" destOrd="0" presId="urn:microsoft.com/office/officeart/2005/8/layout/default"/>
+    <dgm:cxn modelId="{C90361DF-2EAB-4DB5-8B50-304D140662AF}" type="presParOf" srcId="{D232E7ED-5F12-4EB0-8980-CDC657382F37}" destId="{ADCB3CBE-11F1-4A19-B4F0-E9141FDD61A6}" srcOrd="5" destOrd="0" presId="urn:microsoft.com/office/officeart/2005/8/layout/default"/>
+    <dgm:cxn modelId="{0FE1DF0B-E3FA-44C3-BAA5-76BEE3545EA4}" type="presParOf" srcId="{D232E7ED-5F12-4EB0-8980-CDC657382F37}" destId="{8135EBB8-A21D-455C-9A04-80D3885DB09B}" srcOrd="6" destOrd="0" presId="urn:microsoft.com/office/officeart/2005/8/layout/default"/>
+  </dgm:cxnLst>
+  <dgm:bg/>
+  <dgm:whole/>
+  <dgm:extLst>
+    <a:ext uri="http://schemas.microsoft.com/office/drawing/2008/diagram">
+      <dsp:dataModelExt xmlns:dsp="http://schemas.microsoft.com/office/drawing/2008/diagram" relId="rId6" minVer="http://schemas.openxmlformats.org/drawingml/2006/diagram"/>
+    </a:ext>
+  </dgm:extLst>
+</dgm:dataModel>
+</file>
+
+<file path=ppt/diagrams/data5.xml><?xml version="1.0" encoding="utf-8"?>
 <dgm:dataModel xmlns:dgm="http://schemas.openxmlformats.org/drawingml/2006/diagram" xmlns:a="http://schemas.openxmlformats.org/drawingml/2006/main">
   <dgm:ptLst>
     <dgm:pt modelId="{62379415-E005-4558-A4A8-B256520121F1}" type="doc">
@@ -4216,6 +6479,883 @@
       <dsp:cNvGrpSpPr/>
     </dsp:nvGrpSpPr>
     <dsp:grpSpPr/>
+    <dsp:sp modelId="{62B06F91-41D2-4F0E-8C68-0C9C07C6AB50}">
+      <dsp:nvSpPr>
+        <dsp:cNvPr id="0" name=""/>
+        <dsp:cNvSpPr/>
+      </dsp:nvSpPr>
+      <dsp:spPr>
+        <a:xfrm>
+          <a:off x="0" y="492"/>
+          <a:ext cx="7404100" cy="0"/>
+        </a:xfrm>
+        <a:prstGeom prst="line">
+          <a:avLst/>
+        </a:prstGeom>
+        <a:solidFill>
+          <a:schemeClr val="accent3">
+            <a:hueOff val="0"/>
+            <a:satOff val="0"/>
+            <a:lumOff val="0"/>
+            <a:alphaOff val="0"/>
+          </a:schemeClr>
+        </a:solidFill>
+        <a:ln w="19050" cap="flat" cmpd="sng" algn="ctr">
+          <a:solidFill>
+            <a:schemeClr val="accent3">
+              <a:hueOff val="0"/>
+              <a:satOff val="0"/>
+              <a:lumOff val="0"/>
+              <a:alphaOff val="0"/>
+            </a:schemeClr>
+          </a:solidFill>
+          <a:prstDash val="solid"/>
+        </a:ln>
+        <a:effectLst/>
+      </dsp:spPr>
+      <dsp:style>
+        <a:lnRef idx="2">
+          <a:scrgbClr r="0" g="0" b="0"/>
+        </a:lnRef>
+        <a:fillRef idx="1">
+          <a:scrgbClr r="0" g="0" b="0"/>
+        </a:fillRef>
+        <a:effectRef idx="0">
+          <a:scrgbClr r="0" g="0" b="0"/>
+        </a:effectRef>
+        <a:fontRef idx="minor">
+          <a:schemeClr val="lt1"/>
+        </a:fontRef>
+      </dsp:style>
+    </dsp:sp>
+    <dsp:sp modelId="{A39947E9-7D7E-40A5-AB48-59E3E8AC3259}">
+      <dsp:nvSpPr>
+        <dsp:cNvPr id="0" name=""/>
+        <dsp:cNvSpPr/>
+      </dsp:nvSpPr>
+      <dsp:spPr>
+        <a:xfrm>
+          <a:off x="0" y="492"/>
+          <a:ext cx="7404100" cy="807522"/>
+        </a:xfrm>
+        <a:prstGeom prst="rect">
+          <a:avLst/>
+        </a:prstGeom>
+        <a:noFill/>
+        <a:ln>
+          <a:noFill/>
+        </a:ln>
+        <a:effectLst/>
+      </dsp:spPr>
+      <dsp:style>
+        <a:lnRef idx="0">
+          <a:scrgbClr r="0" g="0" b="0"/>
+        </a:lnRef>
+        <a:fillRef idx="0">
+          <a:scrgbClr r="0" g="0" b="0"/>
+        </a:fillRef>
+        <a:effectRef idx="0">
+          <a:scrgbClr r="0" g="0" b="0"/>
+        </a:effectRef>
+        <a:fontRef idx="minor"/>
+      </dsp:style>
+      <dsp:txBody>
+        <a:bodyPr spcFirstLastPara="0" vert="horz" wrap="square" lIns="140970" tIns="140970" rIns="140970" bIns="140970" numCol="1" spcCol="1270" anchor="t" anchorCtr="0">
+          <a:noAutofit/>
+        </a:bodyPr>
+        <a:lstStyle/>
+        <a:p>
+          <a:pPr marL="0" lvl="0" indent="0" algn="l" defTabSz="1644650">
+            <a:lnSpc>
+              <a:spcPct val="90000"/>
+            </a:lnSpc>
+            <a:spcBef>
+              <a:spcPct val="0"/>
+            </a:spcBef>
+            <a:spcAft>
+              <a:spcPct val="35000"/>
+            </a:spcAft>
+            <a:buNone/>
+          </a:pPr>
+          <a:r>
+            <a:rPr lang="en-US" sz="3700" kern="1200" dirty="0"/>
+            <a:t>Not everyone is digitally literate</a:t>
+          </a:r>
+        </a:p>
+      </dsp:txBody>
+      <dsp:txXfrm>
+        <a:off x="0" y="492"/>
+        <a:ext cx="7404100" cy="807522"/>
+      </dsp:txXfrm>
+    </dsp:sp>
+    <dsp:sp modelId="{B13DE8EF-1487-45C4-B8E6-C329854696E8}">
+      <dsp:nvSpPr>
+        <dsp:cNvPr id="0" name=""/>
+        <dsp:cNvSpPr/>
+      </dsp:nvSpPr>
+      <dsp:spPr>
+        <a:xfrm>
+          <a:off x="0" y="808015"/>
+          <a:ext cx="7404100" cy="0"/>
+        </a:xfrm>
+        <a:prstGeom prst="line">
+          <a:avLst/>
+        </a:prstGeom>
+        <a:solidFill>
+          <a:schemeClr val="accent3">
+            <a:hueOff val="-308516"/>
+            <a:satOff val="-5418"/>
+            <a:lumOff val="-98"/>
+            <a:alphaOff val="0"/>
+          </a:schemeClr>
+        </a:solidFill>
+        <a:ln w="19050" cap="flat" cmpd="sng" algn="ctr">
+          <a:solidFill>
+            <a:schemeClr val="accent3">
+              <a:hueOff val="-308516"/>
+              <a:satOff val="-5418"/>
+              <a:lumOff val="-98"/>
+              <a:alphaOff val="0"/>
+            </a:schemeClr>
+          </a:solidFill>
+          <a:prstDash val="solid"/>
+        </a:ln>
+        <a:effectLst/>
+      </dsp:spPr>
+      <dsp:style>
+        <a:lnRef idx="2">
+          <a:scrgbClr r="0" g="0" b="0"/>
+        </a:lnRef>
+        <a:fillRef idx="1">
+          <a:scrgbClr r="0" g="0" b="0"/>
+        </a:fillRef>
+        <a:effectRef idx="0">
+          <a:scrgbClr r="0" g="0" b="0"/>
+        </a:effectRef>
+        <a:fontRef idx="minor">
+          <a:schemeClr val="lt1"/>
+        </a:fontRef>
+      </dsp:style>
+    </dsp:sp>
+    <dsp:sp modelId="{0F0C6BDC-53AC-4586-8BF0-3BF5FBF574B9}">
+      <dsp:nvSpPr>
+        <dsp:cNvPr id="0" name=""/>
+        <dsp:cNvSpPr/>
+      </dsp:nvSpPr>
+      <dsp:spPr>
+        <a:xfrm>
+          <a:off x="0" y="808015"/>
+          <a:ext cx="7404100" cy="807522"/>
+        </a:xfrm>
+        <a:prstGeom prst="rect">
+          <a:avLst/>
+        </a:prstGeom>
+        <a:noFill/>
+        <a:ln>
+          <a:noFill/>
+        </a:ln>
+        <a:effectLst/>
+      </dsp:spPr>
+      <dsp:style>
+        <a:lnRef idx="0">
+          <a:scrgbClr r="0" g="0" b="0"/>
+        </a:lnRef>
+        <a:fillRef idx="0">
+          <a:scrgbClr r="0" g="0" b="0"/>
+        </a:fillRef>
+        <a:effectRef idx="0">
+          <a:scrgbClr r="0" g="0" b="0"/>
+        </a:effectRef>
+        <a:fontRef idx="minor"/>
+      </dsp:style>
+      <dsp:txBody>
+        <a:bodyPr spcFirstLastPara="0" vert="horz" wrap="square" lIns="140970" tIns="140970" rIns="140970" bIns="140970" numCol="1" spcCol="1270" anchor="t" anchorCtr="0">
+          <a:noAutofit/>
+        </a:bodyPr>
+        <a:lstStyle/>
+        <a:p>
+          <a:pPr marL="0" lvl="0" indent="0" algn="l" defTabSz="1644650">
+            <a:lnSpc>
+              <a:spcPct val="90000"/>
+            </a:lnSpc>
+            <a:spcBef>
+              <a:spcPct val="0"/>
+            </a:spcBef>
+            <a:spcAft>
+              <a:spcPct val="35000"/>
+            </a:spcAft>
+            <a:buNone/>
+          </a:pPr>
+          <a:r>
+            <a:rPr lang="en-US" sz="3700" kern="1200" dirty="0"/>
+            <a:t>Data charges</a:t>
+          </a:r>
+        </a:p>
+      </dsp:txBody>
+      <dsp:txXfrm>
+        <a:off x="0" y="808015"/>
+        <a:ext cx="7404100" cy="807522"/>
+      </dsp:txXfrm>
+    </dsp:sp>
+    <dsp:sp modelId="{BEF5E524-0559-462A-A368-5BA776822EF9}">
+      <dsp:nvSpPr>
+        <dsp:cNvPr id="0" name=""/>
+        <dsp:cNvSpPr/>
+      </dsp:nvSpPr>
+      <dsp:spPr>
+        <a:xfrm>
+          <a:off x="0" y="1615538"/>
+          <a:ext cx="7404100" cy="0"/>
+        </a:xfrm>
+        <a:prstGeom prst="line">
+          <a:avLst/>
+        </a:prstGeom>
+        <a:solidFill>
+          <a:schemeClr val="accent3">
+            <a:hueOff val="-617032"/>
+            <a:satOff val="-10836"/>
+            <a:lumOff val="-196"/>
+            <a:alphaOff val="0"/>
+          </a:schemeClr>
+        </a:solidFill>
+        <a:ln w="19050" cap="flat" cmpd="sng" algn="ctr">
+          <a:solidFill>
+            <a:schemeClr val="accent3">
+              <a:hueOff val="-617032"/>
+              <a:satOff val="-10836"/>
+              <a:lumOff val="-196"/>
+              <a:alphaOff val="0"/>
+            </a:schemeClr>
+          </a:solidFill>
+          <a:prstDash val="solid"/>
+        </a:ln>
+        <a:effectLst/>
+      </dsp:spPr>
+      <dsp:style>
+        <a:lnRef idx="2">
+          <a:scrgbClr r="0" g="0" b="0"/>
+        </a:lnRef>
+        <a:fillRef idx="1">
+          <a:scrgbClr r="0" g="0" b="0"/>
+        </a:fillRef>
+        <a:effectRef idx="0">
+          <a:scrgbClr r="0" g="0" b="0"/>
+        </a:effectRef>
+        <a:fontRef idx="minor">
+          <a:schemeClr val="lt1"/>
+        </a:fontRef>
+      </dsp:style>
+    </dsp:sp>
+    <dsp:sp modelId="{BA159794-27A4-476A-A3B7-593E343BCA66}">
+      <dsp:nvSpPr>
+        <dsp:cNvPr id="0" name=""/>
+        <dsp:cNvSpPr/>
+      </dsp:nvSpPr>
+      <dsp:spPr>
+        <a:xfrm>
+          <a:off x="0" y="1615538"/>
+          <a:ext cx="7404100" cy="807522"/>
+        </a:xfrm>
+        <a:prstGeom prst="rect">
+          <a:avLst/>
+        </a:prstGeom>
+        <a:noFill/>
+        <a:ln>
+          <a:noFill/>
+        </a:ln>
+        <a:effectLst/>
+      </dsp:spPr>
+      <dsp:style>
+        <a:lnRef idx="0">
+          <a:scrgbClr r="0" g="0" b="0"/>
+        </a:lnRef>
+        <a:fillRef idx="0">
+          <a:scrgbClr r="0" g="0" b="0"/>
+        </a:fillRef>
+        <a:effectRef idx="0">
+          <a:scrgbClr r="0" g="0" b="0"/>
+        </a:effectRef>
+        <a:fontRef idx="minor"/>
+      </dsp:style>
+      <dsp:txBody>
+        <a:bodyPr spcFirstLastPara="0" vert="horz" wrap="square" lIns="140970" tIns="140970" rIns="140970" bIns="140970" numCol="1" spcCol="1270" anchor="t" anchorCtr="0">
+          <a:noAutofit/>
+        </a:bodyPr>
+        <a:lstStyle/>
+        <a:p>
+          <a:pPr marL="0" lvl="0" indent="0" algn="l" defTabSz="1644650">
+            <a:lnSpc>
+              <a:spcPct val="90000"/>
+            </a:lnSpc>
+            <a:spcBef>
+              <a:spcPct val="0"/>
+            </a:spcBef>
+            <a:spcAft>
+              <a:spcPct val="35000"/>
+            </a:spcAft>
+            <a:buNone/>
+          </a:pPr>
+          <a:r>
+            <a:rPr lang="en-US" sz="3700" kern="1200" dirty="0"/>
+            <a:t>Storage issues</a:t>
+          </a:r>
+        </a:p>
+      </dsp:txBody>
+      <dsp:txXfrm>
+        <a:off x="0" y="1615538"/>
+        <a:ext cx="7404100" cy="807522"/>
+      </dsp:txXfrm>
+    </dsp:sp>
+    <dsp:sp modelId="{EDE3E0B7-3F59-4DBE-9804-1A96FBCB729B}">
+      <dsp:nvSpPr>
+        <dsp:cNvPr id="0" name=""/>
+        <dsp:cNvSpPr/>
+      </dsp:nvSpPr>
+      <dsp:spPr>
+        <a:xfrm>
+          <a:off x="0" y="2423061"/>
+          <a:ext cx="7404100" cy="0"/>
+        </a:xfrm>
+        <a:prstGeom prst="line">
+          <a:avLst/>
+        </a:prstGeom>
+        <a:solidFill>
+          <a:schemeClr val="accent3">
+            <a:hueOff val="-925547"/>
+            <a:satOff val="-16253"/>
+            <a:lumOff val="-294"/>
+            <a:alphaOff val="0"/>
+          </a:schemeClr>
+        </a:solidFill>
+        <a:ln w="19050" cap="flat" cmpd="sng" algn="ctr">
+          <a:solidFill>
+            <a:schemeClr val="accent3">
+              <a:hueOff val="-925547"/>
+              <a:satOff val="-16253"/>
+              <a:lumOff val="-294"/>
+              <a:alphaOff val="0"/>
+            </a:schemeClr>
+          </a:solidFill>
+          <a:prstDash val="solid"/>
+        </a:ln>
+        <a:effectLst/>
+      </dsp:spPr>
+      <dsp:style>
+        <a:lnRef idx="2">
+          <a:scrgbClr r="0" g="0" b="0"/>
+        </a:lnRef>
+        <a:fillRef idx="1">
+          <a:scrgbClr r="0" g="0" b="0"/>
+        </a:fillRef>
+        <a:effectRef idx="0">
+          <a:scrgbClr r="0" g="0" b="0"/>
+        </a:effectRef>
+        <a:fontRef idx="minor">
+          <a:schemeClr val="lt1"/>
+        </a:fontRef>
+      </dsp:style>
+    </dsp:sp>
+    <dsp:sp modelId="{B28B2804-6F3C-4201-91F5-F947A08E9798}">
+      <dsp:nvSpPr>
+        <dsp:cNvPr id="0" name=""/>
+        <dsp:cNvSpPr/>
+      </dsp:nvSpPr>
+      <dsp:spPr>
+        <a:xfrm>
+          <a:off x="0" y="2423061"/>
+          <a:ext cx="7404100" cy="807522"/>
+        </a:xfrm>
+        <a:prstGeom prst="rect">
+          <a:avLst/>
+        </a:prstGeom>
+        <a:noFill/>
+        <a:ln>
+          <a:noFill/>
+        </a:ln>
+        <a:effectLst/>
+      </dsp:spPr>
+      <dsp:style>
+        <a:lnRef idx="0">
+          <a:scrgbClr r="0" g="0" b="0"/>
+        </a:lnRef>
+        <a:fillRef idx="0">
+          <a:scrgbClr r="0" g="0" b="0"/>
+        </a:fillRef>
+        <a:effectRef idx="0">
+          <a:scrgbClr r="0" g="0" b="0"/>
+        </a:effectRef>
+        <a:fontRef idx="minor"/>
+      </dsp:style>
+      <dsp:txBody>
+        <a:bodyPr spcFirstLastPara="0" vert="horz" wrap="square" lIns="140970" tIns="140970" rIns="140970" bIns="140970" numCol="1" spcCol="1270" anchor="t" anchorCtr="0">
+          <a:noAutofit/>
+        </a:bodyPr>
+        <a:lstStyle/>
+        <a:p>
+          <a:pPr marL="0" lvl="0" indent="0" algn="l" defTabSz="1644650">
+            <a:lnSpc>
+              <a:spcPct val="90000"/>
+            </a:lnSpc>
+            <a:spcBef>
+              <a:spcPct val="0"/>
+            </a:spcBef>
+            <a:spcAft>
+              <a:spcPct val="35000"/>
+            </a:spcAft>
+            <a:buNone/>
+          </a:pPr>
+          <a:r>
+            <a:rPr lang="en-US" sz="3700" kern="1200" dirty="0"/>
+            <a:t>Annoying ads</a:t>
+          </a:r>
+        </a:p>
+      </dsp:txBody>
+      <dsp:txXfrm>
+        <a:off x="0" y="2423061"/>
+        <a:ext cx="7404100" cy="807522"/>
+      </dsp:txXfrm>
+    </dsp:sp>
+    <dsp:sp modelId="{53C476E7-DBFD-4B42-8C34-4C6DE2801382}">
+      <dsp:nvSpPr>
+        <dsp:cNvPr id="0" name=""/>
+        <dsp:cNvSpPr/>
+      </dsp:nvSpPr>
+      <dsp:spPr>
+        <a:xfrm>
+          <a:off x="0" y="3230584"/>
+          <a:ext cx="7404100" cy="0"/>
+        </a:xfrm>
+        <a:prstGeom prst="line">
+          <a:avLst/>
+        </a:prstGeom>
+        <a:solidFill>
+          <a:schemeClr val="accent3">
+            <a:hueOff val="-1234063"/>
+            <a:satOff val="-21671"/>
+            <a:lumOff val="-392"/>
+            <a:alphaOff val="0"/>
+          </a:schemeClr>
+        </a:solidFill>
+        <a:ln w="19050" cap="flat" cmpd="sng" algn="ctr">
+          <a:solidFill>
+            <a:schemeClr val="accent3">
+              <a:hueOff val="-1234063"/>
+              <a:satOff val="-21671"/>
+              <a:lumOff val="-392"/>
+              <a:alphaOff val="0"/>
+            </a:schemeClr>
+          </a:solidFill>
+          <a:prstDash val="solid"/>
+        </a:ln>
+        <a:effectLst/>
+      </dsp:spPr>
+      <dsp:style>
+        <a:lnRef idx="2">
+          <a:scrgbClr r="0" g="0" b="0"/>
+        </a:lnRef>
+        <a:fillRef idx="1">
+          <a:scrgbClr r="0" g="0" b="0"/>
+        </a:fillRef>
+        <a:effectRef idx="0">
+          <a:scrgbClr r="0" g="0" b="0"/>
+        </a:effectRef>
+        <a:fontRef idx="minor">
+          <a:schemeClr val="lt1"/>
+        </a:fontRef>
+      </dsp:style>
+    </dsp:sp>
+    <dsp:sp modelId="{3842B1C5-9CF6-4D68-ADC4-CF2A2896B9A2}">
+      <dsp:nvSpPr>
+        <dsp:cNvPr id="0" name=""/>
+        <dsp:cNvSpPr/>
+      </dsp:nvSpPr>
+      <dsp:spPr>
+        <a:xfrm>
+          <a:off x="0" y="3230584"/>
+          <a:ext cx="7404100" cy="807522"/>
+        </a:xfrm>
+        <a:prstGeom prst="rect">
+          <a:avLst/>
+        </a:prstGeom>
+        <a:noFill/>
+        <a:ln>
+          <a:noFill/>
+        </a:ln>
+        <a:effectLst/>
+      </dsp:spPr>
+      <dsp:style>
+        <a:lnRef idx="0">
+          <a:scrgbClr r="0" g="0" b="0"/>
+        </a:lnRef>
+        <a:fillRef idx="0">
+          <a:scrgbClr r="0" g="0" b="0"/>
+        </a:fillRef>
+        <a:effectRef idx="0">
+          <a:scrgbClr r="0" g="0" b="0"/>
+        </a:effectRef>
+        <a:fontRef idx="minor"/>
+      </dsp:style>
+      <dsp:txBody>
+        <a:bodyPr spcFirstLastPara="0" vert="horz" wrap="square" lIns="140970" tIns="140970" rIns="140970" bIns="140970" numCol="1" spcCol="1270" anchor="t" anchorCtr="0">
+          <a:noAutofit/>
+        </a:bodyPr>
+        <a:lstStyle/>
+        <a:p>
+          <a:pPr marL="0" lvl="0" indent="0" algn="l" defTabSz="1644650">
+            <a:lnSpc>
+              <a:spcPct val="90000"/>
+            </a:lnSpc>
+            <a:spcBef>
+              <a:spcPct val="0"/>
+            </a:spcBef>
+            <a:spcAft>
+              <a:spcPct val="35000"/>
+            </a:spcAft>
+            <a:buNone/>
+          </a:pPr>
+          <a:r>
+            <a:rPr lang="en-US" sz="3700" kern="1200" dirty="0"/>
+            <a:t>Not everyone has a smartphone </a:t>
+          </a:r>
+        </a:p>
+      </dsp:txBody>
+      <dsp:txXfrm>
+        <a:off x="0" y="3230584"/>
+        <a:ext cx="7404100" cy="807522"/>
+      </dsp:txXfrm>
+    </dsp:sp>
+  </dsp:spTree>
+</dsp:drawing>
+</file>
+
+<file path=ppt/diagrams/drawing4.xml><?xml version="1.0" encoding="utf-8"?>
+<dsp:drawing xmlns:dgm="http://schemas.openxmlformats.org/drawingml/2006/diagram" xmlns:dsp="http://schemas.microsoft.com/office/drawing/2008/diagram" xmlns:a="http://schemas.openxmlformats.org/drawingml/2006/main">
+  <dsp:spTree>
+    <dsp:nvGrpSpPr>
+      <dsp:cNvPr id="0" name=""/>
+      <dsp:cNvGrpSpPr/>
+    </dsp:nvGrpSpPr>
+    <dsp:grpSpPr/>
+    <dsp:sp modelId="{1E21737F-C644-420A-B24B-E238667F9223}">
+      <dsp:nvSpPr>
+        <dsp:cNvPr id="0" name=""/>
+        <dsp:cNvSpPr/>
+      </dsp:nvSpPr>
+      <dsp:spPr>
+        <a:xfrm>
+          <a:off x="903" y="182048"/>
+          <a:ext cx="3524901" cy="2114940"/>
+        </a:xfrm>
+        <a:prstGeom prst="rect">
+          <a:avLst/>
+        </a:prstGeom>
+        <a:solidFill>
+          <a:schemeClr val="accent2">
+            <a:hueOff val="0"/>
+            <a:satOff val="0"/>
+            <a:lumOff val="0"/>
+            <a:alphaOff val="0"/>
+          </a:schemeClr>
+        </a:solidFill>
+        <a:ln w="19050" cap="flat" cmpd="sng" algn="ctr">
+          <a:solidFill>
+            <a:schemeClr val="lt1">
+              <a:hueOff val="0"/>
+              <a:satOff val="0"/>
+              <a:lumOff val="0"/>
+              <a:alphaOff val="0"/>
+            </a:schemeClr>
+          </a:solidFill>
+          <a:prstDash val="solid"/>
+        </a:ln>
+        <a:effectLst/>
+      </dsp:spPr>
+      <dsp:style>
+        <a:lnRef idx="2">
+          <a:scrgbClr r="0" g="0" b="0"/>
+        </a:lnRef>
+        <a:fillRef idx="1">
+          <a:scrgbClr r="0" g="0" b="0"/>
+        </a:fillRef>
+        <a:effectRef idx="0">
+          <a:scrgbClr r="0" g="0" b="0"/>
+        </a:effectRef>
+        <a:fontRef idx="minor">
+          <a:schemeClr val="lt1"/>
+        </a:fontRef>
+      </dsp:style>
+      <dsp:txBody>
+        <a:bodyPr spcFirstLastPara="0" vert="horz" wrap="square" lIns="160020" tIns="160020" rIns="160020" bIns="160020" numCol="1" spcCol="1270" anchor="ctr" anchorCtr="0">
+          <a:noAutofit/>
+        </a:bodyPr>
+        <a:lstStyle/>
+        <a:p>
+          <a:pPr marL="0" lvl="0" indent="0" algn="ctr" defTabSz="1866900">
+            <a:lnSpc>
+              <a:spcPct val="90000"/>
+            </a:lnSpc>
+            <a:spcBef>
+              <a:spcPct val="0"/>
+            </a:spcBef>
+            <a:spcAft>
+              <a:spcPct val="35000"/>
+            </a:spcAft>
+            <a:buNone/>
+          </a:pPr>
+          <a:r>
+            <a:rPr lang="en-US" sz="4200" kern="1200" dirty="0"/>
+            <a:t>Lazy People</a:t>
+          </a:r>
+        </a:p>
+      </dsp:txBody>
+      <dsp:txXfrm>
+        <a:off x="903" y="182048"/>
+        <a:ext cx="3524901" cy="2114940"/>
+      </dsp:txXfrm>
+    </dsp:sp>
+    <dsp:sp modelId="{5071F8A4-ACEF-48FA-865B-A5DE5539754C}">
+      <dsp:nvSpPr>
+        <dsp:cNvPr id="0" name=""/>
+        <dsp:cNvSpPr/>
+      </dsp:nvSpPr>
+      <dsp:spPr>
+        <a:xfrm>
+          <a:off x="3878295" y="182048"/>
+          <a:ext cx="3524901" cy="2114940"/>
+        </a:xfrm>
+        <a:prstGeom prst="rect">
+          <a:avLst/>
+        </a:prstGeom>
+        <a:solidFill>
+          <a:schemeClr val="accent3">
+            <a:hueOff val="0"/>
+            <a:satOff val="0"/>
+            <a:lumOff val="0"/>
+            <a:alphaOff val="0"/>
+          </a:schemeClr>
+        </a:solidFill>
+        <a:ln w="19050" cap="flat" cmpd="sng" algn="ctr">
+          <a:solidFill>
+            <a:schemeClr val="lt1">
+              <a:hueOff val="0"/>
+              <a:satOff val="0"/>
+              <a:lumOff val="0"/>
+              <a:alphaOff val="0"/>
+            </a:schemeClr>
+          </a:solidFill>
+          <a:prstDash val="solid"/>
+        </a:ln>
+        <a:effectLst/>
+      </dsp:spPr>
+      <dsp:style>
+        <a:lnRef idx="2">
+          <a:scrgbClr r="0" g="0" b="0"/>
+        </a:lnRef>
+        <a:fillRef idx="1">
+          <a:scrgbClr r="0" g="0" b="0"/>
+        </a:fillRef>
+        <a:effectRef idx="0">
+          <a:scrgbClr r="0" g="0" b="0"/>
+        </a:effectRef>
+        <a:fontRef idx="minor">
+          <a:schemeClr val="lt1"/>
+        </a:fontRef>
+      </dsp:style>
+      <dsp:txBody>
+        <a:bodyPr spcFirstLastPara="0" vert="horz" wrap="square" lIns="160020" tIns="160020" rIns="160020" bIns="160020" numCol="1" spcCol="1270" anchor="ctr" anchorCtr="0">
+          <a:noAutofit/>
+        </a:bodyPr>
+        <a:lstStyle/>
+        <a:p>
+          <a:pPr marL="0" lvl="0" indent="0" algn="ctr" defTabSz="1866900">
+            <a:lnSpc>
+              <a:spcPct val="90000"/>
+            </a:lnSpc>
+            <a:spcBef>
+              <a:spcPct val="0"/>
+            </a:spcBef>
+            <a:spcAft>
+              <a:spcPct val="35000"/>
+            </a:spcAft>
+            <a:buNone/>
+          </a:pPr>
+          <a:r>
+            <a:rPr lang="en-US" sz="4200" kern="1200" dirty="0"/>
+            <a:t>Smart People</a:t>
+          </a:r>
+        </a:p>
+      </dsp:txBody>
+      <dsp:txXfrm>
+        <a:off x="3878295" y="182048"/>
+        <a:ext cx="3524901" cy="2114940"/>
+      </dsp:txXfrm>
+    </dsp:sp>
+    <dsp:sp modelId="{0C5F4035-77CA-4451-B192-A87A2DB88250}">
+      <dsp:nvSpPr>
+        <dsp:cNvPr id="0" name=""/>
+        <dsp:cNvSpPr/>
+      </dsp:nvSpPr>
+      <dsp:spPr>
+        <a:xfrm>
+          <a:off x="903" y="2649479"/>
+          <a:ext cx="3524901" cy="2114940"/>
+        </a:xfrm>
+        <a:prstGeom prst="rect">
+          <a:avLst/>
+        </a:prstGeom>
+        <a:solidFill>
+          <a:schemeClr val="accent4">
+            <a:hueOff val="0"/>
+            <a:satOff val="0"/>
+            <a:lumOff val="0"/>
+            <a:alphaOff val="0"/>
+          </a:schemeClr>
+        </a:solidFill>
+        <a:ln w="19050" cap="flat" cmpd="sng" algn="ctr">
+          <a:solidFill>
+            <a:schemeClr val="lt1">
+              <a:hueOff val="0"/>
+              <a:satOff val="0"/>
+              <a:lumOff val="0"/>
+              <a:alphaOff val="0"/>
+            </a:schemeClr>
+          </a:solidFill>
+          <a:prstDash val="solid"/>
+        </a:ln>
+        <a:effectLst/>
+      </dsp:spPr>
+      <dsp:style>
+        <a:lnRef idx="2">
+          <a:scrgbClr r="0" g="0" b="0"/>
+        </a:lnRef>
+        <a:fillRef idx="1">
+          <a:scrgbClr r="0" g="0" b="0"/>
+        </a:fillRef>
+        <a:effectRef idx="0">
+          <a:scrgbClr r="0" g="0" b="0"/>
+        </a:effectRef>
+        <a:fontRef idx="minor">
+          <a:schemeClr val="lt1"/>
+        </a:fontRef>
+      </dsp:style>
+      <dsp:txBody>
+        <a:bodyPr spcFirstLastPara="0" vert="horz" wrap="square" lIns="160020" tIns="160020" rIns="160020" bIns="160020" numCol="1" spcCol="1270" anchor="ctr" anchorCtr="0">
+          <a:noAutofit/>
+        </a:bodyPr>
+        <a:lstStyle/>
+        <a:p>
+          <a:pPr marL="0" lvl="0" indent="0" algn="ctr" defTabSz="1866900">
+            <a:lnSpc>
+              <a:spcPct val="90000"/>
+            </a:lnSpc>
+            <a:spcBef>
+              <a:spcPct val="0"/>
+            </a:spcBef>
+            <a:spcAft>
+              <a:spcPct val="35000"/>
+            </a:spcAft>
+            <a:buNone/>
+          </a:pPr>
+          <a:r>
+            <a:rPr lang="en-US" sz="4200" kern="1200" dirty="0"/>
+            <a:t>Old People</a:t>
+          </a:r>
+        </a:p>
+      </dsp:txBody>
+      <dsp:txXfrm>
+        <a:off x="903" y="2649479"/>
+        <a:ext cx="3524901" cy="2114940"/>
+      </dsp:txXfrm>
+    </dsp:sp>
+    <dsp:sp modelId="{8135EBB8-A21D-455C-9A04-80D3885DB09B}">
+      <dsp:nvSpPr>
+        <dsp:cNvPr id="0" name=""/>
+        <dsp:cNvSpPr/>
+      </dsp:nvSpPr>
+      <dsp:spPr>
+        <a:xfrm>
+          <a:off x="3878295" y="2649479"/>
+          <a:ext cx="3524901" cy="2114940"/>
+        </a:xfrm>
+        <a:prstGeom prst="rect">
+          <a:avLst/>
+        </a:prstGeom>
+        <a:solidFill>
+          <a:schemeClr val="accent5">
+            <a:hueOff val="0"/>
+            <a:satOff val="0"/>
+            <a:lumOff val="0"/>
+            <a:alphaOff val="0"/>
+          </a:schemeClr>
+        </a:solidFill>
+        <a:ln w="19050" cap="flat" cmpd="sng" algn="ctr">
+          <a:solidFill>
+            <a:schemeClr val="lt1">
+              <a:hueOff val="0"/>
+              <a:satOff val="0"/>
+              <a:lumOff val="0"/>
+              <a:alphaOff val="0"/>
+            </a:schemeClr>
+          </a:solidFill>
+          <a:prstDash val="solid"/>
+        </a:ln>
+        <a:effectLst/>
+      </dsp:spPr>
+      <dsp:style>
+        <a:lnRef idx="2">
+          <a:scrgbClr r="0" g="0" b="0"/>
+        </a:lnRef>
+        <a:fillRef idx="1">
+          <a:scrgbClr r="0" g="0" b="0"/>
+        </a:fillRef>
+        <a:effectRef idx="0">
+          <a:scrgbClr r="0" g="0" b="0"/>
+        </a:effectRef>
+        <a:fontRef idx="minor">
+          <a:schemeClr val="lt1"/>
+        </a:fontRef>
+      </dsp:style>
+      <dsp:txBody>
+        <a:bodyPr spcFirstLastPara="0" vert="horz" wrap="square" lIns="160020" tIns="160020" rIns="160020" bIns="160020" numCol="1" spcCol="1270" anchor="ctr" anchorCtr="0">
+          <a:noAutofit/>
+        </a:bodyPr>
+        <a:lstStyle/>
+        <a:p>
+          <a:pPr marL="0" lvl="0" indent="0" algn="ctr" defTabSz="1866900">
+            <a:lnSpc>
+              <a:spcPct val="90000"/>
+            </a:lnSpc>
+            <a:spcBef>
+              <a:spcPct val="0"/>
+            </a:spcBef>
+            <a:spcAft>
+              <a:spcPct val="35000"/>
+            </a:spcAft>
+            <a:buNone/>
+          </a:pPr>
+          <a:r>
+            <a:rPr lang="en-US" sz="4200" kern="1200" dirty="0"/>
+            <a:t>People without Smartphone</a:t>
+          </a:r>
+        </a:p>
+      </dsp:txBody>
+      <dsp:txXfrm>
+        <a:off x="3878295" y="2649479"/>
+        <a:ext cx="3524901" cy="2114940"/>
+      </dsp:txXfrm>
+    </dsp:sp>
+  </dsp:spTree>
+</dsp:drawing>
+</file>
+
+<file path=ppt/diagrams/drawing5.xml><?xml version="1.0" encoding="utf-8"?>
+<dsp:drawing xmlns:dgm="http://schemas.openxmlformats.org/drawingml/2006/diagram" xmlns:dsp="http://schemas.microsoft.com/office/drawing/2008/diagram" xmlns:a="http://schemas.openxmlformats.org/drawingml/2006/main">
+  <dsp:spTree>
+    <dsp:nvGrpSpPr>
+      <dsp:cNvPr id="0" name=""/>
+      <dsp:cNvGrpSpPr/>
+    </dsp:nvGrpSpPr>
+    <dsp:grpSpPr/>
     <dsp:sp modelId="{C6E308D2-06B0-4CF1-AD8E-D7225BBD43FF}">
       <dsp:nvSpPr>
         <dsp:cNvPr id="0" name=""/>
@@ -4988,6 +8128,619 @@
 </file>
 
 <file path=ppt/diagrams/layout3.xml><?xml version="1.0" encoding="utf-8"?>
+<dgm:layoutDef xmlns:dgm="http://schemas.openxmlformats.org/drawingml/2006/diagram" xmlns:a="http://schemas.openxmlformats.org/drawingml/2006/main" uniqueId="urn:microsoft.com/office/officeart/2008/layout/LinedList">
+  <dgm:title val=""/>
+  <dgm:desc val=""/>
+  <dgm:catLst>
+    <dgm:cat type="hierarchy" pri="8000"/>
+    <dgm:cat type="list" pri="2500"/>
+  </dgm:catLst>
+  <dgm:sampData>
+    <dgm:dataModel>
+      <dgm:ptLst>
+        <dgm:pt modelId="0" type="doc"/>
+        <dgm:pt modelId="1">
+          <dgm:prSet phldr="1"/>
+        </dgm:pt>
+        <dgm:pt modelId="11">
+          <dgm:prSet phldr="1"/>
+        </dgm:pt>
+        <dgm:pt modelId="12">
+          <dgm:prSet phldr="1"/>
+        </dgm:pt>
+        <dgm:pt modelId="13">
+          <dgm:prSet phldr="1"/>
+        </dgm:pt>
+      </dgm:ptLst>
+      <dgm:cxnLst>
+        <dgm:cxn modelId="2" srcId="0" destId="1" srcOrd="0" destOrd="0"/>
+        <dgm:cxn modelId="3" srcId="1" destId="11" srcOrd="0" destOrd="0"/>
+        <dgm:cxn modelId="4" srcId="1" destId="12" srcOrd="1" destOrd="0"/>
+        <dgm:cxn modelId="5" srcId="1" destId="13" srcOrd="2" destOrd="0"/>
+      </dgm:cxnLst>
+      <dgm:bg/>
+      <dgm:whole/>
+    </dgm:dataModel>
+  </dgm:sampData>
+  <dgm:styleData>
+    <dgm:dataModel>
+      <dgm:ptLst>
+        <dgm:pt modelId="0" type="doc"/>
+        <dgm:pt modelId="1">
+          <dgm:prSet phldr="1"/>
+        </dgm:pt>
+        <dgm:pt modelId="11">
+          <dgm:prSet phldr="1"/>
+        </dgm:pt>
+        <dgm:pt modelId="12">
+          <dgm:prSet phldr="1"/>
+        </dgm:pt>
+      </dgm:ptLst>
+      <dgm:cxnLst>
+        <dgm:cxn modelId="2" srcId="0" destId="1" srcOrd="0" destOrd="0"/>
+        <dgm:cxn modelId="3" srcId="1" destId="11" srcOrd="0" destOrd="0"/>
+        <dgm:cxn modelId="4" srcId="1" destId="12" srcOrd="1" destOrd="0"/>
+      </dgm:cxnLst>
+      <dgm:bg/>
+      <dgm:whole/>
+    </dgm:dataModel>
+  </dgm:styleData>
+  <dgm:clrData>
+    <dgm:dataModel>
+      <dgm:ptLst>
+        <dgm:pt modelId="0" type="doc"/>
+        <dgm:pt modelId="1">
+          <dgm:prSet phldr="1"/>
+        </dgm:pt>
+        <dgm:pt modelId="11">
+          <dgm:prSet phldr="1"/>
+        </dgm:pt>
+        <dgm:pt modelId="12">
+          <dgm:prSet phldr="1"/>
+        </dgm:pt>
+      </dgm:ptLst>
+      <dgm:cxnLst>
+        <dgm:cxn modelId="2" srcId="0" destId="1" srcOrd="0" destOrd="0"/>
+        <dgm:cxn modelId="3" srcId="1" destId="11" srcOrd="0" destOrd="0"/>
+        <dgm:cxn modelId="4" srcId="1" destId="12" srcOrd="1" destOrd="0"/>
+      </dgm:cxnLst>
+      <dgm:bg/>
+      <dgm:whole/>
+    </dgm:dataModel>
+  </dgm:clrData>
+  <dgm:layoutNode name="vert0">
+    <dgm:varLst>
+      <dgm:dir/>
+      <dgm:animOne val="branch"/>
+      <dgm:animLvl val="lvl"/>
+    </dgm:varLst>
+    <dgm:choose name="Name0">
+      <dgm:if name="Name1" func="var" arg="dir" op="equ" val="norm">
+        <dgm:alg type="lin">
+          <dgm:param type="linDir" val="fromT"/>
+          <dgm:param type="nodeHorzAlign" val="l"/>
+        </dgm:alg>
+      </dgm:if>
+      <dgm:else name="Name2">
+        <dgm:alg type="lin">
+          <dgm:param type="linDir" val="fromT"/>
+          <dgm:param type="nodeHorzAlign" val="r"/>
+        </dgm:alg>
+      </dgm:else>
+    </dgm:choose>
+    <dgm:shape xmlns:r="http://schemas.openxmlformats.org/officeDocument/2006/relationships" r:blip="">
+      <dgm:adjLst/>
+    </dgm:shape>
+    <dgm:presOf/>
+    <dgm:constrLst>
+      <dgm:constr type="w" for="ch" forName="horz1" refType="w"/>
+      <dgm:constr type="h" for="ch" forName="horz1" refType="h"/>
+      <dgm:constr type="h" for="des" forName="vert1" refType="h"/>
+      <dgm:constr type="h" for="des" forName="tx1" refType="h"/>
+      <dgm:constr type="h" for="des" forName="horz2" refType="h"/>
+      <dgm:constr type="h" for="des" forName="vert2" refType="h"/>
+      <dgm:constr type="h" for="des" forName="horz3" refType="h"/>
+      <dgm:constr type="h" for="des" forName="vert3" refType="h"/>
+      <dgm:constr type="h" for="des" forName="horz4" refType="h"/>
+      <dgm:constr type="h" for="des" ptType="node" refType="h"/>
+      <dgm:constr type="primFontSz" for="des" forName="tx1" op="equ" val="65"/>
+      <dgm:constr type="primFontSz" for="des" forName="tx2" op="equ" val="65"/>
+      <dgm:constr type="primFontSz" for="des" forName="tx3" op="equ" val="65"/>
+      <dgm:constr type="primFontSz" for="des" forName="tx4" op="equ" val="65"/>
+      <dgm:constr type="w" for="des" forName="thickLine" refType="w"/>
+      <dgm:constr type="h" for="des" forName="thickLine"/>
+      <dgm:constr type="h" for="des" forName="thinLine1"/>
+      <dgm:constr type="h" for="des" forName="thinLine2b"/>
+      <dgm:constr type="h" for="des" forName="thinLine3"/>
+      <dgm:constr type="h" for="des" forName="vertSpace2a" refType="h" fact="0.05"/>
+      <dgm:constr type="h" for="des" forName="vertSpace2b" refType="h" refFor="des" refForName="vertSpace2a"/>
+    </dgm:constrLst>
+    <dgm:forEach name="Name3" axis="ch" ptType="node">
+      <dgm:layoutNode name="thickLine" styleLbl="alignNode1">
+        <dgm:alg type="sp"/>
+        <dgm:shape xmlns:r="http://schemas.openxmlformats.org/officeDocument/2006/relationships" type="line" r:blip="">
+          <dgm:adjLst/>
+        </dgm:shape>
+        <dgm:presOf/>
+      </dgm:layoutNode>
+      <dgm:layoutNode name="horz1">
+        <dgm:choose name="Name4">
+          <dgm:if name="Name5" func="var" arg="dir" op="equ" val="norm">
+            <dgm:alg type="lin">
+              <dgm:param type="linDir" val="fromL"/>
+              <dgm:param type="nodeVertAlign" val="t"/>
+            </dgm:alg>
+          </dgm:if>
+          <dgm:else name="Name6">
+            <dgm:alg type="lin">
+              <dgm:param type="linDir" val="fromR"/>
+              <dgm:param type="nodeVertAlign" val="t"/>
+            </dgm:alg>
+          </dgm:else>
+        </dgm:choose>
+        <dgm:shape xmlns:r="http://schemas.openxmlformats.org/officeDocument/2006/relationships" r:blip="">
+          <dgm:adjLst/>
+        </dgm:shape>
+        <dgm:presOf/>
+        <dgm:choose name="Name7">
+          <dgm:if name="Name8" axis="root des" func="maxDepth" op="equ" val="1">
+            <dgm:constrLst>
+              <dgm:constr type="w" for="ch" forName="tx1" refType="w"/>
+            </dgm:constrLst>
+          </dgm:if>
+          <dgm:if name="Name9" axis="root des" func="maxDepth" op="equ" val="2">
+            <dgm:constrLst>
+              <dgm:constr type="w" for="ch" forName="tx1" refType="w" fact="0.2"/>
+              <dgm:constr type="w" for="des" forName="tx2" refType="w" fact="0.785"/>
+              <dgm:constr type="w" for="des" forName="horzSpace2" refType="w" fact="0.015"/>
+              <dgm:constr type="w" for="des" forName="thinLine2b" refType="w" fact="0.8"/>
+            </dgm:constrLst>
+          </dgm:if>
+          <dgm:if name="Name10" axis="root des" func="maxDepth" op="equ" val="3">
+            <dgm:constrLst>
+              <dgm:constr type="w" for="ch" forName="tx1" refType="w" fact="0.2"/>
+              <dgm:constr type="w" for="des" forName="tx2" refType="w" fact="0.385"/>
+              <dgm:constr type="w" for="des" forName="tx3" refType="w" fact="0.385"/>
+              <dgm:constr type="w" for="des" forName="horzSpace2" refType="w" fact="0.015"/>
+              <dgm:constr type="w" for="des" forName="horzSpace3" refType="w" fact="0.015"/>
+              <dgm:constr type="w" for="des" forName="thinLine2b" refType="w" fact="0.8"/>
+              <dgm:constr type="w" for="des" forName="thinLine3" refType="w" fact="0.385"/>
+            </dgm:constrLst>
+          </dgm:if>
+          <dgm:if name="Name11" axis="root des" func="maxDepth" op="gte" val="4">
+            <dgm:constrLst>
+              <dgm:constr type="w" for="ch" forName="tx1" refType="w" fact="0.2"/>
+              <dgm:constr type="w" for="des" forName="tx2" refType="w" fact="0.2516"/>
+              <dgm:constr type="w" for="des" forName="tx3" refType="w" fact="0.2516"/>
+              <dgm:constr type="w" for="des" forName="tx4" refType="w" fact="0.2516"/>
+              <dgm:constr type="w" for="des" forName="horzSpace2" refType="w" fact="0.015"/>
+              <dgm:constr type="w" for="des" forName="horzSpace3" refType="w" fact="0.015"/>
+              <dgm:constr type="w" for="des" forName="horzSpace4" refType="w" fact="0.015"/>
+              <dgm:constr type="w" for="des" forName="thinLine2b" refType="w" fact="0.8"/>
+              <dgm:constr type="w" for="des" forName="thinLine3" refType="w" fact="0.5332"/>
+            </dgm:constrLst>
+          </dgm:if>
+          <dgm:else name="Name12"/>
+        </dgm:choose>
+        <dgm:layoutNode name="tx1" styleLbl="revTx">
+          <dgm:alg type="tx">
+            <dgm:param type="parTxLTRAlign" val="l"/>
+            <dgm:param type="parTxRTLAlign" val="r"/>
+            <dgm:param type="txAnchorVert" val="t"/>
+          </dgm:alg>
+          <dgm:shape xmlns:r="http://schemas.openxmlformats.org/officeDocument/2006/relationships" type="rect" r:blip="">
+            <dgm:adjLst/>
+          </dgm:shape>
+          <dgm:presOf axis="self"/>
+          <dgm:constrLst>
+            <dgm:constr type="tMarg" refType="primFontSz" fact="0.3"/>
+            <dgm:constr type="bMarg" refType="primFontSz" fact="0.3"/>
+            <dgm:constr type="lMarg" refType="primFontSz" fact="0.3"/>
+            <dgm:constr type="rMarg" refType="primFontSz" fact="0.3"/>
+          </dgm:constrLst>
+          <dgm:ruleLst>
+            <dgm:rule type="primFontSz" val="5" fact="NaN" max="NaN"/>
+          </dgm:ruleLst>
+        </dgm:layoutNode>
+        <dgm:layoutNode name="vert1">
+          <dgm:choose name="Name13">
+            <dgm:if name="Name14" func="var" arg="dir" op="equ" val="norm">
+              <dgm:alg type="lin">
+                <dgm:param type="linDir" val="fromT"/>
+                <dgm:param type="nodeHorzAlign" val="l"/>
+              </dgm:alg>
+            </dgm:if>
+            <dgm:else name="Name15">
+              <dgm:alg type="lin">
+                <dgm:param type="linDir" val="fromT"/>
+                <dgm:param type="nodeHorzAlign" val="r"/>
+              </dgm:alg>
+            </dgm:else>
+          </dgm:choose>
+          <dgm:shape xmlns:r="http://schemas.openxmlformats.org/officeDocument/2006/relationships" r:blip="">
+            <dgm:adjLst/>
+          </dgm:shape>
+          <dgm:presOf/>
+          <dgm:forEach name="Name16" axis="ch" ptType="node">
+            <dgm:choose name="Name17">
+              <dgm:if name="Name18" axis="self" ptType="node" func="pos" op="equ" val="1">
+                <dgm:layoutNode name="vertSpace2a">
+                  <dgm:alg type="sp"/>
+                  <dgm:shape xmlns:r="http://schemas.openxmlformats.org/officeDocument/2006/relationships" r:blip="">
+                    <dgm:adjLst/>
+                  </dgm:shape>
+                  <dgm:presOf/>
+                </dgm:layoutNode>
+              </dgm:if>
+              <dgm:else name="Name19"/>
+            </dgm:choose>
+            <dgm:layoutNode name="horz2">
+              <dgm:choose name="Name20">
+                <dgm:if name="Name21" func="var" arg="dir" op="equ" val="norm">
+                  <dgm:alg type="lin">
+                    <dgm:param type="linDir" val="fromL"/>
+                    <dgm:param type="nodeVertAlign" val="t"/>
+                  </dgm:alg>
+                </dgm:if>
+                <dgm:else name="Name22">
+                  <dgm:alg type="lin">
+                    <dgm:param type="linDir" val="fromR"/>
+                    <dgm:param type="nodeVertAlign" val="t"/>
+                  </dgm:alg>
+                </dgm:else>
+              </dgm:choose>
+              <dgm:shape xmlns:r="http://schemas.openxmlformats.org/officeDocument/2006/relationships" r:blip="">
+                <dgm:adjLst/>
+              </dgm:shape>
+              <dgm:presOf/>
+              <dgm:layoutNode name="horzSpace2">
+                <dgm:alg type="sp"/>
+                <dgm:shape xmlns:r="http://schemas.openxmlformats.org/officeDocument/2006/relationships" r:blip="">
+                  <dgm:adjLst/>
+                </dgm:shape>
+                <dgm:presOf/>
+              </dgm:layoutNode>
+              <dgm:layoutNode name="tx2" styleLbl="revTx">
+                <dgm:alg type="tx">
+                  <dgm:param type="parTxLTRAlign" val="l"/>
+                  <dgm:param type="parTxRTLAlign" val="r"/>
+                  <dgm:param type="txAnchorVert" val="t"/>
+                </dgm:alg>
+                <dgm:shape xmlns:r="http://schemas.openxmlformats.org/officeDocument/2006/relationships" type="rect" r:blip="">
+                  <dgm:adjLst/>
+                </dgm:shape>
+                <dgm:presOf axis="self"/>
+                <dgm:constrLst>
+                  <dgm:constr type="tMarg" refType="primFontSz" fact="0.3"/>
+                  <dgm:constr type="bMarg" refType="primFontSz" fact="0.3"/>
+                  <dgm:constr type="lMarg" refType="primFontSz" fact="0.3"/>
+                  <dgm:constr type="rMarg" refType="primFontSz" fact="0.3"/>
+                </dgm:constrLst>
+                <dgm:ruleLst>
+                  <dgm:rule type="primFontSz" val="5" fact="NaN" max="NaN"/>
+                </dgm:ruleLst>
+              </dgm:layoutNode>
+              <dgm:layoutNode name="vert2">
+                <dgm:choose name="Name23">
+                  <dgm:if name="Name24" func="var" arg="dir" op="equ" val="norm">
+                    <dgm:alg type="lin">
+                      <dgm:param type="linDir" val="fromT"/>
+                      <dgm:param type="nodeHorzAlign" val="l"/>
+                    </dgm:alg>
+                  </dgm:if>
+                  <dgm:else name="Name25">
+                    <dgm:alg type="lin">
+                      <dgm:param type="linDir" val="fromT"/>
+                      <dgm:param type="nodeHorzAlign" val="r"/>
+                    </dgm:alg>
+                  </dgm:else>
+                </dgm:choose>
+                <dgm:shape xmlns:r="http://schemas.openxmlformats.org/officeDocument/2006/relationships" r:blip="">
+                  <dgm:adjLst/>
+                </dgm:shape>
+                <dgm:presOf/>
+                <dgm:forEach name="Name26" axis="ch" ptType="node">
+                  <dgm:layoutNode name="horz3">
+                    <dgm:choose name="Name27">
+                      <dgm:if name="Name28" func="var" arg="dir" op="equ" val="norm">
+                        <dgm:alg type="lin">
+                          <dgm:param type="linDir" val="fromL"/>
+                          <dgm:param type="nodeVertAlign" val="t"/>
+                        </dgm:alg>
+                      </dgm:if>
+                      <dgm:else name="Name29">
+                        <dgm:alg type="lin">
+                          <dgm:param type="linDir" val="fromR"/>
+                          <dgm:param type="nodeVertAlign" val="t"/>
+                        </dgm:alg>
+                      </dgm:else>
+                    </dgm:choose>
+                    <dgm:shape xmlns:r="http://schemas.openxmlformats.org/officeDocument/2006/relationships" r:blip="">
+                      <dgm:adjLst/>
+                    </dgm:shape>
+                    <dgm:presOf/>
+                    <dgm:layoutNode name="horzSpace3">
+                      <dgm:alg type="sp"/>
+                      <dgm:shape xmlns:r="http://schemas.openxmlformats.org/officeDocument/2006/relationships" r:blip="">
+                        <dgm:adjLst/>
+                      </dgm:shape>
+                      <dgm:presOf/>
+                    </dgm:layoutNode>
+                    <dgm:layoutNode name="tx3" styleLbl="revTx">
+                      <dgm:alg type="tx">
+                        <dgm:param type="parTxLTRAlign" val="l"/>
+                        <dgm:param type="parTxRTLAlign" val="r"/>
+                        <dgm:param type="txAnchorVert" val="t"/>
+                      </dgm:alg>
+                      <dgm:shape xmlns:r="http://schemas.openxmlformats.org/officeDocument/2006/relationships" type="rect" r:blip="">
+                        <dgm:adjLst/>
+                      </dgm:shape>
+                      <dgm:presOf axis="self"/>
+                      <dgm:constrLst>
+                        <dgm:constr type="tMarg" refType="primFontSz" fact="0.3"/>
+                        <dgm:constr type="bMarg" refType="primFontSz" fact="0.3"/>
+                        <dgm:constr type="lMarg" refType="primFontSz" fact="0.3"/>
+                        <dgm:constr type="rMarg" refType="primFontSz" fact="0.3"/>
+                      </dgm:constrLst>
+                      <dgm:ruleLst>
+                        <dgm:rule type="primFontSz" val="5" fact="NaN" max="NaN"/>
+                      </dgm:ruleLst>
+                    </dgm:layoutNode>
+                    <dgm:layoutNode name="vert3">
+                      <dgm:choose name="Name30">
+                        <dgm:if name="Name31" func="var" arg="dir" op="equ" val="norm">
+                          <dgm:alg type="lin">
+                            <dgm:param type="linDir" val="fromT"/>
+                            <dgm:param type="nodeHorzAlign" val="l"/>
+                          </dgm:alg>
+                        </dgm:if>
+                        <dgm:else name="Name32">
+                          <dgm:alg type="lin">
+                            <dgm:param type="linDir" val="fromT"/>
+                            <dgm:param type="nodeHorzAlign" val="r"/>
+                          </dgm:alg>
+                        </dgm:else>
+                      </dgm:choose>
+                      <dgm:shape xmlns:r="http://schemas.openxmlformats.org/officeDocument/2006/relationships" r:blip="">
+                        <dgm:adjLst/>
+                      </dgm:shape>
+                      <dgm:presOf/>
+                      <dgm:forEach name="Name33" axis="ch" ptType="node">
+                        <dgm:layoutNode name="horz4">
+                          <dgm:choose name="Name34">
+                            <dgm:if name="Name35" func="var" arg="dir" op="equ" val="norm">
+                              <dgm:alg type="lin">
+                                <dgm:param type="linDir" val="fromL"/>
+                                <dgm:param type="nodeVertAlign" val="t"/>
+                              </dgm:alg>
+                            </dgm:if>
+                            <dgm:else name="Name36">
+                              <dgm:alg type="lin">
+                                <dgm:param type="linDir" val="fromR"/>
+                                <dgm:param type="nodeVertAlign" val="t"/>
+                              </dgm:alg>
+                            </dgm:else>
+                          </dgm:choose>
+                          <dgm:shape xmlns:r="http://schemas.openxmlformats.org/officeDocument/2006/relationships" r:blip="">
+                            <dgm:adjLst/>
+                          </dgm:shape>
+                          <dgm:presOf/>
+                          <dgm:layoutNode name="horzSpace4">
+                            <dgm:alg type="sp"/>
+                            <dgm:shape xmlns:r="http://schemas.openxmlformats.org/officeDocument/2006/relationships" r:blip="">
+                              <dgm:adjLst/>
+                            </dgm:shape>
+                            <dgm:presOf/>
+                          </dgm:layoutNode>
+                          <dgm:layoutNode name="tx4" styleLbl="revTx">
+                            <dgm:varLst>
+                              <dgm:bulletEnabled val="1"/>
+                            </dgm:varLst>
+                            <dgm:alg type="tx">
+                              <dgm:param type="parTxLTRAlign" val="l"/>
+                              <dgm:param type="parTxRTLAlign" val="r"/>
+                              <dgm:param type="txAnchorVert" val="t"/>
+                            </dgm:alg>
+                            <dgm:shape xmlns:r="http://schemas.openxmlformats.org/officeDocument/2006/relationships" type="rect" r:blip="">
+                              <dgm:adjLst/>
+                            </dgm:shape>
+                            <dgm:presOf axis="desOrSelf" ptType="node"/>
+                            <dgm:constrLst>
+                              <dgm:constr type="tMarg" refType="primFontSz" fact="0.3"/>
+                              <dgm:constr type="bMarg" refType="primFontSz" fact="0.3"/>
+                              <dgm:constr type="lMarg" refType="primFontSz" fact="0.3"/>
+                              <dgm:constr type="rMarg" refType="primFontSz" fact="0.3"/>
+                            </dgm:constrLst>
+                            <dgm:ruleLst>
+                              <dgm:rule type="primFontSz" val="5" fact="NaN" max="NaN"/>
+                            </dgm:ruleLst>
+                          </dgm:layoutNode>
+                        </dgm:layoutNode>
+                      </dgm:forEach>
+                    </dgm:layoutNode>
+                  </dgm:layoutNode>
+                  <dgm:forEach name="Name37" axis="followSib" ptType="sibTrans" cnt="1">
+                    <dgm:layoutNode name="thinLine3" styleLbl="callout">
+                      <dgm:alg type="sp"/>
+                      <dgm:shape xmlns:r="http://schemas.openxmlformats.org/officeDocument/2006/relationships" type="line" r:blip="">
+                        <dgm:adjLst/>
+                      </dgm:shape>
+                      <dgm:presOf/>
+                    </dgm:layoutNode>
+                  </dgm:forEach>
+                </dgm:forEach>
+              </dgm:layoutNode>
+            </dgm:layoutNode>
+            <dgm:layoutNode name="thinLine2b" styleLbl="callout">
+              <dgm:alg type="sp"/>
+              <dgm:shape xmlns:r="http://schemas.openxmlformats.org/officeDocument/2006/relationships" type="line" r:blip="">
+                <dgm:adjLst/>
+              </dgm:shape>
+              <dgm:presOf/>
+            </dgm:layoutNode>
+            <dgm:layoutNode name="vertSpace2b">
+              <dgm:alg type="sp"/>
+              <dgm:shape xmlns:r="http://schemas.openxmlformats.org/officeDocument/2006/relationships" r:blip="">
+                <dgm:adjLst/>
+              </dgm:shape>
+              <dgm:presOf/>
+            </dgm:layoutNode>
+          </dgm:forEach>
+        </dgm:layoutNode>
+      </dgm:layoutNode>
+    </dgm:forEach>
+  </dgm:layoutNode>
+</dgm:layoutDef>
+</file>
+
+<file path=ppt/diagrams/layout4.xml><?xml version="1.0" encoding="utf-8"?>
+<dgm:layoutDef xmlns:dgm="http://schemas.openxmlformats.org/drawingml/2006/diagram" xmlns:a="http://schemas.openxmlformats.org/drawingml/2006/main" uniqueId="urn:microsoft.com/office/officeart/2005/8/layout/default">
+  <dgm:title val=""/>
+  <dgm:desc val=""/>
+  <dgm:catLst>
+    <dgm:cat type="list" pri="400"/>
+  </dgm:catLst>
+  <dgm:sampData>
+    <dgm:dataModel>
+      <dgm:ptLst>
+        <dgm:pt modelId="0" type="doc"/>
+        <dgm:pt modelId="1">
+          <dgm:prSet phldr="1"/>
+        </dgm:pt>
+        <dgm:pt modelId="2">
+          <dgm:prSet phldr="1"/>
+        </dgm:pt>
+        <dgm:pt modelId="3">
+          <dgm:prSet phldr="1"/>
+        </dgm:pt>
+        <dgm:pt modelId="4">
+          <dgm:prSet phldr="1"/>
+        </dgm:pt>
+        <dgm:pt modelId="5">
+          <dgm:prSet phldr="1"/>
+        </dgm:pt>
+      </dgm:ptLst>
+      <dgm:cxnLst>
+        <dgm:cxn modelId="6" srcId="0" destId="1" srcOrd="0" destOrd="0"/>
+        <dgm:cxn modelId="7" srcId="0" destId="2" srcOrd="1" destOrd="0"/>
+        <dgm:cxn modelId="8" srcId="0" destId="3" srcOrd="2" destOrd="0"/>
+        <dgm:cxn modelId="9" srcId="0" destId="4" srcOrd="3" destOrd="0"/>
+        <dgm:cxn modelId="10" srcId="0" destId="5" srcOrd="4" destOrd="0"/>
+      </dgm:cxnLst>
+      <dgm:bg/>
+      <dgm:whole/>
+    </dgm:dataModel>
+  </dgm:sampData>
+  <dgm:styleData>
+    <dgm:dataModel>
+      <dgm:ptLst>
+        <dgm:pt modelId="0" type="doc"/>
+        <dgm:pt modelId="1"/>
+        <dgm:pt modelId="2"/>
+      </dgm:ptLst>
+      <dgm:cxnLst>
+        <dgm:cxn modelId="3" srcId="0" destId="1" srcOrd="0" destOrd="0"/>
+        <dgm:cxn modelId="4" srcId="0" destId="2" srcOrd="1" destOrd="0"/>
+      </dgm:cxnLst>
+      <dgm:bg/>
+      <dgm:whole/>
+    </dgm:dataModel>
+  </dgm:styleData>
+  <dgm:clrData>
+    <dgm:dataModel>
+      <dgm:ptLst>
+        <dgm:pt modelId="0" type="doc"/>
+        <dgm:pt modelId="1"/>
+        <dgm:pt modelId="2"/>
+        <dgm:pt modelId="3"/>
+        <dgm:pt modelId="4"/>
+        <dgm:pt modelId="5"/>
+        <dgm:pt modelId="6"/>
+      </dgm:ptLst>
+      <dgm:cxnLst>
+        <dgm:cxn modelId="7" srcId="0" destId="1" srcOrd="0" destOrd="0"/>
+        <dgm:cxn modelId="8" srcId="0" destId="2" srcOrd="1" destOrd="0"/>
+        <dgm:cxn modelId="9" srcId="0" destId="3" srcOrd="2" destOrd="0"/>
+        <dgm:cxn modelId="10" srcId="0" destId="4" srcOrd="3" destOrd="0"/>
+        <dgm:cxn modelId="11" srcId="0" destId="5" srcOrd="4" destOrd="0"/>
+        <dgm:cxn modelId="12" srcId="0" destId="6" srcOrd="5" destOrd="0"/>
+      </dgm:cxnLst>
+      <dgm:bg/>
+      <dgm:whole/>
+    </dgm:dataModel>
+  </dgm:clrData>
+  <dgm:layoutNode name="diagram">
+    <dgm:varLst>
+      <dgm:dir/>
+      <dgm:resizeHandles val="exact"/>
+    </dgm:varLst>
+    <dgm:choose name="Name0">
+      <dgm:if name="Name1" func="var" arg="dir" op="equ" val="norm">
+        <dgm:alg type="snake">
+          <dgm:param type="grDir" val="tL"/>
+          <dgm:param type="flowDir" val="row"/>
+          <dgm:param type="contDir" val="sameDir"/>
+          <dgm:param type="off" val="ctr"/>
+        </dgm:alg>
+      </dgm:if>
+      <dgm:else name="Name2">
+        <dgm:alg type="snake">
+          <dgm:param type="grDir" val="tR"/>
+          <dgm:param type="flowDir" val="row"/>
+          <dgm:param type="contDir" val="sameDir"/>
+          <dgm:param type="off" val="ctr"/>
+        </dgm:alg>
+      </dgm:else>
+    </dgm:choose>
+    <dgm:shape xmlns:r="http://schemas.openxmlformats.org/officeDocument/2006/relationships" r:blip="">
+      <dgm:adjLst/>
+    </dgm:shape>
+    <dgm:presOf/>
+    <dgm:constrLst>
+      <dgm:constr type="w" for="ch" forName="node" refType="w"/>
+      <dgm:constr type="h" for="ch" forName="node" refType="w" refFor="ch" refForName="node" fact="0.6"/>
+      <dgm:constr type="w" for="ch" forName="sibTrans" refType="w" refFor="ch" refForName="node" fact="0.1"/>
+      <dgm:constr type="sp" refType="w" refFor="ch" refForName="sibTrans"/>
+      <dgm:constr type="primFontSz" for="ch" forName="node" op="equ" val="65"/>
+    </dgm:constrLst>
+    <dgm:ruleLst/>
+    <dgm:forEach name="Name3" axis="ch" ptType="node">
+      <dgm:layoutNode name="node">
+        <dgm:varLst>
+          <dgm:bulletEnabled val="1"/>
+        </dgm:varLst>
+        <dgm:alg type="tx"/>
+        <dgm:shape xmlns:r="http://schemas.openxmlformats.org/officeDocument/2006/relationships" type="rect" r:blip="">
+          <dgm:adjLst/>
+        </dgm:shape>
+        <dgm:presOf axis="desOrSelf" ptType="node"/>
+        <dgm:constrLst>
+          <dgm:constr type="lMarg" refType="primFontSz" fact="0.3"/>
+          <dgm:constr type="rMarg" refType="primFontSz" fact="0.3"/>
+          <dgm:constr type="tMarg" refType="primFontSz" fact="0.3"/>
+          <dgm:constr type="bMarg" refType="primFontSz" fact="0.3"/>
+        </dgm:constrLst>
+        <dgm:ruleLst>
+          <dgm:rule type="primFontSz" val="5" fact="NaN" max="NaN"/>
+        </dgm:ruleLst>
+      </dgm:layoutNode>
+      <dgm:forEach name="Name4" axis="followSib" ptType="sibTrans" cnt="1">
+        <dgm:layoutNode name="sibTrans">
+          <dgm:alg type="sp"/>
+          <dgm:shape xmlns:r="http://schemas.openxmlformats.org/officeDocument/2006/relationships" r:blip="">
+            <dgm:adjLst/>
+          </dgm:shape>
+          <dgm:presOf/>
+          <dgm:constrLst/>
+          <dgm:ruleLst/>
+        </dgm:layoutNode>
+      </dgm:forEach>
+    </dgm:forEach>
+  </dgm:layoutNode>
+</dgm:layoutDef>
+</file>
+
+<file path=ppt/diagrams/layout5.xml><?xml version="1.0" encoding="utf-8"?>
 <dgm:layoutDef xmlns:dgm="http://schemas.openxmlformats.org/drawingml/2006/diagram" xmlns:a="http://schemas.openxmlformats.org/drawingml/2006/main" uniqueId="urn:microsoft.com/office/officeart/2005/8/layout/list1">
   <dgm:title val=""/>
   <dgm:desc val=""/>
@@ -8314,6 +12067,2074 @@
 </dgm:styleDef>
 </file>
 
+<file path=ppt/diagrams/quickStyle4.xml><?xml version="1.0" encoding="utf-8"?>
+<dgm:styleDef xmlns:dgm="http://schemas.openxmlformats.org/drawingml/2006/diagram" xmlns:a="http://schemas.openxmlformats.org/drawingml/2006/main" uniqueId="urn:microsoft.com/office/officeart/2005/8/quickstyle/simple1">
+  <dgm:title val=""/>
+  <dgm:desc val=""/>
+  <dgm:catLst>
+    <dgm:cat type="simple" pri="10100"/>
+  </dgm:catLst>
+  <dgm:scene3d>
+    <a:camera prst="orthographicFront"/>
+    <a:lightRig rig="threePt" dir="t"/>
+  </dgm:scene3d>
+  <dgm:styleLbl name="node0">
+    <dgm:scene3d>
+      <a:camera prst="orthographicFront"/>
+      <a:lightRig rig="threePt" dir="t"/>
+    </dgm:scene3d>
+    <dgm:sp3d/>
+    <dgm:txPr/>
+    <dgm:style>
+      <a:lnRef idx="2">
+        <a:scrgbClr r="0" g="0" b="0"/>
+      </a:lnRef>
+      <a:fillRef idx="1">
+        <a:scrgbClr r="0" g="0" b="0"/>
+      </a:fillRef>
+      <a:effectRef idx="0">
+        <a:scrgbClr r="0" g="0" b="0"/>
+      </a:effectRef>
+      <a:fontRef idx="minor">
+        <a:schemeClr val="lt1"/>
+      </a:fontRef>
+    </dgm:style>
+  </dgm:styleLbl>
+  <dgm:styleLbl name="lnNode1">
+    <dgm:scene3d>
+      <a:camera prst="orthographicFront"/>
+      <a:lightRig rig="threePt" dir="t"/>
+    </dgm:scene3d>
+    <dgm:sp3d/>
+    <dgm:txPr/>
+    <dgm:style>
+      <a:lnRef idx="2">
+        <a:scrgbClr r="0" g="0" b="0"/>
+      </a:lnRef>
+      <a:fillRef idx="1">
+        <a:scrgbClr r="0" g="0" b="0"/>
+      </a:fillRef>
+      <a:effectRef idx="0">
+        <a:scrgbClr r="0" g="0" b="0"/>
+      </a:effectRef>
+      <a:fontRef idx="minor">
+        <a:schemeClr val="lt1"/>
+      </a:fontRef>
+    </dgm:style>
+  </dgm:styleLbl>
+  <dgm:styleLbl name="vennNode1">
+    <dgm:scene3d>
+      <a:camera prst="orthographicFront"/>
+      <a:lightRig rig="threePt" dir="t"/>
+    </dgm:scene3d>
+    <dgm:sp3d/>
+    <dgm:txPr/>
+    <dgm:style>
+      <a:lnRef idx="2">
+        <a:scrgbClr r="0" g="0" b="0"/>
+      </a:lnRef>
+      <a:fillRef idx="1">
+        <a:scrgbClr r="0" g="0" b="0"/>
+      </a:fillRef>
+      <a:effectRef idx="0">
+        <a:scrgbClr r="0" g="0" b="0"/>
+      </a:effectRef>
+      <a:fontRef idx="minor">
+        <a:schemeClr val="tx1"/>
+      </a:fontRef>
+    </dgm:style>
+  </dgm:styleLbl>
+  <dgm:styleLbl name="alignNode1">
+    <dgm:scene3d>
+      <a:camera prst="orthographicFront"/>
+      <a:lightRig rig="threePt" dir="t"/>
+    </dgm:scene3d>
+    <dgm:sp3d/>
+    <dgm:txPr/>
+    <dgm:style>
+      <a:lnRef idx="2">
+        <a:scrgbClr r="0" g="0" b="0"/>
+      </a:lnRef>
+      <a:fillRef idx="1">
+        <a:scrgbClr r="0" g="0" b="0"/>
+      </a:fillRef>
+      <a:effectRef idx="0">
+        <a:scrgbClr r="0" g="0" b="0"/>
+      </a:effectRef>
+      <a:fontRef idx="minor">
+        <a:schemeClr val="lt1"/>
+      </a:fontRef>
+    </dgm:style>
+  </dgm:styleLbl>
+  <dgm:styleLbl name="node1">
+    <dgm:scene3d>
+      <a:camera prst="orthographicFront"/>
+      <a:lightRig rig="threePt" dir="t"/>
+    </dgm:scene3d>
+    <dgm:sp3d/>
+    <dgm:txPr/>
+    <dgm:style>
+      <a:lnRef idx="2">
+        <a:scrgbClr r="0" g="0" b="0"/>
+      </a:lnRef>
+      <a:fillRef idx="1">
+        <a:scrgbClr r="0" g="0" b="0"/>
+      </a:fillRef>
+      <a:effectRef idx="0">
+        <a:scrgbClr r="0" g="0" b="0"/>
+      </a:effectRef>
+      <a:fontRef idx="minor">
+        <a:schemeClr val="lt1"/>
+      </a:fontRef>
+    </dgm:style>
+  </dgm:styleLbl>
+  <dgm:styleLbl name="node2">
+    <dgm:scene3d>
+      <a:camera prst="orthographicFront"/>
+      <a:lightRig rig="threePt" dir="t"/>
+    </dgm:scene3d>
+    <dgm:sp3d/>
+    <dgm:txPr/>
+    <dgm:style>
+      <a:lnRef idx="2">
+        <a:scrgbClr r="0" g="0" b="0"/>
+      </a:lnRef>
+      <a:fillRef idx="1">
+        <a:scrgbClr r="0" g="0" b="0"/>
+      </a:fillRef>
+      <a:effectRef idx="0">
+        <a:scrgbClr r="0" g="0" b="0"/>
+      </a:effectRef>
+      <a:fontRef idx="minor">
+        <a:schemeClr val="lt1"/>
+      </a:fontRef>
+    </dgm:style>
+  </dgm:styleLbl>
+  <dgm:styleLbl name="node3">
+    <dgm:scene3d>
+      <a:camera prst="orthographicFront"/>
+      <a:lightRig rig="threePt" dir="t"/>
+    </dgm:scene3d>
+    <dgm:sp3d/>
+    <dgm:txPr/>
+    <dgm:style>
+      <a:lnRef idx="2">
+        <a:scrgbClr r="0" g="0" b="0"/>
+      </a:lnRef>
+      <a:fillRef idx="1">
+        <a:scrgbClr r="0" g="0" b="0"/>
+      </a:fillRef>
+      <a:effectRef idx="0">
+        <a:scrgbClr r="0" g="0" b="0"/>
+      </a:effectRef>
+      <a:fontRef idx="minor">
+        <a:schemeClr val="lt1"/>
+      </a:fontRef>
+    </dgm:style>
+  </dgm:styleLbl>
+  <dgm:styleLbl name="node4">
+    <dgm:scene3d>
+      <a:camera prst="orthographicFront"/>
+      <a:lightRig rig="threePt" dir="t"/>
+    </dgm:scene3d>
+    <dgm:sp3d/>
+    <dgm:txPr/>
+    <dgm:style>
+      <a:lnRef idx="2">
+        <a:scrgbClr r="0" g="0" b="0"/>
+      </a:lnRef>
+      <a:fillRef idx="1">
+        <a:scrgbClr r="0" g="0" b="0"/>
+      </a:fillRef>
+      <a:effectRef idx="0">
+        <a:scrgbClr r="0" g="0" b="0"/>
+      </a:effectRef>
+      <a:fontRef idx="minor">
+        <a:schemeClr val="lt1"/>
+      </a:fontRef>
+    </dgm:style>
+  </dgm:styleLbl>
+  <dgm:styleLbl name="fgImgPlace1">
+    <dgm:scene3d>
+      <a:camera prst="orthographicFront"/>
+      <a:lightRig rig="threePt" dir="t"/>
+    </dgm:scene3d>
+    <dgm:sp3d/>
+    <dgm:txPr/>
+    <dgm:style>
+      <a:lnRef idx="2">
+        <a:scrgbClr r="0" g="0" b="0"/>
+      </a:lnRef>
+      <a:fillRef idx="1">
+        <a:scrgbClr r="0" g="0" b="0"/>
+      </a:fillRef>
+      <a:effectRef idx="0">
+        <a:scrgbClr r="0" g="0" b="0"/>
+      </a:effectRef>
+      <a:fontRef idx="minor"/>
+    </dgm:style>
+  </dgm:styleLbl>
+  <dgm:styleLbl name="alignImgPlace1">
+    <dgm:scene3d>
+      <a:camera prst="orthographicFront"/>
+      <a:lightRig rig="threePt" dir="t"/>
+    </dgm:scene3d>
+    <dgm:sp3d/>
+    <dgm:txPr/>
+    <dgm:style>
+      <a:lnRef idx="2">
+        <a:scrgbClr r="0" g="0" b="0"/>
+      </a:lnRef>
+      <a:fillRef idx="1">
+        <a:scrgbClr r="0" g="0" b="0"/>
+      </a:fillRef>
+      <a:effectRef idx="0">
+        <a:scrgbClr r="0" g="0" b="0"/>
+      </a:effectRef>
+      <a:fontRef idx="minor"/>
+    </dgm:style>
+  </dgm:styleLbl>
+  <dgm:styleLbl name="bgImgPlace1">
+    <dgm:scene3d>
+      <a:camera prst="orthographicFront"/>
+      <a:lightRig rig="threePt" dir="t"/>
+    </dgm:scene3d>
+    <dgm:sp3d/>
+    <dgm:txPr/>
+    <dgm:style>
+      <a:lnRef idx="2">
+        <a:scrgbClr r="0" g="0" b="0"/>
+      </a:lnRef>
+      <a:fillRef idx="1">
+        <a:scrgbClr r="0" g="0" b="0"/>
+      </a:fillRef>
+      <a:effectRef idx="0">
+        <a:scrgbClr r="0" g="0" b="0"/>
+      </a:effectRef>
+      <a:fontRef idx="minor"/>
+    </dgm:style>
+  </dgm:styleLbl>
+  <dgm:styleLbl name="sibTrans2D1">
+    <dgm:scene3d>
+      <a:camera prst="orthographicFront"/>
+      <a:lightRig rig="threePt" dir="t"/>
+    </dgm:scene3d>
+    <dgm:sp3d/>
+    <dgm:txPr/>
+    <dgm:style>
+      <a:lnRef idx="0">
+        <a:scrgbClr r="0" g="0" b="0"/>
+      </a:lnRef>
+      <a:fillRef idx="1">
+        <a:scrgbClr r="0" g="0" b="0"/>
+      </a:fillRef>
+      <a:effectRef idx="0">
+        <a:scrgbClr r="0" g="0" b="0"/>
+      </a:effectRef>
+      <a:fontRef idx="minor">
+        <a:schemeClr val="lt1"/>
+      </a:fontRef>
+    </dgm:style>
+  </dgm:styleLbl>
+  <dgm:styleLbl name="fgSibTrans2D1">
+    <dgm:scene3d>
+      <a:camera prst="orthographicFront"/>
+      <a:lightRig rig="threePt" dir="t"/>
+    </dgm:scene3d>
+    <dgm:sp3d/>
+    <dgm:txPr/>
+    <dgm:style>
+      <a:lnRef idx="0">
+        <a:scrgbClr r="0" g="0" b="0"/>
+      </a:lnRef>
+      <a:fillRef idx="1">
+        <a:scrgbClr r="0" g="0" b="0"/>
+      </a:fillRef>
+      <a:effectRef idx="0">
+        <a:scrgbClr r="0" g="0" b="0"/>
+      </a:effectRef>
+      <a:fontRef idx="minor">
+        <a:schemeClr val="lt1"/>
+      </a:fontRef>
+    </dgm:style>
+  </dgm:styleLbl>
+  <dgm:styleLbl name="bgSibTrans2D1">
+    <dgm:scene3d>
+      <a:camera prst="orthographicFront"/>
+      <a:lightRig rig="threePt" dir="t"/>
+    </dgm:scene3d>
+    <dgm:sp3d/>
+    <dgm:txPr/>
+    <dgm:style>
+      <a:lnRef idx="0">
+        <a:scrgbClr r="0" g="0" b="0"/>
+      </a:lnRef>
+      <a:fillRef idx="1">
+        <a:scrgbClr r="0" g="0" b="0"/>
+      </a:fillRef>
+      <a:effectRef idx="0">
+        <a:scrgbClr r="0" g="0" b="0"/>
+      </a:effectRef>
+      <a:fontRef idx="minor">
+        <a:schemeClr val="lt1"/>
+      </a:fontRef>
+    </dgm:style>
+  </dgm:styleLbl>
+  <dgm:styleLbl name="sibTrans1D1">
+    <dgm:scene3d>
+      <a:camera prst="orthographicFront"/>
+      <a:lightRig rig="threePt" dir="t"/>
+    </dgm:scene3d>
+    <dgm:sp3d/>
+    <dgm:txPr/>
+    <dgm:style>
+      <a:lnRef idx="1">
+        <a:scrgbClr r="0" g="0" b="0"/>
+      </a:lnRef>
+      <a:fillRef idx="0">
+        <a:scrgbClr r="0" g="0" b="0"/>
+      </a:fillRef>
+      <a:effectRef idx="0">
+        <a:scrgbClr r="0" g="0" b="0"/>
+      </a:effectRef>
+      <a:fontRef idx="minor"/>
+    </dgm:style>
+  </dgm:styleLbl>
+  <dgm:styleLbl name="callout">
+    <dgm:scene3d>
+      <a:camera prst="orthographicFront"/>
+      <a:lightRig rig="threePt" dir="t"/>
+    </dgm:scene3d>
+    <dgm:sp3d/>
+    <dgm:txPr/>
+    <dgm:style>
+      <a:lnRef idx="2">
+        <a:scrgbClr r="0" g="0" b="0"/>
+      </a:lnRef>
+      <a:fillRef idx="1">
+        <a:scrgbClr r="0" g="0" b="0"/>
+      </a:fillRef>
+      <a:effectRef idx="0">
+        <a:scrgbClr r="0" g="0" b="0"/>
+      </a:effectRef>
+      <a:fontRef idx="minor"/>
+    </dgm:style>
+  </dgm:styleLbl>
+  <dgm:styleLbl name="asst0">
+    <dgm:scene3d>
+      <a:camera prst="orthographicFront"/>
+      <a:lightRig rig="threePt" dir="t"/>
+    </dgm:scene3d>
+    <dgm:sp3d/>
+    <dgm:txPr/>
+    <dgm:style>
+      <a:lnRef idx="2">
+        <a:scrgbClr r="0" g="0" b="0"/>
+      </a:lnRef>
+      <a:fillRef idx="1">
+        <a:scrgbClr r="0" g="0" b="0"/>
+      </a:fillRef>
+      <a:effectRef idx="0">
+        <a:scrgbClr r="0" g="0" b="0"/>
+      </a:effectRef>
+      <a:fontRef idx="minor">
+        <a:schemeClr val="lt1"/>
+      </a:fontRef>
+    </dgm:style>
+  </dgm:styleLbl>
+  <dgm:styleLbl name="asst1">
+    <dgm:scene3d>
+      <a:camera prst="orthographicFront"/>
+      <a:lightRig rig="threePt" dir="t"/>
+    </dgm:scene3d>
+    <dgm:sp3d/>
+    <dgm:txPr/>
+    <dgm:style>
+      <a:lnRef idx="2">
+        <a:scrgbClr r="0" g="0" b="0"/>
+      </a:lnRef>
+      <a:fillRef idx="1">
+        <a:scrgbClr r="0" g="0" b="0"/>
+      </a:fillRef>
+      <a:effectRef idx="0">
+        <a:scrgbClr r="0" g="0" b="0"/>
+      </a:effectRef>
+      <a:fontRef idx="minor">
+        <a:schemeClr val="lt1"/>
+      </a:fontRef>
+    </dgm:style>
+  </dgm:styleLbl>
+  <dgm:styleLbl name="asst2">
+    <dgm:scene3d>
+      <a:camera prst="orthographicFront"/>
+      <a:lightRig rig="threePt" dir="t"/>
+    </dgm:scene3d>
+    <dgm:sp3d/>
+    <dgm:txPr/>
+    <dgm:style>
+      <a:lnRef idx="2">
+        <a:scrgbClr r="0" g="0" b="0"/>
+      </a:lnRef>
+      <a:fillRef idx="1">
+        <a:scrgbClr r="0" g="0" b="0"/>
+      </a:fillRef>
+      <a:effectRef idx="0">
+        <a:scrgbClr r="0" g="0" b="0"/>
+      </a:effectRef>
+      <a:fontRef idx="minor">
+        <a:schemeClr val="lt1"/>
+      </a:fontRef>
+    </dgm:style>
+  </dgm:styleLbl>
+  <dgm:styleLbl name="asst3">
+    <dgm:scene3d>
+      <a:camera prst="orthographicFront"/>
+      <a:lightRig rig="threePt" dir="t"/>
+    </dgm:scene3d>
+    <dgm:sp3d/>
+    <dgm:txPr/>
+    <dgm:style>
+      <a:lnRef idx="2">
+        <a:scrgbClr r="0" g="0" b="0"/>
+      </a:lnRef>
+      <a:fillRef idx="1">
+        <a:scrgbClr r="0" g="0" b="0"/>
+      </a:fillRef>
+      <a:effectRef idx="0">
+        <a:scrgbClr r="0" g="0" b="0"/>
+      </a:effectRef>
+      <a:fontRef idx="minor">
+        <a:schemeClr val="lt1"/>
+      </a:fontRef>
+    </dgm:style>
+  </dgm:styleLbl>
+  <dgm:styleLbl name="asst4">
+    <dgm:scene3d>
+      <a:camera prst="orthographicFront"/>
+      <a:lightRig rig="threePt" dir="t"/>
+    </dgm:scene3d>
+    <dgm:sp3d/>
+    <dgm:txPr/>
+    <dgm:style>
+      <a:lnRef idx="2">
+        <a:scrgbClr r="0" g="0" b="0"/>
+      </a:lnRef>
+      <a:fillRef idx="1">
+        <a:scrgbClr r="0" g="0" b="0"/>
+      </a:fillRef>
+      <a:effectRef idx="0">
+        <a:scrgbClr r="0" g="0" b="0"/>
+      </a:effectRef>
+      <a:fontRef idx="minor">
+        <a:schemeClr val="lt1"/>
+      </a:fontRef>
+    </dgm:style>
+  </dgm:styleLbl>
+  <dgm:styleLbl name="parChTrans2D1">
+    <dgm:scene3d>
+      <a:camera prst="orthographicFront"/>
+      <a:lightRig rig="threePt" dir="t"/>
+    </dgm:scene3d>
+    <dgm:sp3d/>
+    <dgm:txPr/>
+    <dgm:style>
+      <a:lnRef idx="2">
+        <a:scrgbClr r="0" g="0" b="0"/>
+      </a:lnRef>
+      <a:fillRef idx="1">
+        <a:scrgbClr r="0" g="0" b="0"/>
+      </a:fillRef>
+      <a:effectRef idx="0">
+        <a:scrgbClr r="0" g="0" b="0"/>
+      </a:effectRef>
+      <a:fontRef idx="minor">
+        <a:schemeClr val="lt1"/>
+      </a:fontRef>
+    </dgm:style>
+  </dgm:styleLbl>
+  <dgm:styleLbl name="parChTrans2D2">
+    <dgm:scene3d>
+      <a:camera prst="orthographicFront"/>
+      <a:lightRig rig="threePt" dir="t"/>
+    </dgm:scene3d>
+    <dgm:sp3d/>
+    <dgm:txPr/>
+    <dgm:style>
+      <a:lnRef idx="2">
+        <a:scrgbClr r="0" g="0" b="0"/>
+      </a:lnRef>
+      <a:fillRef idx="1">
+        <a:scrgbClr r="0" g="0" b="0"/>
+      </a:fillRef>
+      <a:effectRef idx="0">
+        <a:scrgbClr r="0" g="0" b="0"/>
+      </a:effectRef>
+      <a:fontRef idx="minor">
+        <a:schemeClr val="lt1"/>
+      </a:fontRef>
+    </dgm:style>
+  </dgm:styleLbl>
+  <dgm:styleLbl name="parChTrans2D3">
+    <dgm:scene3d>
+      <a:camera prst="orthographicFront"/>
+      <a:lightRig rig="threePt" dir="t"/>
+    </dgm:scene3d>
+    <dgm:sp3d/>
+    <dgm:txPr/>
+    <dgm:style>
+      <a:lnRef idx="2">
+        <a:scrgbClr r="0" g="0" b="0"/>
+      </a:lnRef>
+      <a:fillRef idx="1">
+        <a:scrgbClr r="0" g="0" b="0"/>
+      </a:fillRef>
+      <a:effectRef idx="0">
+        <a:scrgbClr r="0" g="0" b="0"/>
+      </a:effectRef>
+      <a:fontRef idx="minor">
+        <a:schemeClr val="lt1"/>
+      </a:fontRef>
+    </dgm:style>
+  </dgm:styleLbl>
+  <dgm:styleLbl name="parChTrans2D4">
+    <dgm:scene3d>
+      <a:camera prst="orthographicFront"/>
+      <a:lightRig rig="threePt" dir="t"/>
+    </dgm:scene3d>
+    <dgm:sp3d/>
+    <dgm:txPr/>
+    <dgm:style>
+      <a:lnRef idx="2">
+        <a:scrgbClr r="0" g="0" b="0"/>
+      </a:lnRef>
+      <a:fillRef idx="1">
+        <a:scrgbClr r="0" g="0" b="0"/>
+      </a:fillRef>
+      <a:effectRef idx="0">
+        <a:scrgbClr r="0" g="0" b="0"/>
+      </a:effectRef>
+      <a:fontRef idx="minor">
+        <a:schemeClr val="lt1"/>
+      </a:fontRef>
+    </dgm:style>
+  </dgm:styleLbl>
+  <dgm:styleLbl name="parChTrans1D1">
+    <dgm:scene3d>
+      <a:camera prst="orthographicFront"/>
+      <a:lightRig rig="threePt" dir="t"/>
+    </dgm:scene3d>
+    <dgm:sp3d/>
+    <dgm:txPr/>
+    <dgm:style>
+      <a:lnRef idx="2">
+        <a:scrgbClr r="0" g="0" b="0"/>
+      </a:lnRef>
+      <a:fillRef idx="0">
+        <a:scrgbClr r="0" g="0" b="0"/>
+      </a:fillRef>
+      <a:effectRef idx="0">
+        <a:scrgbClr r="0" g="0" b="0"/>
+      </a:effectRef>
+      <a:fontRef idx="minor"/>
+    </dgm:style>
+  </dgm:styleLbl>
+  <dgm:styleLbl name="parChTrans1D2">
+    <dgm:scene3d>
+      <a:camera prst="orthographicFront"/>
+      <a:lightRig rig="threePt" dir="t"/>
+    </dgm:scene3d>
+    <dgm:sp3d/>
+    <dgm:txPr/>
+    <dgm:style>
+      <a:lnRef idx="2">
+        <a:scrgbClr r="0" g="0" b="0"/>
+      </a:lnRef>
+      <a:fillRef idx="0">
+        <a:scrgbClr r="0" g="0" b="0"/>
+      </a:fillRef>
+      <a:effectRef idx="0">
+        <a:scrgbClr r="0" g="0" b="0"/>
+      </a:effectRef>
+      <a:fontRef idx="minor"/>
+    </dgm:style>
+  </dgm:styleLbl>
+  <dgm:styleLbl name="parChTrans1D3">
+    <dgm:scene3d>
+      <a:camera prst="orthographicFront"/>
+      <a:lightRig rig="threePt" dir="t"/>
+    </dgm:scene3d>
+    <dgm:sp3d/>
+    <dgm:txPr/>
+    <dgm:style>
+      <a:lnRef idx="2">
+        <a:scrgbClr r="0" g="0" b="0"/>
+      </a:lnRef>
+      <a:fillRef idx="0">
+        <a:scrgbClr r="0" g="0" b="0"/>
+      </a:fillRef>
+      <a:effectRef idx="0">
+        <a:scrgbClr r="0" g="0" b="0"/>
+      </a:effectRef>
+      <a:fontRef idx="minor"/>
+    </dgm:style>
+  </dgm:styleLbl>
+  <dgm:styleLbl name="parChTrans1D4">
+    <dgm:scene3d>
+      <a:camera prst="orthographicFront"/>
+      <a:lightRig rig="threePt" dir="t"/>
+    </dgm:scene3d>
+    <dgm:sp3d/>
+    <dgm:txPr/>
+    <dgm:style>
+      <a:lnRef idx="2">
+        <a:scrgbClr r="0" g="0" b="0"/>
+      </a:lnRef>
+      <a:fillRef idx="0">
+        <a:scrgbClr r="0" g="0" b="0"/>
+      </a:fillRef>
+      <a:effectRef idx="0">
+        <a:scrgbClr r="0" g="0" b="0"/>
+      </a:effectRef>
+      <a:fontRef idx="minor"/>
+    </dgm:style>
+  </dgm:styleLbl>
+  <dgm:styleLbl name="fgAcc1">
+    <dgm:scene3d>
+      <a:camera prst="orthographicFront"/>
+      <a:lightRig rig="threePt" dir="t"/>
+    </dgm:scene3d>
+    <dgm:sp3d/>
+    <dgm:txPr/>
+    <dgm:style>
+      <a:lnRef idx="2">
+        <a:scrgbClr r="0" g="0" b="0"/>
+      </a:lnRef>
+      <a:fillRef idx="1">
+        <a:scrgbClr r="0" g="0" b="0"/>
+      </a:fillRef>
+      <a:effectRef idx="0">
+        <a:scrgbClr r="0" g="0" b="0"/>
+      </a:effectRef>
+      <a:fontRef idx="minor"/>
+    </dgm:style>
+  </dgm:styleLbl>
+  <dgm:styleLbl name="conFgAcc1">
+    <dgm:scene3d>
+      <a:camera prst="orthographicFront"/>
+      <a:lightRig rig="threePt" dir="t"/>
+    </dgm:scene3d>
+    <dgm:sp3d/>
+    <dgm:txPr/>
+    <dgm:style>
+      <a:lnRef idx="2">
+        <a:scrgbClr r="0" g="0" b="0"/>
+      </a:lnRef>
+      <a:fillRef idx="1">
+        <a:scrgbClr r="0" g="0" b="0"/>
+      </a:fillRef>
+      <a:effectRef idx="0">
+        <a:scrgbClr r="0" g="0" b="0"/>
+      </a:effectRef>
+      <a:fontRef idx="minor"/>
+    </dgm:style>
+  </dgm:styleLbl>
+  <dgm:styleLbl name="alignAcc1">
+    <dgm:scene3d>
+      <a:camera prst="orthographicFront"/>
+      <a:lightRig rig="threePt" dir="t"/>
+    </dgm:scene3d>
+    <dgm:sp3d/>
+    <dgm:txPr/>
+    <dgm:style>
+      <a:lnRef idx="2">
+        <a:scrgbClr r="0" g="0" b="0"/>
+      </a:lnRef>
+      <a:fillRef idx="1">
+        <a:scrgbClr r="0" g="0" b="0"/>
+      </a:fillRef>
+      <a:effectRef idx="0">
+        <a:scrgbClr r="0" g="0" b="0"/>
+      </a:effectRef>
+      <a:fontRef idx="minor"/>
+    </dgm:style>
+  </dgm:styleLbl>
+  <dgm:styleLbl name="trAlignAcc1">
+    <dgm:scene3d>
+      <a:camera prst="orthographicFront"/>
+      <a:lightRig rig="threePt" dir="t"/>
+    </dgm:scene3d>
+    <dgm:sp3d/>
+    <dgm:txPr/>
+    <dgm:style>
+      <a:lnRef idx="1">
+        <a:scrgbClr r="0" g="0" b="0"/>
+      </a:lnRef>
+      <a:fillRef idx="1">
+        <a:scrgbClr r="0" g="0" b="0"/>
+      </a:fillRef>
+      <a:effectRef idx="0">
+        <a:scrgbClr r="0" g="0" b="0"/>
+      </a:effectRef>
+      <a:fontRef idx="minor"/>
+    </dgm:style>
+  </dgm:styleLbl>
+  <dgm:styleLbl name="bgAcc1">
+    <dgm:scene3d>
+      <a:camera prst="orthographicFront"/>
+      <a:lightRig rig="threePt" dir="t"/>
+    </dgm:scene3d>
+    <dgm:sp3d/>
+    <dgm:txPr/>
+    <dgm:style>
+      <a:lnRef idx="2">
+        <a:scrgbClr r="0" g="0" b="0"/>
+      </a:lnRef>
+      <a:fillRef idx="1">
+        <a:scrgbClr r="0" g="0" b="0"/>
+      </a:fillRef>
+      <a:effectRef idx="0">
+        <a:scrgbClr r="0" g="0" b="0"/>
+      </a:effectRef>
+      <a:fontRef idx="minor"/>
+    </dgm:style>
+  </dgm:styleLbl>
+  <dgm:styleLbl name="solidFgAcc1">
+    <dgm:scene3d>
+      <a:camera prst="orthographicFront"/>
+      <a:lightRig rig="threePt" dir="t"/>
+    </dgm:scene3d>
+    <dgm:sp3d/>
+    <dgm:txPr/>
+    <dgm:style>
+      <a:lnRef idx="2">
+        <a:scrgbClr r="0" g="0" b="0"/>
+      </a:lnRef>
+      <a:fillRef idx="1">
+        <a:scrgbClr r="0" g="0" b="0"/>
+      </a:fillRef>
+      <a:effectRef idx="0">
+        <a:scrgbClr r="0" g="0" b="0"/>
+      </a:effectRef>
+      <a:fontRef idx="minor"/>
+    </dgm:style>
+  </dgm:styleLbl>
+  <dgm:styleLbl name="solidAlignAcc1">
+    <dgm:scene3d>
+      <a:camera prst="orthographicFront"/>
+      <a:lightRig rig="threePt" dir="t"/>
+    </dgm:scene3d>
+    <dgm:sp3d/>
+    <dgm:txPr/>
+    <dgm:style>
+      <a:lnRef idx="2">
+        <a:scrgbClr r="0" g="0" b="0"/>
+      </a:lnRef>
+      <a:fillRef idx="1">
+        <a:scrgbClr r="0" g="0" b="0"/>
+      </a:fillRef>
+      <a:effectRef idx="0">
+        <a:scrgbClr r="0" g="0" b="0"/>
+      </a:effectRef>
+      <a:fontRef idx="minor"/>
+    </dgm:style>
+  </dgm:styleLbl>
+  <dgm:styleLbl name="solidBgAcc1">
+    <dgm:scene3d>
+      <a:camera prst="orthographicFront"/>
+      <a:lightRig rig="threePt" dir="t"/>
+    </dgm:scene3d>
+    <dgm:sp3d/>
+    <dgm:txPr/>
+    <dgm:style>
+      <a:lnRef idx="2">
+        <a:scrgbClr r="0" g="0" b="0"/>
+      </a:lnRef>
+      <a:fillRef idx="1">
+        <a:scrgbClr r="0" g="0" b="0"/>
+      </a:fillRef>
+      <a:effectRef idx="0">
+        <a:scrgbClr r="0" g="0" b="0"/>
+      </a:effectRef>
+      <a:fontRef idx="minor"/>
+    </dgm:style>
+  </dgm:styleLbl>
+  <dgm:styleLbl name="fgAccFollowNode1">
+    <dgm:scene3d>
+      <a:camera prst="orthographicFront"/>
+      <a:lightRig rig="threePt" dir="t"/>
+    </dgm:scene3d>
+    <dgm:sp3d/>
+    <dgm:txPr/>
+    <dgm:style>
+      <a:lnRef idx="2">
+        <a:scrgbClr r="0" g="0" b="0"/>
+      </a:lnRef>
+      <a:fillRef idx="1">
+        <a:scrgbClr r="0" g="0" b="0"/>
+      </a:fillRef>
+      <a:effectRef idx="0">
+        <a:scrgbClr r="0" g="0" b="0"/>
+      </a:effectRef>
+      <a:fontRef idx="minor"/>
+    </dgm:style>
+  </dgm:styleLbl>
+  <dgm:styleLbl name="alignAccFollowNode1">
+    <dgm:scene3d>
+      <a:camera prst="orthographicFront"/>
+      <a:lightRig rig="threePt" dir="t"/>
+    </dgm:scene3d>
+    <dgm:sp3d/>
+    <dgm:txPr/>
+    <dgm:style>
+      <a:lnRef idx="2">
+        <a:scrgbClr r="0" g="0" b="0"/>
+      </a:lnRef>
+      <a:fillRef idx="1">
+        <a:scrgbClr r="0" g="0" b="0"/>
+      </a:fillRef>
+      <a:effectRef idx="0">
+        <a:scrgbClr r="0" g="0" b="0"/>
+      </a:effectRef>
+      <a:fontRef idx="minor"/>
+    </dgm:style>
+  </dgm:styleLbl>
+  <dgm:styleLbl name="bgAccFollowNode1">
+    <dgm:scene3d>
+      <a:camera prst="orthographicFront"/>
+      <a:lightRig rig="threePt" dir="t"/>
+    </dgm:scene3d>
+    <dgm:sp3d/>
+    <dgm:txPr/>
+    <dgm:style>
+      <a:lnRef idx="2">
+        <a:scrgbClr r="0" g="0" b="0"/>
+      </a:lnRef>
+      <a:fillRef idx="1">
+        <a:scrgbClr r="0" g="0" b="0"/>
+      </a:fillRef>
+      <a:effectRef idx="0">
+        <a:scrgbClr r="0" g="0" b="0"/>
+      </a:effectRef>
+      <a:fontRef idx="minor"/>
+    </dgm:style>
+  </dgm:styleLbl>
+  <dgm:styleLbl name="fgAcc0">
+    <dgm:scene3d>
+      <a:camera prst="orthographicFront"/>
+      <a:lightRig rig="threePt" dir="t"/>
+    </dgm:scene3d>
+    <dgm:sp3d/>
+    <dgm:txPr/>
+    <dgm:style>
+      <a:lnRef idx="2">
+        <a:scrgbClr r="0" g="0" b="0"/>
+      </a:lnRef>
+      <a:fillRef idx="1">
+        <a:scrgbClr r="0" g="0" b="0"/>
+      </a:fillRef>
+      <a:effectRef idx="0">
+        <a:scrgbClr r="0" g="0" b="0"/>
+      </a:effectRef>
+      <a:fontRef idx="minor"/>
+    </dgm:style>
+  </dgm:styleLbl>
+  <dgm:styleLbl name="fgAcc2">
+    <dgm:scene3d>
+      <a:camera prst="orthographicFront"/>
+      <a:lightRig rig="threePt" dir="t"/>
+    </dgm:scene3d>
+    <dgm:sp3d/>
+    <dgm:txPr/>
+    <dgm:style>
+      <a:lnRef idx="2">
+        <a:scrgbClr r="0" g="0" b="0"/>
+      </a:lnRef>
+      <a:fillRef idx="1">
+        <a:scrgbClr r="0" g="0" b="0"/>
+      </a:fillRef>
+      <a:effectRef idx="0">
+        <a:scrgbClr r="0" g="0" b="0"/>
+      </a:effectRef>
+      <a:fontRef idx="minor"/>
+    </dgm:style>
+  </dgm:styleLbl>
+  <dgm:styleLbl name="fgAcc3">
+    <dgm:scene3d>
+      <a:camera prst="orthographicFront"/>
+      <a:lightRig rig="threePt" dir="t"/>
+    </dgm:scene3d>
+    <dgm:sp3d/>
+    <dgm:txPr/>
+    <dgm:style>
+      <a:lnRef idx="2">
+        <a:scrgbClr r="0" g="0" b="0"/>
+      </a:lnRef>
+      <a:fillRef idx="1">
+        <a:scrgbClr r="0" g="0" b="0"/>
+      </a:fillRef>
+      <a:effectRef idx="0">
+        <a:scrgbClr r="0" g="0" b="0"/>
+      </a:effectRef>
+      <a:fontRef idx="minor"/>
+    </dgm:style>
+  </dgm:styleLbl>
+  <dgm:styleLbl name="fgAcc4">
+    <dgm:scene3d>
+      <a:camera prst="orthographicFront"/>
+      <a:lightRig rig="threePt" dir="t"/>
+    </dgm:scene3d>
+    <dgm:sp3d/>
+    <dgm:txPr/>
+    <dgm:style>
+      <a:lnRef idx="2">
+        <a:scrgbClr r="0" g="0" b="0"/>
+      </a:lnRef>
+      <a:fillRef idx="1">
+        <a:scrgbClr r="0" g="0" b="0"/>
+      </a:fillRef>
+      <a:effectRef idx="0">
+        <a:scrgbClr r="0" g="0" b="0"/>
+      </a:effectRef>
+      <a:fontRef idx="minor"/>
+    </dgm:style>
+  </dgm:styleLbl>
+  <dgm:styleLbl name="bgShp">
+    <dgm:scene3d>
+      <a:camera prst="orthographicFront"/>
+      <a:lightRig rig="threePt" dir="t"/>
+    </dgm:scene3d>
+    <dgm:sp3d/>
+    <dgm:txPr/>
+    <dgm:style>
+      <a:lnRef idx="0">
+        <a:scrgbClr r="0" g="0" b="0"/>
+      </a:lnRef>
+      <a:fillRef idx="1">
+        <a:scrgbClr r="0" g="0" b="0"/>
+      </a:fillRef>
+      <a:effectRef idx="0">
+        <a:scrgbClr r="0" g="0" b="0"/>
+      </a:effectRef>
+      <a:fontRef idx="minor"/>
+    </dgm:style>
+  </dgm:styleLbl>
+  <dgm:styleLbl name="dkBgShp">
+    <dgm:scene3d>
+      <a:camera prst="orthographicFront"/>
+      <a:lightRig rig="threePt" dir="t"/>
+    </dgm:scene3d>
+    <dgm:sp3d/>
+    <dgm:txPr/>
+    <dgm:style>
+      <a:lnRef idx="0">
+        <a:scrgbClr r="0" g="0" b="0"/>
+      </a:lnRef>
+      <a:fillRef idx="1">
+        <a:scrgbClr r="0" g="0" b="0"/>
+      </a:fillRef>
+      <a:effectRef idx="0">
+        <a:scrgbClr r="0" g="0" b="0"/>
+      </a:effectRef>
+      <a:fontRef idx="minor"/>
+    </dgm:style>
+  </dgm:styleLbl>
+  <dgm:styleLbl name="trBgShp">
+    <dgm:scene3d>
+      <a:camera prst="orthographicFront"/>
+      <a:lightRig rig="threePt" dir="t"/>
+    </dgm:scene3d>
+    <dgm:sp3d/>
+    <dgm:txPr/>
+    <dgm:style>
+      <a:lnRef idx="0">
+        <a:scrgbClr r="0" g="0" b="0"/>
+      </a:lnRef>
+      <a:fillRef idx="1">
+        <a:scrgbClr r="0" g="0" b="0"/>
+      </a:fillRef>
+      <a:effectRef idx="0">
+        <a:scrgbClr r="0" g="0" b="0"/>
+      </a:effectRef>
+      <a:fontRef idx="minor"/>
+    </dgm:style>
+  </dgm:styleLbl>
+  <dgm:styleLbl name="fgShp">
+    <dgm:scene3d>
+      <a:camera prst="orthographicFront"/>
+      <a:lightRig rig="threePt" dir="t"/>
+    </dgm:scene3d>
+    <dgm:sp3d/>
+    <dgm:txPr/>
+    <dgm:style>
+      <a:lnRef idx="2">
+        <a:scrgbClr r="0" g="0" b="0"/>
+      </a:lnRef>
+      <a:fillRef idx="1">
+        <a:scrgbClr r="0" g="0" b="0"/>
+      </a:fillRef>
+      <a:effectRef idx="0">
+        <a:scrgbClr r="0" g="0" b="0"/>
+      </a:effectRef>
+      <a:fontRef idx="minor"/>
+    </dgm:style>
+  </dgm:styleLbl>
+  <dgm:styleLbl name="revTx">
+    <dgm:scene3d>
+      <a:camera prst="orthographicFront"/>
+      <a:lightRig rig="threePt" dir="t"/>
+    </dgm:scene3d>
+    <dgm:sp3d/>
+    <dgm:txPr/>
+    <dgm:style>
+      <a:lnRef idx="0">
+        <a:scrgbClr r="0" g="0" b="0"/>
+      </a:lnRef>
+      <a:fillRef idx="0">
+        <a:scrgbClr r="0" g="0" b="0"/>
+      </a:fillRef>
+      <a:effectRef idx="0">
+        <a:scrgbClr r="0" g="0" b="0"/>
+      </a:effectRef>
+      <a:fontRef idx="minor"/>
+    </dgm:style>
+  </dgm:styleLbl>
+</dgm:styleDef>
+</file>
+
+<file path=ppt/diagrams/quickStyle5.xml><?xml version="1.0" encoding="utf-8"?>
+<dgm:styleDef xmlns:dgm="http://schemas.openxmlformats.org/drawingml/2006/diagram" xmlns:a="http://schemas.openxmlformats.org/drawingml/2006/main" uniqueId="urn:microsoft.com/office/officeart/2005/8/quickstyle/simple1">
+  <dgm:title val=""/>
+  <dgm:desc val=""/>
+  <dgm:catLst>
+    <dgm:cat type="simple" pri="10100"/>
+  </dgm:catLst>
+  <dgm:scene3d>
+    <a:camera prst="orthographicFront"/>
+    <a:lightRig rig="threePt" dir="t"/>
+  </dgm:scene3d>
+  <dgm:styleLbl name="node0">
+    <dgm:scene3d>
+      <a:camera prst="orthographicFront"/>
+      <a:lightRig rig="threePt" dir="t"/>
+    </dgm:scene3d>
+    <dgm:sp3d/>
+    <dgm:txPr/>
+    <dgm:style>
+      <a:lnRef idx="2">
+        <a:scrgbClr r="0" g="0" b="0"/>
+      </a:lnRef>
+      <a:fillRef idx="1">
+        <a:scrgbClr r="0" g="0" b="0"/>
+      </a:fillRef>
+      <a:effectRef idx="0">
+        <a:scrgbClr r="0" g="0" b="0"/>
+      </a:effectRef>
+      <a:fontRef idx="minor">
+        <a:schemeClr val="lt1"/>
+      </a:fontRef>
+    </dgm:style>
+  </dgm:styleLbl>
+  <dgm:styleLbl name="lnNode1">
+    <dgm:scene3d>
+      <a:camera prst="orthographicFront"/>
+      <a:lightRig rig="threePt" dir="t"/>
+    </dgm:scene3d>
+    <dgm:sp3d/>
+    <dgm:txPr/>
+    <dgm:style>
+      <a:lnRef idx="2">
+        <a:scrgbClr r="0" g="0" b="0"/>
+      </a:lnRef>
+      <a:fillRef idx="1">
+        <a:scrgbClr r="0" g="0" b="0"/>
+      </a:fillRef>
+      <a:effectRef idx="0">
+        <a:scrgbClr r="0" g="0" b="0"/>
+      </a:effectRef>
+      <a:fontRef idx="minor">
+        <a:schemeClr val="lt1"/>
+      </a:fontRef>
+    </dgm:style>
+  </dgm:styleLbl>
+  <dgm:styleLbl name="vennNode1">
+    <dgm:scene3d>
+      <a:camera prst="orthographicFront"/>
+      <a:lightRig rig="threePt" dir="t"/>
+    </dgm:scene3d>
+    <dgm:sp3d/>
+    <dgm:txPr/>
+    <dgm:style>
+      <a:lnRef idx="2">
+        <a:scrgbClr r="0" g="0" b="0"/>
+      </a:lnRef>
+      <a:fillRef idx="1">
+        <a:scrgbClr r="0" g="0" b="0"/>
+      </a:fillRef>
+      <a:effectRef idx="0">
+        <a:scrgbClr r="0" g="0" b="0"/>
+      </a:effectRef>
+      <a:fontRef idx="minor">
+        <a:schemeClr val="tx1"/>
+      </a:fontRef>
+    </dgm:style>
+  </dgm:styleLbl>
+  <dgm:styleLbl name="alignNode1">
+    <dgm:scene3d>
+      <a:camera prst="orthographicFront"/>
+      <a:lightRig rig="threePt" dir="t"/>
+    </dgm:scene3d>
+    <dgm:sp3d/>
+    <dgm:txPr/>
+    <dgm:style>
+      <a:lnRef idx="2">
+        <a:scrgbClr r="0" g="0" b="0"/>
+      </a:lnRef>
+      <a:fillRef idx="1">
+        <a:scrgbClr r="0" g="0" b="0"/>
+      </a:fillRef>
+      <a:effectRef idx="0">
+        <a:scrgbClr r="0" g="0" b="0"/>
+      </a:effectRef>
+      <a:fontRef idx="minor">
+        <a:schemeClr val="lt1"/>
+      </a:fontRef>
+    </dgm:style>
+  </dgm:styleLbl>
+  <dgm:styleLbl name="node1">
+    <dgm:scene3d>
+      <a:camera prst="orthographicFront"/>
+      <a:lightRig rig="threePt" dir="t"/>
+    </dgm:scene3d>
+    <dgm:sp3d/>
+    <dgm:txPr/>
+    <dgm:style>
+      <a:lnRef idx="2">
+        <a:scrgbClr r="0" g="0" b="0"/>
+      </a:lnRef>
+      <a:fillRef idx="1">
+        <a:scrgbClr r="0" g="0" b="0"/>
+      </a:fillRef>
+      <a:effectRef idx="0">
+        <a:scrgbClr r="0" g="0" b="0"/>
+      </a:effectRef>
+      <a:fontRef idx="minor">
+        <a:schemeClr val="lt1"/>
+      </a:fontRef>
+    </dgm:style>
+  </dgm:styleLbl>
+  <dgm:styleLbl name="node2">
+    <dgm:scene3d>
+      <a:camera prst="orthographicFront"/>
+      <a:lightRig rig="threePt" dir="t"/>
+    </dgm:scene3d>
+    <dgm:sp3d/>
+    <dgm:txPr/>
+    <dgm:style>
+      <a:lnRef idx="2">
+        <a:scrgbClr r="0" g="0" b="0"/>
+      </a:lnRef>
+      <a:fillRef idx="1">
+        <a:scrgbClr r="0" g="0" b="0"/>
+      </a:fillRef>
+      <a:effectRef idx="0">
+        <a:scrgbClr r="0" g="0" b="0"/>
+      </a:effectRef>
+      <a:fontRef idx="minor">
+        <a:schemeClr val="lt1"/>
+      </a:fontRef>
+    </dgm:style>
+  </dgm:styleLbl>
+  <dgm:styleLbl name="node3">
+    <dgm:scene3d>
+      <a:camera prst="orthographicFront"/>
+      <a:lightRig rig="threePt" dir="t"/>
+    </dgm:scene3d>
+    <dgm:sp3d/>
+    <dgm:txPr/>
+    <dgm:style>
+      <a:lnRef idx="2">
+        <a:scrgbClr r="0" g="0" b="0"/>
+      </a:lnRef>
+      <a:fillRef idx="1">
+        <a:scrgbClr r="0" g="0" b="0"/>
+      </a:fillRef>
+      <a:effectRef idx="0">
+        <a:scrgbClr r="0" g="0" b="0"/>
+      </a:effectRef>
+      <a:fontRef idx="minor">
+        <a:schemeClr val="lt1"/>
+      </a:fontRef>
+    </dgm:style>
+  </dgm:styleLbl>
+  <dgm:styleLbl name="node4">
+    <dgm:scene3d>
+      <a:camera prst="orthographicFront"/>
+      <a:lightRig rig="threePt" dir="t"/>
+    </dgm:scene3d>
+    <dgm:sp3d/>
+    <dgm:txPr/>
+    <dgm:style>
+      <a:lnRef idx="2">
+        <a:scrgbClr r="0" g="0" b="0"/>
+      </a:lnRef>
+      <a:fillRef idx="1">
+        <a:scrgbClr r="0" g="0" b="0"/>
+      </a:fillRef>
+      <a:effectRef idx="0">
+        <a:scrgbClr r="0" g="0" b="0"/>
+      </a:effectRef>
+      <a:fontRef idx="minor">
+        <a:schemeClr val="lt1"/>
+      </a:fontRef>
+    </dgm:style>
+  </dgm:styleLbl>
+  <dgm:styleLbl name="fgImgPlace1">
+    <dgm:scene3d>
+      <a:camera prst="orthographicFront"/>
+      <a:lightRig rig="threePt" dir="t"/>
+    </dgm:scene3d>
+    <dgm:sp3d/>
+    <dgm:txPr/>
+    <dgm:style>
+      <a:lnRef idx="2">
+        <a:scrgbClr r="0" g="0" b="0"/>
+      </a:lnRef>
+      <a:fillRef idx="1">
+        <a:scrgbClr r="0" g="0" b="0"/>
+      </a:fillRef>
+      <a:effectRef idx="0">
+        <a:scrgbClr r="0" g="0" b="0"/>
+      </a:effectRef>
+      <a:fontRef idx="minor"/>
+    </dgm:style>
+  </dgm:styleLbl>
+  <dgm:styleLbl name="alignImgPlace1">
+    <dgm:scene3d>
+      <a:camera prst="orthographicFront"/>
+      <a:lightRig rig="threePt" dir="t"/>
+    </dgm:scene3d>
+    <dgm:sp3d/>
+    <dgm:txPr/>
+    <dgm:style>
+      <a:lnRef idx="2">
+        <a:scrgbClr r="0" g="0" b="0"/>
+      </a:lnRef>
+      <a:fillRef idx="1">
+        <a:scrgbClr r="0" g="0" b="0"/>
+      </a:fillRef>
+      <a:effectRef idx="0">
+        <a:scrgbClr r="0" g="0" b="0"/>
+      </a:effectRef>
+      <a:fontRef idx="minor"/>
+    </dgm:style>
+  </dgm:styleLbl>
+  <dgm:styleLbl name="bgImgPlace1">
+    <dgm:scene3d>
+      <a:camera prst="orthographicFront"/>
+      <a:lightRig rig="threePt" dir="t"/>
+    </dgm:scene3d>
+    <dgm:sp3d/>
+    <dgm:txPr/>
+    <dgm:style>
+      <a:lnRef idx="2">
+        <a:scrgbClr r="0" g="0" b="0"/>
+      </a:lnRef>
+      <a:fillRef idx="1">
+        <a:scrgbClr r="0" g="0" b="0"/>
+      </a:fillRef>
+      <a:effectRef idx="0">
+        <a:scrgbClr r="0" g="0" b="0"/>
+      </a:effectRef>
+      <a:fontRef idx="minor"/>
+    </dgm:style>
+  </dgm:styleLbl>
+  <dgm:styleLbl name="sibTrans2D1">
+    <dgm:scene3d>
+      <a:camera prst="orthographicFront"/>
+      <a:lightRig rig="threePt" dir="t"/>
+    </dgm:scene3d>
+    <dgm:sp3d/>
+    <dgm:txPr/>
+    <dgm:style>
+      <a:lnRef idx="0">
+        <a:scrgbClr r="0" g="0" b="0"/>
+      </a:lnRef>
+      <a:fillRef idx="1">
+        <a:scrgbClr r="0" g="0" b="0"/>
+      </a:fillRef>
+      <a:effectRef idx="0">
+        <a:scrgbClr r="0" g="0" b="0"/>
+      </a:effectRef>
+      <a:fontRef idx="minor">
+        <a:schemeClr val="lt1"/>
+      </a:fontRef>
+    </dgm:style>
+  </dgm:styleLbl>
+  <dgm:styleLbl name="fgSibTrans2D1">
+    <dgm:scene3d>
+      <a:camera prst="orthographicFront"/>
+      <a:lightRig rig="threePt" dir="t"/>
+    </dgm:scene3d>
+    <dgm:sp3d/>
+    <dgm:txPr/>
+    <dgm:style>
+      <a:lnRef idx="0">
+        <a:scrgbClr r="0" g="0" b="0"/>
+      </a:lnRef>
+      <a:fillRef idx="1">
+        <a:scrgbClr r="0" g="0" b="0"/>
+      </a:fillRef>
+      <a:effectRef idx="0">
+        <a:scrgbClr r="0" g="0" b="0"/>
+      </a:effectRef>
+      <a:fontRef idx="minor">
+        <a:schemeClr val="lt1"/>
+      </a:fontRef>
+    </dgm:style>
+  </dgm:styleLbl>
+  <dgm:styleLbl name="bgSibTrans2D1">
+    <dgm:scene3d>
+      <a:camera prst="orthographicFront"/>
+      <a:lightRig rig="threePt" dir="t"/>
+    </dgm:scene3d>
+    <dgm:sp3d/>
+    <dgm:txPr/>
+    <dgm:style>
+      <a:lnRef idx="0">
+        <a:scrgbClr r="0" g="0" b="0"/>
+      </a:lnRef>
+      <a:fillRef idx="1">
+        <a:scrgbClr r="0" g="0" b="0"/>
+      </a:fillRef>
+      <a:effectRef idx="0">
+        <a:scrgbClr r="0" g="0" b="0"/>
+      </a:effectRef>
+      <a:fontRef idx="minor">
+        <a:schemeClr val="lt1"/>
+      </a:fontRef>
+    </dgm:style>
+  </dgm:styleLbl>
+  <dgm:styleLbl name="sibTrans1D1">
+    <dgm:scene3d>
+      <a:camera prst="orthographicFront"/>
+      <a:lightRig rig="threePt" dir="t"/>
+    </dgm:scene3d>
+    <dgm:sp3d/>
+    <dgm:txPr/>
+    <dgm:style>
+      <a:lnRef idx="1">
+        <a:scrgbClr r="0" g="0" b="0"/>
+      </a:lnRef>
+      <a:fillRef idx="0">
+        <a:scrgbClr r="0" g="0" b="0"/>
+      </a:fillRef>
+      <a:effectRef idx="0">
+        <a:scrgbClr r="0" g="0" b="0"/>
+      </a:effectRef>
+      <a:fontRef idx="minor"/>
+    </dgm:style>
+  </dgm:styleLbl>
+  <dgm:styleLbl name="callout">
+    <dgm:scene3d>
+      <a:camera prst="orthographicFront"/>
+      <a:lightRig rig="threePt" dir="t"/>
+    </dgm:scene3d>
+    <dgm:sp3d/>
+    <dgm:txPr/>
+    <dgm:style>
+      <a:lnRef idx="2">
+        <a:scrgbClr r="0" g="0" b="0"/>
+      </a:lnRef>
+      <a:fillRef idx="1">
+        <a:scrgbClr r="0" g="0" b="0"/>
+      </a:fillRef>
+      <a:effectRef idx="0">
+        <a:scrgbClr r="0" g="0" b="0"/>
+      </a:effectRef>
+      <a:fontRef idx="minor"/>
+    </dgm:style>
+  </dgm:styleLbl>
+  <dgm:styleLbl name="asst0">
+    <dgm:scene3d>
+      <a:camera prst="orthographicFront"/>
+      <a:lightRig rig="threePt" dir="t"/>
+    </dgm:scene3d>
+    <dgm:sp3d/>
+    <dgm:txPr/>
+    <dgm:style>
+      <a:lnRef idx="2">
+        <a:scrgbClr r="0" g="0" b="0"/>
+      </a:lnRef>
+      <a:fillRef idx="1">
+        <a:scrgbClr r="0" g="0" b="0"/>
+      </a:fillRef>
+      <a:effectRef idx="0">
+        <a:scrgbClr r="0" g="0" b="0"/>
+      </a:effectRef>
+      <a:fontRef idx="minor">
+        <a:schemeClr val="lt1"/>
+      </a:fontRef>
+    </dgm:style>
+  </dgm:styleLbl>
+  <dgm:styleLbl name="asst1">
+    <dgm:scene3d>
+      <a:camera prst="orthographicFront"/>
+      <a:lightRig rig="threePt" dir="t"/>
+    </dgm:scene3d>
+    <dgm:sp3d/>
+    <dgm:txPr/>
+    <dgm:style>
+      <a:lnRef idx="2">
+        <a:scrgbClr r="0" g="0" b="0"/>
+      </a:lnRef>
+      <a:fillRef idx="1">
+        <a:scrgbClr r="0" g="0" b="0"/>
+      </a:fillRef>
+      <a:effectRef idx="0">
+        <a:scrgbClr r="0" g="0" b="0"/>
+      </a:effectRef>
+      <a:fontRef idx="minor">
+        <a:schemeClr val="lt1"/>
+      </a:fontRef>
+    </dgm:style>
+  </dgm:styleLbl>
+  <dgm:styleLbl name="asst2">
+    <dgm:scene3d>
+      <a:camera prst="orthographicFront"/>
+      <a:lightRig rig="threePt" dir="t"/>
+    </dgm:scene3d>
+    <dgm:sp3d/>
+    <dgm:txPr/>
+    <dgm:style>
+      <a:lnRef idx="2">
+        <a:scrgbClr r="0" g="0" b="0"/>
+      </a:lnRef>
+      <a:fillRef idx="1">
+        <a:scrgbClr r="0" g="0" b="0"/>
+      </a:fillRef>
+      <a:effectRef idx="0">
+        <a:scrgbClr r="0" g="0" b="0"/>
+      </a:effectRef>
+      <a:fontRef idx="minor">
+        <a:schemeClr val="lt1"/>
+      </a:fontRef>
+    </dgm:style>
+  </dgm:styleLbl>
+  <dgm:styleLbl name="asst3">
+    <dgm:scene3d>
+      <a:camera prst="orthographicFront"/>
+      <a:lightRig rig="threePt" dir="t"/>
+    </dgm:scene3d>
+    <dgm:sp3d/>
+    <dgm:txPr/>
+    <dgm:style>
+      <a:lnRef idx="2">
+        <a:scrgbClr r="0" g="0" b="0"/>
+      </a:lnRef>
+      <a:fillRef idx="1">
+        <a:scrgbClr r="0" g="0" b="0"/>
+      </a:fillRef>
+      <a:effectRef idx="0">
+        <a:scrgbClr r="0" g="0" b="0"/>
+      </a:effectRef>
+      <a:fontRef idx="minor">
+        <a:schemeClr val="lt1"/>
+      </a:fontRef>
+    </dgm:style>
+  </dgm:styleLbl>
+  <dgm:styleLbl name="asst4">
+    <dgm:scene3d>
+      <a:camera prst="orthographicFront"/>
+      <a:lightRig rig="threePt" dir="t"/>
+    </dgm:scene3d>
+    <dgm:sp3d/>
+    <dgm:txPr/>
+    <dgm:style>
+      <a:lnRef idx="2">
+        <a:scrgbClr r="0" g="0" b="0"/>
+      </a:lnRef>
+      <a:fillRef idx="1">
+        <a:scrgbClr r="0" g="0" b="0"/>
+      </a:fillRef>
+      <a:effectRef idx="0">
+        <a:scrgbClr r="0" g="0" b="0"/>
+      </a:effectRef>
+      <a:fontRef idx="minor">
+        <a:schemeClr val="lt1"/>
+      </a:fontRef>
+    </dgm:style>
+  </dgm:styleLbl>
+  <dgm:styleLbl name="parChTrans2D1">
+    <dgm:scene3d>
+      <a:camera prst="orthographicFront"/>
+      <a:lightRig rig="threePt" dir="t"/>
+    </dgm:scene3d>
+    <dgm:sp3d/>
+    <dgm:txPr/>
+    <dgm:style>
+      <a:lnRef idx="2">
+        <a:scrgbClr r="0" g="0" b="0"/>
+      </a:lnRef>
+      <a:fillRef idx="1">
+        <a:scrgbClr r="0" g="0" b="0"/>
+      </a:fillRef>
+      <a:effectRef idx="0">
+        <a:scrgbClr r="0" g="0" b="0"/>
+      </a:effectRef>
+      <a:fontRef idx="minor">
+        <a:schemeClr val="lt1"/>
+      </a:fontRef>
+    </dgm:style>
+  </dgm:styleLbl>
+  <dgm:styleLbl name="parChTrans2D2">
+    <dgm:scene3d>
+      <a:camera prst="orthographicFront"/>
+      <a:lightRig rig="threePt" dir="t"/>
+    </dgm:scene3d>
+    <dgm:sp3d/>
+    <dgm:txPr/>
+    <dgm:style>
+      <a:lnRef idx="2">
+        <a:scrgbClr r="0" g="0" b="0"/>
+      </a:lnRef>
+      <a:fillRef idx="1">
+        <a:scrgbClr r="0" g="0" b="0"/>
+      </a:fillRef>
+      <a:effectRef idx="0">
+        <a:scrgbClr r="0" g="0" b="0"/>
+      </a:effectRef>
+      <a:fontRef idx="minor">
+        <a:schemeClr val="lt1"/>
+      </a:fontRef>
+    </dgm:style>
+  </dgm:styleLbl>
+  <dgm:styleLbl name="parChTrans2D3">
+    <dgm:scene3d>
+      <a:camera prst="orthographicFront"/>
+      <a:lightRig rig="threePt" dir="t"/>
+    </dgm:scene3d>
+    <dgm:sp3d/>
+    <dgm:txPr/>
+    <dgm:style>
+      <a:lnRef idx="2">
+        <a:scrgbClr r="0" g="0" b="0"/>
+      </a:lnRef>
+      <a:fillRef idx="1">
+        <a:scrgbClr r="0" g="0" b="0"/>
+      </a:fillRef>
+      <a:effectRef idx="0">
+        <a:scrgbClr r="0" g="0" b="0"/>
+      </a:effectRef>
+      <a:fontRef idx="minor">
+        <a:schemeClr val="lt1"/>
+      </a:fontRef>
+    </dgm:style>
+  </dgm:styleLbl>
+  <dgm:styleLbl name="parChTrans2D4">
+    <dgm:scene3d>
+      <a:camera prst="orthographicFront"/>
+      <a:lightRig rig="threePt" dir="t"/>
+    </dgm:scene3d>
+    <dgm:sp3d/>
+    <dgm:txPr/>
+    <dgm:style>
+      <a:lnRef idx="2">
+        <a:scrgbClr r="0" g="0" b="0"/>
+      </a:lnRef>
+      <a:fillRef idx="1">
+        <a:scrgbClr r="0" g="0" b="0"/>
+      </a:fillRef>
+      <a:effectRef idx="0">
+        <a:scrgbClr r="0" g="0" b="0"/>
+      </a:effectRef>
+      <a:fontRef idx="minor">
+        <a:schemeClr val="lt1"/>
+      </a:fontRef>
+    </dgm:style>
+  </dgm:styleLbl>
+  <dgm:styleLbl name="parChTrans1D1">
+    <dgm:scene3d>
+      <a:camera prst="orthographicFront"/>
+      <a:lightRig rig="threePt" dir="t"/>
+    </dgm:scene3d>
+    <dgm:sp3d/>
+    <dgm:txPr/>
+    <dgm:style>
+      <a:lnRef idx="2">
+        <a:scrgbClr r="0" g="0" b="0"/>
+      </a:lnRef>
+      <a:fillRef idx="0">
+        <a:scrgbClr r="0" g="0" b="0"/>
+      </a:fillRef>
+      <a:effectRef idx="0">
+        <a:scrgbClr r="0" g="0" b="0"/>
+      </a:effectRef>
+      <a:fontRef idx="minor"/>
+    </dgm:style>
+  </dgm:styleLbl>
+  <dgm:styleLbl name="parChTrans1D2">
+    <dgm:scene3d>
+      <a:camera prst="orthographicFront"/>
+      <a:lightRig rig="threePt" dir="t"/>
+    </dgm:scene3d>
+    <dgm:sp3d/>
+    <dgm:txPr/>
+    <dgm:style>
+      <a:lnRef idx="2">
+        <a:scrgbClr r="0" g="0" b="0"/>
+      </a:lnRef>
+      <a:fillRef idx="0">
+        <a:scrgbClr r="0" g="0" b="0"/>
+      </a:fillRef>
+      <a:effectRef idx="0">
+        <a:scrgbClr r="0" g="0" b="0"/>
+      </a:effectRef>
+      <a:fontRef idx="minor"/>
+    </dgm:style>
+  </dgm:styleLbl>
+  <dgm:styleLbl name="parChTrans1D3">
+    <dgm:scene3d>
+      <a:camera prst="orthographicFront"/>
+      <a:lightRig rig="threePt" dir="t"/>
+    </dgm:scene3d>
+    <dgm:sp3d/>
+    <dgm:txPr/>
+    <dgm:style>
+      <a:lnRef idx="2">
+        <a:scrgbClr r="0" g="0" b="0"/>
+      </a:lnRef>
+      <a:fillRef idx="0">
+        <a:scrgbClr r="0" g="0" b="0"/>
+      </a:fillRef>
+      <a:effectRef idx="0">
+        <a:scrgbClr r="0" g="0" b="0"/>
+      </a:effectRef>
+      <a:fontRef idx="minor"/>
+    </dgm:style>
+  </dgm:styleLbl>
+  <dgm:styleLbl name="parChTrans1D4">
+    <dgm:scene3d>
+      <a:camera prst="orthographicFront"/>
+      <a:lightRig rig="threePt" dir="t"/>
+    </dgm:scene3d>
+    <dgm:sp3d/>
+    <dgm:txPr/>
+    <dgm:style>
+      <a:lnRef idx="2">
+        <a:scrgbClr r="0" g="0" b="0"/>
+      </a:lnRef>
+      <a:fillRef idx="0">
+        <a:scrgbClr r="0" g="0" b="0"/>
+      </a:fillRef>
+      <a:effectRef idx="0">
+        <a:scrgbClr r="0" g="0" b="0"/>
+      </a:effectRef>
+      <a:fontRef idx="minor"/>
+    </dgm:style>
+  </dgm:styleLbl>
+  <dgm:styleLbl name="fgAcc1">
+    <dgm:scene3d>
+      <a:camera prst="orthographicFront"/>
+      <a:lightRig rig="threePt" dir="t"/>
+    </dgm:scene3d>
+    <dgm:sp3d/>
+    <dgm:txPr/>
+    <dgm:style>
+      <a:lnRef idx="2">
+        <a:scrgbClr r="0" g="0" b="0"/>
+      </a:lnRef>
+      <a:fillRef idx="1">
+        <a:scrgbClr r="0" g="0" b="0"/>
+      </a:fillRef>
+      <a:effectRef idx="0">
+        <a:scrgbClr r="0" g="0" b="0"/>
+      </a:effectRef>
+      <a:fontRef idx="minor"/>
+    </dgm:style>
+  </dgm:styleLbl>
+  <dgm:styleLbl name="conFgAcc1">
+    <dgm:scene3d>
+      <a:camera prst="orthographicFront"/>
+      <a:lightRig rig="threePt" dir="t"/>
+    </dgm:scene3d>
+    <dgm:sp3d/>
+    <dgm:txPr/>
+    <dgm:style>
+      <a:lnRef idx="2">
+        <a:scrgbClr r="0" g="0" b="0"/>
+      </a:lnRef>
+      <a:fillRef idx="1">
+        <a:scrgbClr r="0" g="0" b="0"/>
+      </a:fillRef>
+      <a:effectRef idx="0">
+        <a:scrgbClr r="0" g="0" b="0"/>
+      </a:effectRef>
+      <a:fontRef idx="minor"/>
+    </dgm:style>
+  </dgm:styleLbl>
+  <dgm:styleLbl name="alignAcc1">
+    <dgm:scene3d>
+      <a:camera prst="orthographicFront"/>
+      <a:lightRig rig="threePt" dir="t"/>
+    </dgm:scene3d>
+    <dgm:sp3d/>
+    <dgm:txPr/>
+    <dgm:style>
+      <a:lnRef idx="2">
+        <a:scrgbClr r="0" g="0" b="0"/>
+      </a:lnRef>
+      <a:fillRef idx="1">
+        <a:scrgbClr r="0" g="0" b="0"/>
+      </a:fillRef>
+      <a:effectRef idx="0">
+        <a:scrgbClr r="0" g="0" b="0"/>
+      </a:effectRef>
+      <a:fontRef idx="minor"/>
+    </dgm:style>
+  </dgm:styleLbl>
+  <dgm:styleLbl name="trAlignAcc1">
+    <dgm:scene3d>
+      <a:camera prst="orthographicFront"/>
+      <a:lightRig rig="threePt" dir="t"/>
+    </dgm:scene3d>
+    <dgm:sp3d/>
+    <dgm:txPr/>
+    <dgm:style>
+      <a:lnRef idx="1">
+        <a:scrgbClr r="0" g="0" b="0"/>
+      </a:lnRef>
+      <a:fillRef idx="1">
+        <a:scrgbClr r="0" g="0" b="0"/>
+      </a:fillRef>
+      <a:effectRef idx="0">
+        <a:scrgbClr r="0" g="0" b="0"/>
+      </a:effectRef>
+      <a:fontRef idx="minor"/>
+    </dgm:style>
+  </dgm:styleLbl>
+  <dgm:styleLbl name="bgAcc1">
+    <dgm:scene3d>
+      <a:camera prst="orthographicFront"/>
+      <a:lightRig rig="threePt" dir="t"/>
+    </dgm:scene3d>
+    <dgm:sp3d/>
+    <dgm:txPr/>
+    <dgm:style>
+      <a:lnRef idx="2">
+        <a:scrgbClr r="0" g="0" b="0"/>
+      </a:lnRef>
+      <a:fillRef idx="1">
+        <a:scrgbClr r="0" g="0" b="0"/>
+      </a:fillRef>
+      <a:effectRef idx="0">
+        <a:scrgbClr r="0" g="0" b="0"/>
+      </a:effectRef>
+      <a:fontRef idx="minor"/>
+    </dgm:style>
+  </dgm:styleLbl>
+  <dgm:styleLbl name="solidFgAcc1">
+    <dgm:scene3d>
+      <a:camera prst="orthographicFront"/>
+      <a:lightRig rig="threePt" dir="t"/>
+    </dgm:scene3d>
+    <dgm:sp3d/>
+    <dgm:txPr/>
+    <dgm:style>
+      <a:lnRef idx="2">
+        <a:scrgbClr r="0" g="0" b="0"/>
+      </a:lnRef>
+      <a:fillRef idx="1">
+        <a:scrgbClr r="0" g="0" b="0"/>
+      </a:fillRef>
+      <a:effectRef idx="0">
+        <a:scrgbClr r="0" g="0" b="0"/>
+      </a:effectRef>
+      <a:fontRef idx="minor"/>
+    </dgm:style>
+  </dgm:styleLbl>
+  <dgm:styleLbl name="solidAlignAcc1">
+    <dgm:scene3d>
+      <a:camera prst="orthographicFront"/>
+      <a:lightRig rig="threePt" dir="t"/>
+    </dgm:scene3d>
+    <dgm:sp3d/>
+    <dgm:txPr/>
+    <dgm:style>
+      <a:lnRef idx="2">
+        <a:scrgbClr r="0" g="0" b="0"/>
+      </a:lnRef>
+      <a:fillRef idx="1">
+        <a:scrgbClr r="0" g="0" b="0"/>
+      </a:fillRef>
+      <a:effectRef idx="0">
+        <a:scrgbClr r="0" g="0" b="0"/>
+      </a:effectRef>
+      <a:fontRef idx="minor"/>
+    </dgm:style>
+  </dgm:styleLbl>
+  <dgm:styleLbl name="solidBgAcc1">
+    <dgm:scene3d>
+      <a:camera prst="orthographicFront"/>
+      <a:lightRig rig="threePt" dir="t"/>
+    </dgm:scene3d>
+    <dgm:sp3d/>
+    <dgm:txPr/>
+    <dgm:style>
+      <a:lnRef idx="2">
+        <a:scrgbClr r="0" g="0" b="0"/>
+      </a:lnRef>
+      <a:fillRef idx="1">
+        <a:scrgbClr r="0" g="0" b="0"/>
+      </a:fillRef>
+      <a:effectRef idx="0">
+        <a:scrgbClr r="0" g="0" b="0"/>
+      </a:effectRef>
+      <a:fontRef idx="minor"/>
+    </dgm:style>
+  </dgm:styleLbl>
+  <dgm:styleLbl name="fgAccFollowNode1">
+    <dgm:scene3d>
+      <a:camera prst="orthographicFront"/>
+      <a:lightRig rig="threePt" dir="t"/>
+    </dgm:scene3d>
+    <dgm:sp3d/>
+    <dgm:txPr/>
+    <dgm:style>
+      <a:lnRef idx="2">
+        <a:scrgbClr r="0" g="0" b="0"/>
+      </a:lnRef>
+      <a:fillRef idx="1">
+        <a:scrgbClr r="0" g="0" b="0"/>
+      </a:fillRef>
+      <a:effectRef idx="0">
+        <a:scrgbClr r="0" g="0" b="0"/>
+      </a:effectRef>
+      <a:fontRef idx="minor"/>
+    </dgm:style>
+  </dgm:styleLbl>
+  <dgm:styleLbl name="alignAccFollowNode1">
+    <dgm:scene3d>
+      <a:camera prst="orthographicFront"/>
+      <a:lightRig rig="threePt" dir="t"/>
+    </dgm:scene3d>
+    <dgm:sp3d/>
+    <dgm:txPr/>
+    <dgm:style>
+      <a:lnRef idx="2">
+        <a:scrgbClr r="0" g="0" b="0"/>
+      </a:lnRef>
+      <a:fillRef idx="1">
+        <a:scrgbClr r="0" g="0" b="0"/>
+      </a:fillRef>
+      <a:effectRef idx="0">
+        <a:scrgbClr r="0" g="0" b="0"/>
+      </a:effectRef>
+      <a:fontRef idx="minor"/>
+    </dgm:style>
+  </dgm:styleLbl>
+  <dgm:styleLbl name="bgAccFollowNode1">
+    <dgm:scene3d>
+      <a:camera prst="orthographicFront"/>
+      <a:lightRig rig="threePt" dir="t"/>
+    </dgm:scene3d>
+    <dgm:sp3d/>
+    <dgm:txPr/>
+    <dgm:style>
+      <a:lnRef idx="2">
+        <a:scrgbClr r="0" g="0" b="0"/>
+      </a:lnRef>
+      <a:fillRef idx="1">
+        <a:scrgbClr r="0" g="0" b="0"/>
+      </a:fillRef>
+      <a:effectRef idx="0">
+        <a:scrgbClr r="0" g="0" b="0"/>
+      </a:effectRef>
+      <a:fontRef idx="minor"/>
+    </dgm:style>
+  </dgm:styleLbl>
+  <dgm:styleLbl name="fgAcc0">
+    <dgm:scene3d>
+      <a:camera prst="orthographicFront"/>
+      <a:lightRig rig="threePt" dir="t"/>
+    </dgm:scene3d>
+    <dgm:sp3d/>
+    <dgm:txPr/>
+    <dgm:style>
+      <a:lnRef idx="2">
+        <a:scrgbClr r="0" g="0" b="0"/>
+      </a:lnRef>
+      <a:fillRef idx="1">
+        <a:scrgbClr r="0" g="0" b="0"/>
+      </a:fillRef>
+      <a:effectRef idx="0">
+        <a:scrgbClr r="0" g="0" b="0"/>
+      </a:effectRef>
+      <a:fontRef idx="minor"/>
+    </dgm:style>
+  </dgm:styleLbl>
+  <dgm:styleLbl name="fgAcc2">
+    <dgm:scene3d>
+      <a:camera prst="orthographicFront"/>
+      <a:lightRig rig="threePt" dir="t"/>
+    </dgm:scene3d>
+    <dgm:sp3d/>
+    <dgm:txPr/>
+    <dgm:style>
+      <a:lnRef idx="2">
+        <a:scrgbClr r="0" g="0" b="0"/>
+      </a:lnRef>
+      <a:fillRef idx="1">
+        <a:scrgbClr r="0" g="0" b="0"/>
+      </a:fillRef>
+      <a:effectRef idx="0">
+        <a:scrgbClr r="0" g="0" b="0"/>
+      </a:effectRef>
+      <a:fontRef idx="minor"/>
+    </dgm:style>
+  </dgm:styleLbl>
+  <dgm:styleLbl name="fgAcc3">
+    <dgm:scene3d>
+      <a:camera prst="orthographicFront"/>
+      <a:lightRig rig="threePt" dir="t"/>
+    </dgm:scene3d>
+    <dgm:sp3d/>
+    <dgm:txPr/>
+    <dgm:style>
+      <a:lnRef idx="2">
+        <a:scrgbClr r="0" g="0" b="0"/>
+      </a:lnRef>
+      <a:fillRef idx="1">
+        <a:scrgbClr r="0" g="0" b="0"/>
+      </a:fillRef>
+      <a:effectRef idx="0">
+        <a:scrgbClr r="0" g="0" b="0"/>
+      </a:effectRef>
+      <a:fontRef idx="minor"/>
+    </dgm:style>
+  </dgm:styleLbl>
+  <dgm:styleLbl name="fgAcc4">
+    <dgm:scene3d>
+      <a:camera prst="orthographicFront"/>
+      <a:lightRig rig="threePt" dir="t"/>
+    </dgm:scene3d>
+    <dgm:sp3d/>
+    <dgm:txPr/>
+    <dgm:style>
+      <a:lnRef idx="2">
+        <a:scrgbClr r="0" g="0" b="0"/>
+      </a:lnRef>
+      <a:fillRef idx="1">
+        <a:scrgbClr r="0" g="0" b="0"/>
+      </a:fillRef>
+      <a:effectRef idx="0">
+        <a:scrgbClr r="0" g="0" b="0"/>
+      </a:effectRef>
+      <a:fontRef idx="minor"/>
+    </dgm:style>
+  </dgm:styleLbl>
+  <dgm:styleLbl name="bgShp">
+    <dgm:scene3d>
+      <a:camera prst="orthographicFront"/>
+      <a:lightRig rig="threePt" dir="t"/>
+    </dgm:scene3d>
+    <dgm:sp3d/>
+    <dgm:txPr/>
+    <dgm:style>
+      <a:lnRef idx="0">
+        <a:scrgbClr r="0" g="0" b="0"/>
+      </a:lnRef>
+      <a:fillRef idx="1">
+        <a:scrgbClr r="0" g="0" b="0"/>
+      </a:fillRef>
+      <a:effectRef idx="0">
+        <a:scrgbClr r="0" g="0" b="0"/>
+      </a:effectRef>
+      <a:fontRef idx="minor"/>
+    </dgm:style>
+  </dgm:styleLbl>
+  <dgm:styleLbl name="dkBgShp">
+    <dgm:scene3d>
+      <a:camera prst="orthographicFront"/>
+      <a:lightRig rig="threePt" dir="t"/>
+    </dgm:scene3d>
+    <dgm:sp3d/>
+    <dgm:txPr/>
+    <dgm:style>
+      <a:lnRef idx="0">
+        <a:scrgbClr r="0" g="0" b="0"/>
+      </a:lnRef>
+      <a:fillRef idx="1">
+        <a:scrgbClr r="0" g="0" b="0"/>
+      </a:fillRef>
+      <a:effectRef idx="0">
+        <a:scrgbClr r="0" g="0" b="0"/>
+      </a:effectRef>
+      <a:fontRef idx="minor"/>
+    </dgm:style>
+  </dgm:styleLbl>
+  <dgm:styleLbl name="trBgShp">
+    <dgm:scene3d>
+      <a:camera prst="orthographicFront"/>
+      <a:lightRig rig="threePt" dir="t"/>
+    </dgm:scene3d>
+    <dgm:sp3d/>
+    <dgm:txPr/>
+    <dgm:style>
+      <a:lnRef idx="0">
+        <a:scrgbClr r="0" g="0" b="0"/>
+      </a:lnRef>
+      <a:fillRef idx="1">
+        <a:scrgbClr r="0" g="0" b="0"/>
+      </a:fillRef>
+      <a:effectRef idx="0">
+        <a:scrgbClr r="0" g="0" b="0"/>
+      </a:effectRef>
+      <a:fontRef idx="minor"/>
+    </dgm:style>
+  </dgm:styleLbl>
+  <dgm:styleLbl name="fgShp">
+    <dgm:scene3d>
+      <a:camera prst="orthographicFront"/>
+      <a:lightRig rig="threePt" dir="t"/>
+    </dgm:scene3d>
+    <dgm:sp3d/>
+    <dgm:txPr/>
+    <dgm:style>
+      <a:lnRef idx="2">
+        <a:scrgbClr r="0" g="0" b="0"/>
+      </a:lnRef>
+      <a:fillRef idx="1">
+        <a:scrgbClr r="0" g="0" b="0"/>
+      </a:fillRef>
+      <a:effectRef idx="0">
+        <a:scrgbClr r="0" g="0" b="0"/>
+      </a:effectRef>
+      <a:fontRef idx="minor"/>
+    </dgm:style>
+  </dgm:styleLbl>
+  <dgm:styleLbl name="revTx">
+    <dgm:scene3d>
+      <a:camera prst="orthographicFront"/>
+      <a:lightRig rig="threePt" dir="t"/>
+    </dgm:scene3d>
+    <dgm:sp3d/>
+    <dgm:txPr/>
+    <dgm:style>
+      <a:lnRef idx="0">
+        <a:scrgbClr r="0" g="0" b="0"/>
+      </a:lnRef>
+      <a:fillRef idx="0">
+        <a:scrgbClr r="0" g="0" b="0"/>
+      </a:fillRef>
+      <a:effectRef idx="0">
+        <a:scrgbClr r="0" g="0" b="0"/>
+      </a:effectRef>
+      <a:fontRef idx="minor"/>
+    </dgm:style>
+  </dgm:styleLbl>
+</dgm:styleDef>
+</file>
+
 <file path=ppt/slideLayouts/slideLayout1.xml><?xml version="1.0" encoding="utf-8"?>
 <p:sldLayout xmlns:a="http://schemas.openxmlformats.org/drawingml/2006/main" xmlns:r="http://schemas.openxmlformats.org/officeDocument/2006/relationships" xmlns:p="http://schemas.openxmlformats.org/presentationml/2006/main" showMasterSp="0" type="title" preserve="1">
   <p:cSld name="Title Slide">
@@ -8512,7 +14333,7 @@
             <a:fld id="{B61BEF0D-F0BB-DE4B-95CE-6DB70DBA9567}" type="datetimeFigureOut">
               <a:rPr lang="en-US" smtClean="0"/>
               <a:pPr/>
-              <a:t>4/25/2017</a:t>
+              <a:t>4/26/2017</a:t>
             </a:fld>
             <a:endParaRPr lang="en-US" dirty="0"/>
           </a:p>
@@ -8735,7 +14556,7 @@
             <a:fld id="{B61BEF0D-F0BB-DE4B-95CE-6DB70DBA9567}" type="datetimeFigureOut">
               <a:rPr lang="en-US" smtClean="0"/>
               <a:pPr/>
-              <a:t>4/25/2017</a:t>
+              <a:t>4/26/2017</a:t>
             </a:fld>
             <a:endParaRPr lang="en-US" dirty="0"/>
           </a:p>
@@ -8917,7 +14738,7 @@
             <a:fld id="{B61BEF0D-F0BB-DE4B-95CE-6DB70DBA9567}" type="datetimeFigureOut">
               <a:rPr lang="en-US" smtClean="0"/>
               <a:pPr/>
-              <a:t>4/25/2017</a:t>
+              <a:t>4/26/2017</a:t>
             </a:fld>
             <a:endParaRPr lang="en-US" dirty="0"/>
           </a:p>
@@ -9096,7 +14917,7 @@
             <a:fld id="{B61BEF0D-F0BB-DE4B-95CE-6DB70DBA9567}" type="datetimeFigureOut">
               <a:rPr lang="en-US" smtClean="0"/>
               <a:pPr/>
-              <a:t>4/25/2017</a:t>
+              <a:t>4/26/2017</a:t>
             </a:fld>
             <a:endParaRPr lang="en-US" dirty="0"/>
           </a:p>
@@ -9349,7 +15170,7 @@
             <a:fld id="{B61BEF0D-F0BB-DE4B-95CE-6DB70DBA9567}" type="datetimeFigureOut">
               <a:rPr lang="en-US" smtClean="0"/>
               <a:pPr/>
-              <a:t>4/25/2017</a:t>
+              <a:t>4/26/2017</a:t>
             </a:fld>
             <a:endParaRPr lang="en-US" dirty="0"/>
           </a:p>
@@ -9674,7 +15495,7 @@
             <a:fld id="{B61BEF0D-F0BB-DE4B-95CE-6DB70DBA9567}" type="datetimeFigureOut">
               <a:rPr lang="en-US" smtClean="0"/>
               <a:pPr/>
-              <a:t>4/25/2017</a:t>
+              <a:t>4/26/2017</a:t>
             </a:fld>
             <a:endParaRPr lang="en-US" dirty="0"/>
           </a:p>
@@ -10105,7 +15926,7 @@
             <a:fld id="{B61BEF0D-F0BB-DE4B-95CE-6DB70DBA9567}" type="datetimeFigureOut">
               <a:rPr lang="en-US" smtClean="0"/>
               <a:pPr/>
-              <a:t>4/25/2017</a:t>
+              <a:t>4/26/2017</a:t>
             </a:fld>
             <a:endParaRPr lang="en-US" dirty="0"/>
           </a:p>
@@ -10230,7 +16051,7 @@
             <a:fld id="{B61BEF0D-F0BB-DE4B-95CE-6DB70DBA9567}" type="datetimeFigureOut">
               <a:rPr lang="en-US" smtClean="0"/>
               <a:pPr/>
-              <a:t>4/25/2017</a:t>
+              <a:t>4/26/2017</a:t>
             </a:fld>
             <a:endParaRPr lang="en-US" dirty="0"/>
           </a:p>
@@ -10327,7 +16148,7 @@
             <a:fld id="{B61BEF0D-F0BB-DE4B-95CE-6DB70DBA9567}" type="datetimeFigureOut">
               <a:rPr lang="en-US" smtClean="0"/>
               <a:pPr/>
-              <a:t>4/25/2017</a:t>
+              <a:t>4/26/2017</a:t>
             </a:fld>
             <a:endParaRPr lang="en-US" dirty="0"/>
           </a:p>
@@ -10619,7 +16440,7 @@
             <a:fld id="{B61BEF0D-F0BB-DE4B-95CE-6DB70DBA9567}" type="datetimeFigureOut">
               <a:rPr lang="en-US" smtClean="0"/>
               <a:pPr/>
-              <a:t>4/25/2017</a:t>
+              <a:t>4/26/2017</a:t>
             </a:fld>
             <a:endParaRPr lang="en-US" dirty="0"/>
           </a:p>
@@ -10898,7 +16719,7 @@
             <a:fld id="{B61BEF0D-F0BB-DE4B-95CE-6DB70DBA9567}" type="datetimeFigureOut">
               <a:rPr lang="en-US" smtClean="0"/>
               <a:pPr/>
-              <a:t>4/25/2017</a:t>
+              <a:t>4/26/2017</a:t>
             </a:fld>
             <a:endParaRPr lang="en-US" dirty="0"/>
           </a:p>
@@ -11152,7 +16973,7 @@
             <a:fld id="{B61BEF0D-F0BB-DE4B-95CE-6DB70DBA9567}" type="datetimeFigureOut">
               <a:rPr lang="en-US" smtClean="0"/>
               <a:pPr/>
-              <a:t>4/25/2017</a:t>
+              <a:t>4/26/2017</a:t>
             </a:fld>
             <a:endParaRPr lang="en-US" dirty="0"/>
           </a:p>
@@ -11680,731 +17501,7 @@
 </p:sld>
 </file>
 
-<file path=ppt/slides/slide2.xml><?xml version="1.0" encoding="utf-8"?>
-<p:sld xmlns:a="http://schemas.openxmlformats.org/drawingml/2006/main" xmlns:r="http://schemas.openxmlformats.org/officeDocument/2006/relationships" xmlns:p="http://schemas.openxmlformats.org/presentationml/2006/main">
-  <p:cSld>
-    <p:spTree>
-      <p:nvGrpSpPr>
-        <p:cNvPr id="1" name=""/>
-        <p:cNvGrpSpPr/>
-        <p:nvPr/>
-      </p:nvGrpSpPr>
-      <p:grpSpPr>
-        <a:xfrm>
-          <a:off x="0" y="0"/>
-          <a:ext cx="0" cy="0"/>
-          <a:chOff x="0" y="0"/>
-          <a:chExt cx="0" cy="0"/>
-        </a:xfrm>
-      </p:grpSpPr>
-      <p:sp>
-        <p:nvSpPr>
-          <p:cNvPr id="2" name="Title 1"/>
-          <p:cNvSpPr>
-            <a:spLocks noGrp="1"/>
-          </p:cNvSpPr>
-          <p:nvPr>
-            <p:ph type="title"/>
-          </p:nvPr>
-        </p:nvSpPr>
-        <p:spPr/>
-        <p:txBody>
-          <a:bodyPr/>
-          <a:lstStyle/>
-          <a:p>
-            <a:r>
-              <a:rPr lang="en-US" b="1" dirty="0">
-                <a:solidFill>
-                  <a:schemeClr val="tx1"/>
-                </a:solidFill>
-              </a:rPr>
-              <a:t>WEATHER APPS THESE DAYS</a:t>
-            </a:r>
-          </a:p>
-        </p:txBody>
-      </p:sp>
-      <p:graphicFrame>
-        <p:nvGraphicFramePr>
-          <p:cNvPr id="4" name="Content Placeholder 3"/>
-          <p:cNvGraphicFramePr>
-            <a:graphicFrameLocks noGrp="1"/>
-          </p:cNvGraphicFramePr>
-          <p:nvPr>
-            <p:ph idx="1"/>
-            <p:extLst>
-              <p:ext uri="{D42A27DB-BD31-4B8C-83A1-F6EECF244321}">
-                <p14:modId xmlns:p14="http://schemas.microsoft.com/office/powerpoint/2010/main" val="1539233564"/>
-              </p:ext>
-            </p:extLst>
-          </p:nvPr>
-        </p:nvGraphicFramePr>
-        <p:xfrm>
-          <a:off x="857250" y="2057400"/>
-          <a:ext cx="7404100" cy="4038600"/>
-        </p:xfrm>
-        <a:graphic>
-          <a:graphicData uri="http://schemas.openxmlformats.org/drawingml/2006/diagram">
-            <dgm:relIds xmlns:dgm="http://schemas.openxmlformats.org/drawingml/2006/diagram" xmlns:r="http://schemas.openxmlformats.org/officeDocument/2006/relationships" r:dm="rId2" r:lo="rId3" r:qs="rId4" r:cs="rId5"/>
-          </a:graphicData>
-        </a:graphic>
-      </p:graphicFrame>
-    </p:spTree>
-    <p:extLst>
-      <p:ext uri="{BB962C8B-B14F-4D97-AF65-F5344CB8AC3E}">
-        <p14:creationId xmlns:p14="http://schemas.microsoft.com/office/powerpoint/2010/main" val="4070919298"/>
-      </p:ext>
-    </p:extLst>
-  </p:cSld>
-  <p:clrMapOvr>
-    <a:masterClrMapping/>
-  </p:clrMapOvr>
-</p:sld>
-</file>
-
-<file path=ppt/slides/slide3.xml><?xml version="1.0" encoding="utf-8"?>
-<p:sld xmlns:a="http://schemas.openxmlformats.org/drawingml/2006/main" xmlns:r="http://schemas.openxmlformats.org/officeDocument/2006/relationships" xmlns:p="http://schemas.openxmlformats.org/presentationml/2006/main">
-  <p:cSld>
-    <p:spTree>
-      <p:nvGrpSpPr>
-        <p:cNvPr id="1" name=""/>
-        <p:cNvGrpSpPr/>
-        <p:nvPr/>
-      </p:nvGrpSpPr>
-      <p:grpSpPr>
-        <a:xfrm>
-          <a:off x="0" y="0"/>
-          <a:ext cx="0" cy="0"/>
-          <a:chOff x="0" y="0"/>
-          <a:chExt cx="0" cy="0"/>
-        </a:xfrm>
-      </p:grpSpPr>
-      <p:sp>
-        <p:nvSpPr>
-          <p:cNvPr id="2" name="Title 1"/>
-          <p:cNvSpPr>
-            <a:spLocks noGrp="1"/>
-          </p:cNvSpPr>
-          <p:nvPr>
-            <p:ph type="title"/>
-          </p:nvPr>
-        </p:nvSpPr>
-        <p:spPr/>
-        <p:txBody>
-          <a:bodyPr/>
-          <a:lstStyle/>
-          <a:p>
-            <a:r>
-              <a:rPr lang="en-US" b="1" dirty="0">
-                <a:solidFill>
-                  <a:schemeClr val="tx1"/>
-                </a:solidFill>
-              </a:rPr>
-              <a:t>SYSTEM I DEVELOPED</a:t>
-            </a:r>
-          </a:p>
-        </p:txBody>
-      </p:sp>
-      <p:graphicFrame>
-        <p:nvGraphicFramePr>
-          <p:cNvPr id="4" name="Content Placeholder 3"/>
-          <p:cNvGraphicFramePr>
-            <a:graphicFrameLocks noGrp="1"/>
-          </p:cNvGraphicFramePr>
-          <p:nvPr>
-            <p:ph idx="1"/>
-            <p:extLst>
-              <p:ext uri="{D42A27DB-BD31-4B8C-83A1-F6EECF244321}">
-                <p14:modId xmlns:p14="http://schemas.microsoft.com/office/powerpoint/2010/main" val="1574760182"/>
-              </p:ext>
-            </p:extLst>
-          </p:nvPr>
-        </p:nvGraphicFramePr>
-        <p:xfrm>
-          <a:off x="761456" y="1672046"/>
-          <a:ext cx="7404100" cy="4946468"/>
-        </p:xfrm>
-        <a:graphic>
-          <a:graphicData uri="http://schemas.openxmlformats.org/drawingml/2006/diagram">
-            <dgm:relIds xmlns:dgm="http://schemas.openxmlformats.org/drawingml/2006/diagram" xmlns:r="http://schemas.openxmlformats.org/officeDocument/2006/relationships" r:dm="rId2" r:lo="rId3" r:qs="rId4" r:cs="rId5"/>
-          </a:graphicData>
-        </a:graphic>
-      </p:graphicFrame>
-    </p:spTree>
-    <p:extLst>
-      <p:ext uri="{BB962C8B-B14F-4D97-AF65-F5344CB8AC3E}">
-        <p14:creationId xmlns:p14="http://schemas.microsoft.com/office/powerpoint/2010/main" val="69852291"/>
-      </p:ext>
-    </p:extLst>
-  </p:cSld>
-  <p:clrMapOvr>
-    <a:masterClrMapping/>
-  </p:clrMapOvr>
-</p:sld>
-</file>
-
-<file path=ppt/slides/slide4.xml><?xml version="1.0" encoding="utf-8"?>
-<p:sld xmlns:a="http://schemas.openxmlformats.org/drawingml/2006/main" xmlns:r="http://schemas.openxmlformats.org/officeDocument/2006/relationships" xmlns:p="http://schemas.openxmlformats.org/presentationml/2006/main">
-  <p:cSld>
-    <p:spTree>
-      <p:nvGrpSpPr>
-        <p:cNvPr id="1" name=""/>
-        <p:cNvGrpSpPr/>
-        <p:nvPr/>
-      </p:nvGrpSpPr>
-      <p:grpSpPr>
-        <a:xfrm>
-          <a:off x="0" y="0"/>
-          <a:ext cx="0" cy="0"/>
-          <a:chOff x="0" y="0"/>
-          <a:chExt cx="0" cy="0"/>
-        </a:xfrm>
-      </p:grpSpPr>
-      <p:sp>
-        <p:nvSpPr>
-          <p:cNvPr id="2" name="Title 1"/>
-          <p:cNvSpPr>
-            <a:spLocks noGrp="1"/>
-          </p:cNvSpPr>
-          <p:nvPr>
-            <p:ph type="title"/>
-          </p:nvPr>
-        </p:nvSpPr>
-        <p:spPr/>
-        <p:txBody>
-          <a:bodyPr/>
-          <a:lstStyle/>
-          <a:p>
-            <a:r>
-              <a:rPr lang="en-US" b="1" dirty="0">
-                <a:solidFill>
-                  <a:schemeClr val="tx1"/>
-                </a:solidFill>
-              </a:rPr>
-              <a:t>COMMANDS</a:t>
-            </a:r>
-          </a:p>
-        </p:txBody>
-      </p:sp>
-      <p:graphicFrame>
-        <p:nvGraphicFramePr>
-          <p:cNvPr id="4" name="Content Placeholder 3"/>
-          <p:cNvGraphicFramePr>
-            <a:graphicFrameLocks noGrp="1"/>
-          </p:cNvGraphicFramePr>
-          <p:nvPr>
-            <p:ph idx="1"/>
-            <p:extLst>
-              <p:ext uri="{D42A27DB-BD31-4B8C-83A1-F6EECF244321}">
-                <p14:modId xmlns:p14="http://schemas.microsoft.com/office/powerpoint/2010/main" val="2466142271"/>
-              </p:ext>
-            </p:extLst>
-          </p:nvPr>
-        </p:nvGraphicFramePr>
-        <p:xfrm>
-          <a:off x="857250" y="1900646"/>
-          <a:ext cx="7404100" cy="4038600"/>
-        </p:xfrm>
-        <a:graphic>
-          <a:graphicData uri="http://schemas.openxmlformats.org/drawingml/2006/diagram">
-            <dgm:relIds xmlns:dgm="http://schemas.openxmlformats.org/drawingml/2006/diagram" xmlns:r="http://schemas.openxmlformats.org/officeDocument/2006/relationships" r:dm="rId2" r:lo="rId3" r:qs="rId4" r:cs="rId5"/>
-          </a:graphicData>
-        </a:graphic>
-      </p:graphicFrame>
-    </p:spTree>
-    <p:extLst>
-      <p:ext uri="{BB962C8B-B14F-4D97-AF65-F5344CB8AC3E}">
-        <p14:creationId xmlns:p14="http://schemas.microsoft.com/office/powerpoint/2010/main" val="3633435942"/>
-      </p:ext>
-    </p:extLst>
-  </p:cSld>
-  <p:clrMapOvr>
-    <a:masterClrMapping/>
-  </p:clrMapOvr>
-</p:sld>
-</file>
-
-<file path=ppt/slides/slide5.xml><?xml version="1.0" encoding="utf-8"?>
-<p:sld xmlns:a="http://schemas.openxmlformats.org/drawingml/2006/main" xmlns:r="http://schemas.openxmlformats.org/officeDocument/2006/relationships" xmlns:p="http://schemas.openxmlformats.org/presentationml/2006/main">
-  <p:cSld>
-    <p:spTree>
-      <p:nvGrpSpPr>
-        <p:cNvPr id="1" name=""/>
-        <p:cNvGrpSpPr/>
-        <p:nvPr/>
-      </p:nvGrpSpPr>
-      <p:grpSpPr>
-        <a:xfrm>
-          <a:off x="0" y="0"/>
-          <a:ext cx="0" cy="0"/>
-          <a:chOff x="0" y="0"/>
-          <a:chExt cx="0" cy="0"/>
-        </a:xfrm>
-      </p:grpSpPr>
-      <p:sp>
-        <p:nvSpPr>
-          <p:cNvPr id="2" name="Title 1"/>
-          <p:cNvSpPr>
-            <a:spLocks noGrp="1"/>
-          </p:cNvSpPr>
-          <p:nvPr>
-            <p:ph type="title"/>
-          </p:nvPr>
-        </p:nvSpPr>
-        <p:spPr/>
-        <p:txBody>
-          <a:bodyPr/>
-          <a:lstStyle/>
-          <a:p>
-            <a:r>
-              <a:rPr lang="en-US" b="1" dirty="0">
-                <a:solidFill>
-                  <a:schemeClr val="tx1"/>
-                </a:solidFill>
-              </a:rPr>
-              <a:t>LETS TRY ONE</a:t>
-            </a:r>
-          </a:p>
-        </p:txBody>
-      </p:sp>
-      <p:sp>
-        <p:nvSpPr>
-          <p:cNvPr id="3" name="Content Placeholder 2"/>
-          <p:cNvSpPr>
-            <a:spLocks noGrp="1"/>
-          </p:cNvSpPr>
-          <p:nvPr>
-            <p:ph idx="1"/>
-          </p:nvPr>
-        </p:nvSpPr>
-        <p:spPr/>
-        <p:txBody>
-          <a:bodyPr>
-            <a:normAutofit/>
-          </a:bodyPr>
-          <a:lstStyle/>
-          <a:p>
-            <a:pPr marL="34290" indent="0">
-              <a:buNone/>
-            </a:pPr>
-            <a:r>
-              <a:rPr lang="en-US" sz="3200" dirty="0">
-                <a:solidFill>
-                  <a:srgbClr val="002060"/>
-                </a:solidFill>
-              </a:rPr>
-              <a:t>GET CURRENT WEATHER INFO OF WOODSTOCK WITH ZIPCODE 60001</a:t>
-            </a:r>
-          </a:p>
-          <a:p>
-            <a:pPr marL="34290" indent="0">
-              <a:buNone/>
-            </a:pPr>
-            <a:endParaRPr lang="en-US" sz="3200" dirty="0">
-              <a:solidFill>
-                <a:srgbClr val="002060"/>
-              </a:solidFill>
-            </a:endParaRPr>
-          </a:p>
-          <a:p>
-            <a:pPr marL="34290" indent="0">
-              <a:buNone/>
-            </a:pPr>
-            <a:r>
-              <a:rPr lang="en-US" sz="3200" dirty="0">
-                <a:solidFill>
-                  <a:srgbClr val="002060"/>
-                </a:solidFill>
-              </a:rPr>
-              <a:t>TEXT “NOW 60001” to 571-317-2222</a:t>
-            </a:r>
-          </a:p>
-        </p:txBody>
-      </p:sp>
-      <p:pic>
-        <p:nvPicPr>
-          <p:cNvPr id="1026" name="Picture 2" descr="http://www.psdgraphics.com/file/weather-icons-set.png"/>
-          <p:cNvPicPr>
-            <a:picLocks noChangeAspect="1" noChangeArrowheads="1"/>
-          </p:cNvPicPr>
-          <p:nvPr/>
-        </p:nvPicPr>
-        <p:blipFill rotWithShape="1">
-          <a:blip r:embed="rId2">
-            <a:extLst>
-              <a:ext uri="{28A0092B-C50C-407E-A947-70E740481C1C}">
-                <a14:useLocalDpi xmlns:a14="http://schemas.microsoft.com/office/drawing/2010/main" val="0"/>
-              </a:ext>
-            </a:extLst>
-          </a:blip>
-          <a:srcRect t="70476" b="5524"/>
-          <a:stretch/>
-        </p:blipFill>
-        <p:spPr bwMode="auto">
-          <a:xfrm>
-            <a:off x="-426720" y="4885507"/>
-            <a:ext cx="9144000" cy="1645921"/>
-          </a:xfrm>
-          <a:prstGeom prst="rect">
-            <a:avLst/>
-          </a:prstGeom>
-          <a:noFill/>
-          <a:extLst>
-            <a:ext uri="{909E8E84-426E-40DD-AFC4-6F175D3DCCD1}">
-              <a14:hiddenFill xmlns:a14="http://schemas.microsoft.com/office/drawing/2010/main">
-                <a:solidFill>
-                  <a:srgbClr val="FFFFFF"/>
-                </a:solidFill>
-              </a14:hiddenFill>
-            </a:ext>
-          </a:extLst>
-        </p:spPr>
-      </p:pic>
-      <p:cxnSp>
-        <p:nvCxnSpPr>
-          <p:cNvPr id="6" name="Straight Connector 5"/>
-          <p:cNvCxnSpPr/>
-          <p:nvPr/>
-        </p:nvCxnSpPr>
-        <p:spPr>
-          <a:xfrm>
-            <a:off x="857250" y="1793966"/>
-            <a:ext cx="7225584" cy="0"/>
-          </a:xfrm>
-          <a:prstGeom prst="line">
-            <a:avLst/>
-          </a:prstGeom>
-          <a:ln w="76200">
-            <a:prstDash val="sysDot"/>
-          </a:ln>
-        </p:spPr>
-        <p:style>
-          <a:lnRef idx="1">
-            <a:schemeClr val="accent1"/>
-          </a:lnRef>
-          <a:fillRef idx="0">
-            <a:schemeClr val="accent1"/>
-          </a:fillRef>
-          <a:effectRef idx="0">
-            <a:schemeClr val="accent1"/>
-          </a:effectRef>
-          <a:fontRef idx="minor">
-            <a:schemeClr val="tx1"/>
-          </a:fontRef>
-        </p:style>
-      </p:cxnSp>
-    </p:spTree>
-    <p:extLst>
-      <p:ext uri="{BB962C8B-B14F-4D97-AF65-F5344CB8AC3E}">
-        <p14:creationId xmlns:p14="http://schemas.microsoft.com/office/powerpoint/2010/main" val="4169293859"/>
-      </p:ext>
-    </p:extLst>
-  </p:cSld>
-  <p:clrMapOvr>
-    <a:masterClrMapping/>
-  </p:clrMapOvr>
-</p:sld>
-</file>
-
-<file path=ppt/slides/slide6.xml><?xml version="1.0" encoding="utf-8"?>
-<p:sld xmlns:a="http://schemas.openxmlformats.org/drawingml/2006/main" xmlns:r="http://schemas.openxmlformats.org/officeDocument/2006/relationships" xmlns:p="http://schemas.openxmlformats.org/presentationml/2006/main">
-  <p:cSld>
-    <p:spTree>
-      <p:nvGrpSpPr>
-        <p:cNvPr id="1" name=""/>
-        <p:cNvGrpSpPr/>
-        <p:nvPr/>
-      </p:nvGrpSpPr>
-      <p:grpSpPr>
-        <a:xfrm>
-          <a:off x="0" y="0"/>
-          <a:ext cx="0" cy="0"/>
-          <a:chOff x="0" y="0"/>
-          <a:chExt cx="0" cy="0"/>
-        </a:xfrm>
-      </p:grpSpPr>
-      <p:sp>
-        <p:nvSpPr>
-          <p:cNvPr id="2" name="Title 1"/>
-          <p:cNvSpPr>
-            <a:spLocks noGrp="1"/>
-          </p:cNvSpPr>
-          <p:nvPr>
-            <p:ph type="title"/>
-          </p:nvPr>
-        </p:nvSpPr>
-        <p:spPr/>
-        <p:txBody>
-          <a:bodyPr/>
-          <a:lstStyle/>
-          <a:p>
-            <a:r>
-              <a:rPr lang="en-US" b="1" dirty="0">
-                <a:solidFill>
-                  <a:schemeClr val="tx1"/>
-                </a:solidFill>
-              </a:rPr>
-              <a:t>TECHNOLOGIES USED</a:t>
-            </a:r>
-          </a:p>
-        </p:txBody>
-      </p:sp>
-      <p:sp>
-        <p:nvSpPr>
-          <p:cNvPr id="3" name="Content Placeholder 2"/>
-          <p:cNvSpPr>
-            <a:spLocks noGrp="1"/>
-          </p:cNvSpPr>
-          <p:nvPr>
-            <p:ph idx="1"/>
-          </p:nvPr>
-        </p:nvSpPr>
-        <p:spPr>
-          <a:xfrm>
-            <a:off x="859237" y="1965960"/>
-            <a:ext cx="7404653" cy="4038600"/>
-          </a:xfrm>
-        </p:spPr>
-        <p:txBody>
-          <a:bodyPr>
-            <a:normAutofit/>
-          </a:bodyPr>
-          <a:lstStyle/>
-          <a:p>
-            <a:r>
-              <a:rPr lang="en-US" sz="2800" dirty="0">
-                <a:solidFill>
-                  <a:srgbClr val="002060"/>
-                </a:solidFill>
-              </a:rPr>
-              <a:t>Node.js Server</a:t>
-            </a:r>
-          </a:p>
-          <a:p>
-            <a:r>
-              <a:rPr lang="en-US" sz="2800" dirty="0" err="1">
-                <a:solidFill>
-                  <a:srgbClr val="002060"/>
-                </a:solidFill>
-              </a:rPr>
-              <a:t>Twilio</a:t>
-            </a:r>
-            <a:r>
-              <a:rPr lang="en-US" sz="2800" dirty="0">
-                <a:solidFill>
-                  <a:srgbClr val="002060"/>
-                </a:solidFill>
-              </a:rPr>
-              <a:t> for SMS Communication</a:t>
-            </a:r>
-          </a:p>
-          <a:p>
-            <a:r>
-              <a:rPr lang="en-US" sz="2800" dirty="0">
-                <a:solidFill>
-                  <a:srgbClr val="002060"/>
-                </a:solidFill>
-              </a:rPr>
-              <a:t>Open Weather Map API for Weather Data</a:t>
-            </a:r>
-          </a:p>
-          <a:p>
-            <a:r>
-              <a:rPr lang="en-US" sz="2800" dirty="0">
-                <a:solidFill>
-                  <a:srgbClr val="002060"/>
-                </a:solidFill>
-              </a:rPr>
-              <a:t>Currently hosted in my laptop exposing port using “</a:t>
-            </a:r>
-            <a:r>
-              <a:rPr lang="en-US" sz="2800" dirty="0" err="1">
-                <a:solidFill>
-                  <a:srgbClr val="002060"/>
-                </a:solidFill>
-              </a:rPr>
-              <a:t>ngrok</a:t>
-            </a:r>
-            <a:r>
-              <a:rPr lang="en-US" sz="2800" dirty="0">
-                <a:solidFill>
-                  <a:srgbClr val="002060"/>
-                </a:solidFill>
-              </a:rPr>
-              <a:t>”</a:t>
-            </a:r>
-          </a:p>
-        </p:txBody>
-      </p:sp>
-      <p:cxnSp>
-        <p:nvCxnSpPr>
-          <p:cNvPr id="6" name="Straight Connector 5"/>
-          <p:cNvCxnSpPr/>
-          <p:nvPr/>
-        </p:nvCxnSpPr>
-        <p:spPr>
-          <a:xfrm>
-            <a:off x="857250" y="1793966"/>
-            <a:ext cx="7225584" cy="0"/>
-          </a:xfrm>
-          <a:prstGeom prst="line">
-            <a:avLst/>
-          </a:prstGeom>
-          <a:ln w="76200">
-            <a:prstDash val="sysDot"/>
-          </a:ln>
-        </p:spPr>
-        <p:style>
-          <a:lnRef idx="1">
-            <a:schemeClr val="accent1"/>
-          </a:lnRef>
-          <a:fillRef idx="0">
-            <a:schemeClr val="accent1"/>
-          </a:fillRef>
-          <a:effectRef idx="0">
-            <a:schemeClr val="accent1"/>
-          </a:effectRef>
-          <a:fontRef idx="minor">
-            <a:schemeClr val="tx1"/>
-          </a:fontRef>
-        </p:style>
-      </p:cxnSp>
-      <p:pic>
-        <p:nvPicPr>
-          <p:cNvPr id="2050" name="Picture 2" descr="Image result for node.js icon"/>
-          <p:cNvPicPr>
-            <a:picLocks noChangeAspect="1" noChangeArrowheads="1"/>
-          </p:cNvPicPr>
-          <p:nvPr/>
-        </p:nvPicPr>
-        <p:blipFill>
-          <a:blip r:embed="rId2">
-            <a:extLst>
-              <a:ext uri="{28A0092B-C50C-407E-A947-70E740481C1C}">
-                <a14:useLocalDpi xmlns:a14="http://schemas.microsoft.com/office/drawing/2010/main" val="0"/>
-              </a:ext>
-            </a:extLst>
-          </a:blip>
-          <a:srcRect/>
-          <a:stretch>
-            <a:fillRect/>
-          </a:stretch>
-        </p:blipFill>
-        <p:spPr bwMode="auto">
-          <a:xfrm>
-            <a:off x="1110345" y="4650380"/>
-            <a:ext cx="1663334" cy="1663334"/>
-          </a:xfrm>
-          <a:prstGeom prst="rect">
-            <a:avLst/>
-          </a:prstGeom>
-          <a:noFill/>
-          <a:extLst>
-            <a:ext uri="{909E8E84-426E-40DD-AFC4-6F175D3DCCD1}">
-              <a14:hiddenFill xmlns:a14="http://schemas.microsoft.com/office/drawing/2010/main">
-                <a:solidFill>
-                  <a:srgbClr val="FFFFFF"/>
-                </a:solidFill>
-              </a14:hiddenFill>
-            </a:ext>
-          </a:extLst>
-        </p:spPr>
-      </p:pic>
-      <p:pic>
-        <p:nvPicPr>
-          <p:cNvPr id="2052" name="Picture 4" descr="Image result for twilio icon square"/>
-          <p:cNvPicPr>
-            <a:picLocks noChangeAspect="1" noChangeArrowheads="1"/>
-          </p:cNvPicPr>
-          <p:nvPr/>
-        </p:nvPicPr>
-        <p:blipFill>
-          <a:blip r:embed="rId3">
-            <a:extLst>
-              <a:ext uri="{28A0092B-C50C-407E-A947-70E740481C1C}">
-                <a14:useLocalDpi xmlns:a14="http://schemas.microsoft.com/office/drawing/2010/main" val="0"/>
-              </a:ext>
-            </a:extLst>
-          </a:blip>
-          <a:srcRect/>
-          <a:stretch>
-            <a:fillRect/>
-          </a:stretch>
-        </p:blipFill>
-        <p:spPr bwMode="auto">
-          <a:xfrm>
-            <a:off x="3026774" y="4650380"/>
-            <a:ext cx="1663334" cy="1663334"/>
-          </a:xfrm>
-          <a:prstGeom prst="rect">
-            <a:avLst/>
-          </a:prstGeom>
-          <a:noFill/>
-          <a:extLst>
-            <a:ext uri="{909E8E84-426E-40DD-AFC4-6F175D3DCCD1}">
-              <a14:hiddenFill xmlns:a14="http://schemas.microsoft.com/office/drawing/2010/main">
-                <a:solidFill>
-                  <a:srgbClr val="FFFFFF"/>
-                </a:solidFill>
-              </a14:hiddenFill>
-            </a:ext>
-          </a:extLst>
-        </p:spPr>
-      </p:pic>
-      <p:pic>
-        <p:nvPicPr>
-          <p:cNvPr id="2054" name="Picture 6" descr="Image result for openweathermap logo square"/>
-          <p:cNvPicPr>
-            <a:picLocks noChangeAspect="1" noChangeArrowheads="1"/>
-          </p:cNvPicPr>
-          <p:nvPr/>
-        </p:nvPicPr>
-        <p:blipFill>
-          <a:blip r:embed="rId4">
-            <a:extLst>
-              <a:ext uri="{28A0092B-C50C-407E-A947-70E740481C1C}">
-                <a14:useLocalDpi xmlns:a14="http://schemas.microsoft.com/office/drawing/2010/main" val="0"/>
-              </a:ext>
-            </a:extLst>
-          </a:blip>
-          <a:srcRect/>
-          <a:stretch>
-            <a:fillRect/>
-          </a:stretch>
-        </p:blipFill>
-        <p:spPr bwMode="auto">
-          <a:xfrm>
-            <a:off x="4943203" y="4650380"/>
-            <a:ext cx="1663334" cy="1663334"/>
-          </a:xfrm>
-          <a:prstGeom prst="rect">
-            <a:avLst/>
-          </a:prstGeom>
-          <a:noFill/>
-          <a:extLst>
-            <a:ext uri="{909E8E84-426E-40DD-AFC4-6F175D3DCCD1}">
-              <a14:hiddenFill xmlns:a14="http://schemas.microsoft.com/office/drawing/2010/main">
-                <a:solidFill>
-                  <a:srgbClr val="FFFFFF"/>
-                </a:solidFill>
-              </a14:hiddenFill>
-            </a:ext>
-          </a:extLst>
-        </p:spPr>
-      </p:pic>
-    </p:spTree>
-    <p:extLst>
-      <p:ext uri="{BB962C8B-B14F-4D97-AF65-F5344CB8AC3E}">
-        <p14:creationId xmlns:p14="http://schemas.microsoft.com/office/powerpoint/2010/main" val="176047533"/>
-      </p:ext>
-    </p:extLst>
-  </p:cSld>
-  <p:clrMapOvr>
-    <a:masterClrMapping/>
-  </p:clrMapOvr>
-</p:sld>
-</file>
-
-<file path=ppt/slides/slide7.xml><?xml version="1.0" encoding="utf-8"?>
+<file path=ppt/slides/slide10.xml><?xml version="1.0" encoding="utf-8"?>
 <p:sld xmlns:a="http://schemas.openxmlformats.org/drawingml/2006/main" xmlns:r="http://schemas.openxmlformats.org/officeDocument/2006/relationships" xmlns:p="http://schemas.openxmlformats.org/presentationml/2006/main">
   <p:cSld>
     <p:spTree>
@@ -12903,7 +18000,7 @@
 </p:sld>
 </file>
 
-<file path=ppt/slides/slide8.xml><?xml version="1.0" encoding="utf-8"?>
+<file path=ppt/slides/slide11.xml><?xml version="1.0" encoding="utf-8"?>
 <p:sld xmlns:a="http://schemas.openxmlformats.org/drawingml/2006/main" xmlns:r="http://schemas.openxmlformats.org/officeDocument/2006/relationships" xmlns:p="http://schemas.openxmlformats.org/presentationml/2006/main">
   <p:cSld>
     <p:spTree>
@@ -13045,6 +18142,1252 @@
     <p:extLst>
       <p:ext uri="{BB962C8B-B14F-4D97-AF65-F5344CB8AC3E}">
         <p14:creationId xmlns:p14="http://schemas.microsoft.com/office/powerpoint/2010/main" val="3565957629"/>
+      </p:ext>
+    </p:extLst>
+  </p:cSld>
+  <p:clrMapOvr>
+    <a:masterClrMapping/>
+  </p:clrMapOvr>
+</p:sld>
+</file>
+
+<file path=ppt/slides/slide2.xml><?xml version="1.0" encoding="utf-8"?>
+<p:sld xmlns:a="http://schemas.openxmlformats.org/drawingml/2006/main" xmlns:r="http://schemas.openxmlformats.org/officeDocument/2006/relationships" xmlns:p="http://schemas.openxmlformats.org/presentationml/2006/main">
+  <p:cSld>
+    <p:spTree>
+      <p:nvGrpSpPr>
+        <p:cNvPr id="1" name=""/>
+        <p:cNvGrpSpPr/>
+        <p:nvPr/>
+      </p:nvGrpSpPr>
+      <p:grpSpPr>
+        <a:xfrm>
+          <a:off x="0" y="0"/>
+          <a:ext cx="0" cy="0"/>
+          <a:chOff x="0" y="0"/>
+          <a:chExt cx="0" cy="0"/>
+        </a:xfrm>
+      </p:grpSpPr>
+      <p:sp>
+        <p:nvSpPr>
+          <p:cNvPr id="2" name="Title 1"/>
+          <p:cNvSpPr>
+            <a:spLocks noGrp="1"/>
+          </p:cNvSpPr>
+          <p:nvPr>
+            <p:ph type="title"/>
+          </p:nvPr>
+        </p:nvSpPr>
+        <p:spPr/>
+        <p:txBody>
+          <a:bodyPr/>
+          <a:lstStyle/>
+          <a:p>
+            <a:r>
+              <a:rPr lang="en-US" b="1" dirty="0">
+                <a:solidFill>
+                  <a:schemeClr val="tx1"/>
+                </a:solidFill>
+              </a:rPr>
+              <a:t>WEATHER APPS THESE DAYS</a:t>
+            </a:r>
+          </a:p>
+        </p:txBody>
+      </p:sp>
+      <p:graphicFrame>
+        <p:nvGraphicFramePr>
+          <p:cNvPr id="4" name="Content Placeholder 3"/>
+          <p:cNvGraphicFramePr>
+            <a:graphicFrameLocks noGrp="1"/>
+          </p:cNvGraphicFramePr>
+          <p:nvPr>
+            <p:ph idx="1"/>
+            <p:extLst>
+              <p:ext uri="{D42A27DB-BD31-4B8C-83A1-F6EECF244321}">
+                <p14:modId xmlns:p14="http://schemas.microsoft.com/office/powerpoint/2010/main" val="1539233564"/>
+              </p:ext>
+            </p:extLst>
+          </p:nvPr>
+        </p:nvGraphicFramePr>
+        <p:xfrm>
+          <a:off x="857250" y="2057400"/>
+          <a:ext cx="7404100" cy="4038600"/>
+        </p:xfrm>
+        <a:graphic>
+          <a:graphicData uri="http://schemas.openxmlformats.org/drawingml/2006/diagram">
+            <dgm:relIds xmlns:dgm="http://schemas.openxmlformats.org/drawingml/2006/diagram" xmlns:r="http://schemas.openxmlformats.org/officeDocument/2006/relationships" r:dm="rId2" r:lo="rId3" r:qs="rId4" r:cs="rId5"/>
+          </a:graphicData>
+        </a:graphic>
+      </p:graphicFrame>
+    </p:spTree>
+    <p:extLst>
+      <p:ext uri="{BB962C8B-B14F-4D97-AF65-F5344CB8AC3E}">
+        <p14:creationId xmlns:p14="http://schemas.microsoft.com/office/powerpoint/2010/main" val="4070919298"/>
+      </p:ext>
+    </p:extLst>
+  </p:cSld>
+  <p:clrMapOvr>
+    <a:masterClrMapping/>
+  </p:clrMapOvr>
+</p:sld>
+</file>
+
+<file path=ppt/slides/slide3.xml><?xml version="1.0" encoding="utf-8"?>
+<p:sld xmlns:a="http://schemas.openxmlformats.org/drawingml/2006/main" xmlns:r="http://schemas.openxmlformats.org/officeDocument/2006/relationships" xmlns:p="http://schemas.openxmlformats.org/presentationml/2006/main">
+  <p:cSld>
+    <p:spTree>
+      <p:nvGrpSpPr>
+        <p:cNvPr id="1" name=""/>
+        <p:cNvGrpSpPr/>
+        <p:nvPr/>
+      </p:nvGrpSpPr>
+      <p:grpSpPr>
+        <a:xfrm>
+          <a:off x="0" y="0"/>
+          <a:ext cx="0" cy="0"/>
+          <a:chOff x="0" y="0"/>
+          <a:chExt cx="0" cy="0"/>
+        </a:xfrm>
+      </p:grpSpPr>
+      <p:sp>
+        <p:nvSpPr>
+          <p:cNvPr id="2" name="Title 1"/>
+          <p:cNvSpPr>
+            <a:spLocks noGrp="1"/>
+          </p:cNvSpPr>
+          <p:nvPr>
+            <p:ph type="title"/>
+          </p:nvPr>
+        </p:nvSpPr>
+        <p:spPr/>
+        <p:txBody>
+          <a:bodyPr/>
+          <a:lstStyle/>
+          <a:p>
+            <a:r>
+              <a:rPr lang="en-US" b="1" dirty="0">
+                <a:solidFill>
+                  <a:schemeClr val="tx1"/>
+                </a:solidFill>
+              </a:rPr>
+              <a:t>SYSTEM I DEVELOPED</a:t>
+            </a:r>
+          </a:p>
+        </p:txBody>
+      </p:sp>
+      <p:graphicFrame>
+        <p:nvGraphicFramePr>
+          <p:cNvPr id="4" name="Content Placeholder 3"/>
+          <p:cNvGraphicFramePr>
+            <a:graphicFrameLocks noGrp="1"/>
+          </p:cNvGraphicFramePr>
+          <p:nvPr>
+            <p:ph idx="1"/>
+            <p:extLst>
+              <p:ext uri="{D42A27DB-BD31-4B8C-83A1-F6EECF244321}">
+                <p14:modId xmlns:p14="http://schemas.microsoft.com/office/powerpoint/2010/main" val="1574760182"/>
+              </p:ext>
+            </p:extLst>
+          </p:nvPr>
+        </p:nvGraphicFramePr>
+        <p:xfrm>
+          <a:off x="761456" y="1672046"/>
+          <a:ext cx="7404100" cy="4946468"/>
+        </p:xfrm>
+        <a:graphic>
+          <a:graphicData uri="http://schemas.openxmlformats.org/drawingml/2006/diagram">
+            <dgm:relIds xmlns:dgm="http://schemas.openxmlformats.org/drawingml/2006/diagram" xmlns:r="http://schemas.openxmlformats.org/officeDocument/2006/relationships" r:dm="rId2" r:lo="rId3" r:qs="rId4" r:cs="rId5"/>
+          </a:graphicData>
+        </a:graphic>
+      </p:graphicFrame>
+    </p:spTree>
+    <p:extLst>
+      <p:ext uri="{BB962C8B-B14F-4D97-AF65-F5344CB8AC3E}">
+        <p14:creationId xmlns:p14="http://schemas.microsoft.com/office/powerpoint/2010/main" val="69852291"/>
+      </p:ext>
+    </p:extLst>
+  </p:cSld>
+  <p:clrMapOvr>
+    <a:masterClrMapping/>
+  </p:clrMapOvr>
+</p:sld>
+</file>
+
+<file path=ppt/slides/slide4.xml><?xml version="1.0" encoding="utf-8"?>
+<p:sld xmlns:a="http://schemas.openxmlformats.org/drawingml/2006/main" xmlns:r="http://schemas.openxmlformats.org/officeDocument/2006/relationships" xmlns:p="http://schemas.openxmlformats.org/presentationml/2006/main">
+  <p:cSld>
+    <p:spTree>
+      <p:nvGrpSpPr>
+        <p:cNvPr id="1" name=""/>
+        <p:cNvGrpSpPr/>
+        <p:nvPr/>
+      </p:nvGrpSpPr>
+      <p:grpSpPr>
+        <a:xfrm>
+          <a:off x="0" y="0"/>
+          <a:ext cx="0" cy="0"/>
+          <a:chOff x="0" y="0"/>
+          <a:chExt cx="0" cy="0"/>
+        </a:xfrm>
+      </p:grpSpPr>
+      <p:sp>
+        <p:nvSpPr>
+          <p:cNvPr id="2" name="Title 1"/>
+          <p:cNvSpPr>
+            <a:spLocks noGrp="1"/>
+          </p:cNvSpPr>
+          <p:nvPr>
+            <p:ph type="title"/>
+          </p:nvPr>
+        </p:nvSpPr>
+        <p:spPr/>
+        <p:txBody>
+          <a:bodyPr/>
+          <a:lstStyle/>
+          <a:p>
+            <a:r>
+              <a:rPr lang="en-US" b="1" dirty="0">
+                <a:solidFill>
+                  <a:schemeClr val="tx1"/>
+                </a:solidFill>
+              </a:rPr>
+              <a:t>WHY NOT JUST USE APPS?</a:t>
+            </a:r>
+          </a:p>
+        </p:txBody>
+      </p:sp>
+      <p:graphicFrame>
+        <p:nvGraphicFramePr>
+          <p:cNvPr id="4" name="Content Placeholder 3"/>
+          <p:cNvGraphicFramePr>
+            <a:graphicFrameLocks noGrp="1"/>
+          </p:cNvGraphicFramePr>
+          <p:nvPr>
+            <p:ph idx="1"/>
+            <p:extLst>
+              <p:ext uri="{D42A27DB-BD31-4B8C-83A1-F6EECF244321}">
+                <p14:modId xmlns:p14="http://schemas.microsoft.com/office/powerpoint/2010/main" val="528674702"/>
+              </p:ext>
+            </p:extLst>
+          </p:nvPr>
+        </p:nvGraphicFramePr>
+        <p:xfrm>
+          <a:off x="857250" y="2057400"/>
+          <a:ext cx="7404100" cy="4038600"/>
+        </p:xfrm>
+        <a:graphic>
+          <a:graphicData uri="http://schemas.openxmlformats.org/drawingml/2006/diagram">
+            <dgm:relIds xmlns:dgm="http://schemas.openxmlformats.org/drawingml/2006/diagram" xmlns:r="http://schemas.openxmlformats.org/officeDocument/2006/relationships" r:dm="rId2" r:lo="rId3" r:qs="rId4" r:cs="rId5"/>
+          </a:graphicData>
+        </a:graphic>
+      </p:graphicFrame>
+    </p:spTree>
+    <p:extLst>
+      <p:ext uri="{BB962C8B-B14F-4D97-AF65-F5344CB8AC3E}">
+        <p14:creationId xmlns:p14="http://schemas.microsoft.com/office/powerpoint/2010/main" val="2190785976"/>
+      </p:ext>
+    </p:extLst>
+  </p:cSld>
+  <p:clrMapOvr>
+    <a:masterClrMapping/>
+  </p:clrMapOvr>
+</p:sld>
+</file>
+
+<file path=ppt/slides/slide5.xml><?xml version="1.0" encoding="utf-8"?>
+<p:sld xmlns:a="http://schemas.openxmlformats.org/drawingml/2006/main" xmlns:r="http://schemas.openxmlformats.org/officeDocument/2006/relationships" xmlns:p="http://schemas.openxmlformats.org/presentationml/2006/main">
+  <p:cSld>
+    <p:spTree>
+      <p:nvGrpSpPr>
+        <p:cNvPr id="1" name=""/>
+        <p:cNvGrpSpPr/>
+        <p:nvPr/>
+      </p:nvGrpSpPr>
+      <p:grpSpPr>
+        <a:xfrm>
+          <a:off x="0" y="0"/>
+          <a:ext cx="0" cy="0"/>
+          <a:chOff x="0" y="0"/>
+          <a:chExt cx="0" cy="0"/>
+        </a:xfrm>
+      </p:grpSpPr>
+      <p:sp>
+        <p:nvSpPr>
+          <p:cNvPr id="2" name="Title 1"/>
+          <p:cNvSpPr>
+            <a:spLocks noGrp="1"/>
+          </p:cNvSpPr>
+          <p:nvPr>
+            <p:ph type="title"/>
+          </p:nvPr>
+        </p:nvSpPr>
+        <p:spPr/>
+        <p:txBody>
+          <a:bodyPr/>
+          <a:lstStyle/>
+          <a:p>
+            <a:r>
+              <a:rPr lang="en-US" b="1" dirty="0">
+                <a:solidFill>
+                  <a:schemeClr val="tx1"/>
+                </a:solidFill>
+              </a:rPr>
+              <a:t>MY TARGET AUDIENCE:</a:t>
+            </a:r>
+          </a:p>
+        </p:txBody>
+      </p:sp>
+      <p:graphicFrame>
+        <p:nvGraphicFramePr>
+          <p:cNvPr id="4" name="Content Placeholder 3"/>
+          <p:cNvGraphicFramePr>
+            <a:graphicFrameLocks noGrp="1"/>
+          </p:cNvGraphicFramePr>
+          <p:nvPr>
+            <p:ph idx="1"/>
+            <p:extLst>
+              <p:ext uri="{D42A27DB-BD31-4B8C-83A1-F6EECF244321}">
+                <p14:modId xmlns:p14="http://schemas.microsoft.com/office/powerpoint/2010/main" val="1389813495"/>
+              </p:ext>
+            </p:extLst>
+          </p:nvPr>
+        </p:nvGraphicFramePr>
+        <p:xfrm>
+          <a:off x="761456" y="1672046"/>
+          <a:ext cx="7404100" cy="4946468"/>
+        </p:xfrm>
+        <a:graphic>
+          <a:graphicData uri="http://schemas.openxmlformats.org/drawingml/2006/diagram">
+            <dgm:relIds xmlns:dgm="http://schemas.openxmlformats.org/drawingml/2006/diagram" xmlns:r="http://schemas.openxmlformats.org/officeDocument/2006/relationships" r:dm="rId2" r:lo="rId3" r:qs="rId4" r:cs="rId5"/>
+          </a:graphicData>
+        </a:graphic>
+      </p:graphicFrame>
+    </p:spTree>
+    <p:extLst>
+      <p:ext uri="{BB962C8B-B14F-4D97-AF65-F5344CB8AC3E}">
+        <p14:creationId xmlns:p14="http://schemas.microsoft.com/office/powerpoint/2010/main" val="4045743280"/>
+      </p:ext>
+    </p:extLst>
+  </p:cSld>
+  <p:clrMapOvr>
+    <a:masterClrMapping/>
+  </p:clrMapOvr>
+</p:sld>
+</file>
+
+<file path=ppt/slides/slide6.xml><?xml version="1.0" encoding="utf-8"?>
+<p:sld xmlns:a="http://schemas.openxmlformats.org/drawingml/2006/main" xmlns:r="http://schemas.openxmlformats.org/officeDocument/2006/relationships" xmlns:p="http://schemas.openxmlformats.org/presentationml/2006/main">
+  <p:cSld>
+    <p:spTree>
+      <p:nvGrpSpPr>
+        <p:cNvPr id="1" name=""/>
+        <p:cNvGrpSpPr/>
+        <p:nvPr/>
+      </p:nvGrpSpPr>
+      <p:grpSpPr>
+        <a:xfrm>
+          <a:off x="0" y="0"/>
+          <a:ext cx="0" cy="0"/>
+          <a:chOff x="0" y="0"/>
+          <a:chExt cx="0" cy="0"/>
+        </a:xfrm>
+      </p:grpSpPr>
+      <p:pic>
+        <p:nvPicPr>
+          <p:cNvPr id="1026" name="Picture 2" descr="http://i.dailymail.co.uk/i/pix/2012/04/19/article-0-000003EA00000CB2-858_472x343.jpg"/>
+          <p:cNvPicPr>
+            <a:picLocks noChangeAspect="1" noChangeArrowheads="1"/>
+          </p:cNvPicPr>
+          <p:nvPr/>
+        </p:nvPicPr>
+        <p:blipFill rotWithShape="1">
+          <a:blip r:embed="rId2">
+            <a:extLst>
+              <a:ext uri="{28A0092B-C50C-407E-A947-70E740481C1C}">
+                <a14:useLocalDpi xmlns:a14="http://schemas.microsoft.com/office/drawing/2010/main" val="0"/>
+              </a:ext>
+            </a:extLst>
+          </a:blip>
+          <a:srcRect l="33723" r="25122"/>
+          <a:stretch/>
+        </p:blipFill>
+        <p:spPr bwMode="auto">
+          <a:xfrm>
+            <a:off x="5217459" y="1230687"/>
+            <a:ext cx="2662516" cy="4701400"/>
+          </a:xfrm>
+          <a:prstGeom prst="rect">
+            <a:avLst/>
+          </a:prstGeom>
+          <a:noFill/>
+          <a:extLst>
+            <a:ext uri="{909E8E84-426E-40DD-AFC4-6F175D3DCCD1}">
+              <a14:hiddenFill xmlns:a14="http://schemas.microsoft.com/office/drawing/2010/main">
+                <a:solidFill>
+                  <a:srgbClr val="FFFFFF"/>
+                </a:solidFill>
+              </a14:hiddenFill>
+            </a:ext>
+          </a:extLst>
+        </p:spPr>
+      </p:pic>
+      <p:sp>
+        <p:nvSpPr>
+          <p:cNvPr id="7" name="Rectangle 6"/>
+          <p:cNvSpPr/>
+          <p:nvPr/>
+        </p:nvSpPr>
+        <p:spPr>
+          <a:xfrm>
+            <a:off x="5719482" y="3056965"/>
+            <a:ext cx="1640541" cy="1156447"/>
+          </a:xfrm>
+          <a:prstGeom prst="rect">
+            <a:avLst/>
+          </a:prstGeom>
+          <a:solidFill>
+            <a:srgbClr val="E4E7FA"/>
+          </a:solidFill>
+          <a:ln>
+            <a:noFill/>
+          </a:ln>
+        </p:spPr>
+        <p:style>
+          <a:lnRef idx="2">
+            <a:schemeClr val="accent1">
+              <a:shade val="50000"/>
+            </a:schemeClr>
+          </a:lnRef>
+          <a:fillRef idx="1">
+            <a:schemeClr val="accent1"/>
+          </a:fillRef>
+          <a:effectRef idx="0">
+            <a:schemeClr val="accent1"/>
+          </a:effectRef>
+          <a:fontRef idx="minor">
+            <a:schemeClr val="lt1"/>
+          </a:fontRef>
+        </p:style>
+        <p:txBody>
+          <a:bodyPr rtlCol="0" anchor="ctr"/>
+          <a:lstStyle/>
+          <a:p>
+            <a:pPr algn="ctr"/>
+            <a:endParaRPr lang="en-US"/>
+          </a:p>
+        </p:txBody>
+      </p:sp>
+      <p:sp>
+        <p:nvSpPr>
+          <p:cNvPr id="8" name="TextBox 7"/>
+          <p:cNvSpPr txBox="1"/>
+          <p:nvPr/>
+        </p:nvSpPr>
+        <p:spPr>
+          <a:xfrm>
+            <a:off x="5719481" y="3056965"/>
+            <a:ext cx="1640541" cy="646331"/>
+          </a:xfrm>
+          <a:prstGeom prst="rect">
+            <a:avLst/>
+          </a:prstGeom>
+          <a:noFill/>
+        </p:spPr>
+        <p:txBody>
+          <a:bodyPr wrap="square" rtlCol="0">
+            <a:spAutoFit/>
+          </a:bodyPr>
+          <a:lstStyle/>
+          <a:p>
+            <a:r>
+              <a:rPr lang="en-US" sz="1200" b="1" dirty="0">
+                <a:latin typeface="LG Display-Light" panose="020B0604020202020204" pitchFamily="34" charset="-127"/>
+                <a:ea typeface="LG Display-Light" panose="020B0604020202020204" pitchFamily="34" charset="-127"/>
+                <a:cs typeface="LG Display-Light" panose="020B0604020202020204" pitchFamily="34" charset="-127"/>
+              </a:rPr>
+              <a:t>Weather in Mahwah (07430) is 66 degrees with clear sky.</a:t>
+            </a:r>
+          </a:p>
+        </p:txBody>
+      </p:sp>
+      <p:pic>
+        <p:nvPicPr>
+          <p:cNvPr id="1028" name="Picture 4" descr="https://scontent.xx.fbcdn.net/v/t34.0-12/18137004_1872155756330471_1273909356_n.png?oh=0da8fef49bea8286dabab9ddbfed2f52&amp;oe=5902ADCF"/>
+          <p:cNvPicPr>
+            <a:picLocks noChangeAspect="1" noChangeArrowheads="1"/>
+          </p:cNvPicPr>
+          <p:nvPr/>
+        </p:nvPicPr>
+        <p:blipFill>
+          <a:blip r:embed="rId3">
+            <a:extLst>
+              <a:ext uri="{28A0092B-C50C-407E-A947-70E740481C1C}">
+                <a14:useLocalDpi xmlns:a14="http://schemas.microsoft.com/office/drawing/2010/main" val="0"/>
+              </a:ext>
+            </a:extLst>
+          </a:blip>
+          <a:srcRect/>
+          <a:stretch>
+            <a:fillRect/>
+          </a:stretch>
+        </p:blipFill>
+        <p:spPr bwMode="auto">
+          <a:xfrm>
+            <a:off x="1077446" y="1230687"/>
+            <a:ext cx="2644539" cy="4701400"/>
+          </a:xfrm>
+          <a:prstGeom prst="rect">
+            <a:avLst/>
+          </a:prstGeom>
+          <a:noFill/>
+          <a:extLst>
+            <a:ext uri="{909E8E84-426E-40DD-AFC4-6F175D3DCCD1}">
+              <a14:hiddenFill xmlns:a14="http://schemas.microsoft.com/office/drawing/2010/main">
+                <a:solidFill>
+                  <a:srgbClr val="FFFFFF"/>
+                </a:solidFill>
+              </a14:hiddenFill>
+            </a:ext>
+          </a:extLst>
+        </p:spPr>
+      </p:pic>
+      <p:sp>
+        <p:nvSpPr>
+          <p:cNvPr id="9" name="TextBox 8"/>
+          <p:cNvSpPr txBox="1"/>
+          <p:nvPr/>
+        </p:nvSpPr>
+        <p:spPr>
+          <a:xfrm>
+            <a:off x="1077446" y="6212541"/>
+            <a:ext cx="2644539" cy="369332"/>
+          </a:xfrm>
+          <a:prstGeom prst="rect">
+            <a:avLst/>
+          </a:prstGeom>
+          <a:noFill/>
+        </p:spPr>
+        <p:txBody>
+          <a:bodyPr wrap="square" rtlCol="0">
+            <a:spAutoFit/>
+          </a:bodyPr>
+          <a:lstStyle/>
+          <a:p>
+            <a:pPr algn="ctr"/>
+            <a:r>
+              <a:rPr lang="en-US" dirty="0"/>
+              <a:t>Smart Phone</a:t>
+            </a:r>
+          </a:p>
+        </p:txBody>
+      </p:sp>
+      <p:sp>
+        <p:nvSpPr>
+          <p:cNvPr id="12" name="TextBox 11"/>
+          <p:cNvSpPr txBox="1"/>
+          <p:nvPr/>
+        </p:nvSpPr>
+        <p:spPr>
+          <a:xfrm>
+            <a:off x="5235436" y="6212541"/>
+            <a:ext cx="2644539" cy="369332"/>
+          </a:xfrm>
+          <a:prstGeom prst="rect">
+            <a:avLst/>
+          </a:prstGeom>
+          <a:noFill/>
+        </p:spPr>
+        <p:txBody>
+          <a:bodyPr wrap="square" rtlCol="0">
+            <a:spAutoFit/>
+          </a:bodyPr>
+          <a:lstStyle/>
+          <a:p>
+            <a:pPr algn="ctr"/>
+            <a:r>
+              <a:rPr lang="en-US" dirty="0"/>
+              <a:t>Basic Phone</a:t>
+            </a:r>
+          </a:p>
+        </p:txBody>
+      </p:sp>
+      <p:sp>
+        <p:nvSpPr>
+          <p:cNvPr id="10" name="Oval 9"/>
+          <p:cNvSpPr/>
+          <p:nvPr/>
+        </p:nvSpPr>
+        <p:spPr>
+          <a:xfrm>
+            <a:off x="7216587" y="674902"/>
+            <a:ext cx="1326776" cy="1326776"/>
+          </a:xfrm>
+          <a:prstGeom prst="ellipse">
+            <a:avLst/>
+          </a:prstGeom>
+          <a:solidFill>
+            <a:srgbClr val="92D050"/>
+          </a:solidFill>
+          <a:ln>
+            <a:noFill/>
+          </a:ln>
+        </p:spPr>
+        <p:style>
+          <a:lnRef idx="2">
+            <a:schemeClr val="accent1">
+              <a:shade val="50000"/>
+            </a:schemeClr>
+          </a:lnRef>
+          <a:fillRef idx="1">
+            <a:schemeClr val="accent1"/>
+          </a:fillRef>
+          <a:effectRef idx="0">
+            <a:schemeClr val="accent1"/>
+          </a:effectRef>
+          <a:fontRef idx="minor">
+            <a:schemeClr val="lt1"/>
+          </a:fontRef>
+        </p:style>
+        <p:txBody>
+          <a:bodyPr rtlCol="0" anchor="ctr"/>
+          <a:lstStyle/>
+          <a:p>
+            <a:pPr algn="ctr"/>
+            <a:r>
+              <a:rPr lang="en-US" sz="3200" dirty="0"/>
+              <a:t>20% </a:t>
+            </a:r>
+          </a:p>
+        </p:txBody>
+      </p:sp>
+      <p:sp>
+        <p:nvSpPr>
+          <p:cNvPr id="14" name="Oval 13"/>
+          <p:cNvSpPr/>
+          <p:nvPr/>
+        </p:nvSpPr>
+        <p:spPr>
+          <a:xfrm>
+            <a:off x="3142946" y="674902"/>
+            <a:ext cx="1326776" cy="1326776"/>
+          </a:xfrm>
+          <a:prstGeom prst="ellipse">
+            <a:avLst/>
+          </a:prstGeom>
+          <a:solidFill>
+            <a:srgbClr val="92D050"/>
+          </a:solidFill>
+          <a:ln>
+            <a:noFill/>
+          </a:ln>
+        </p:spPr>
+        <p:style>
+          <a:lnRef idx="2">
+            <a:schemeClr val="accent1">
+              <a:shade val="50000"/>
+            </a:schemeClr>
+          </a:lnRef>
+          <a:fillRef idx="1">
+            <a:schemeClr val="accent1"/>
+          </a:fillRef>
+          <a:effectRef idx="0">
+            <a:schemeClr val="accent1"/>
+          </a:effectRef>
+          <a:fontRef idx="minor">
+            <a:schemeClr val="lt1"/>
+          </a:fontRef>
+        </p:style>
+        <p:txBody>
+          <a:bodyPr rtlCol="0" anchor="ctr"/>
+          <a:lstStyle/>
+          <a:p>
+            <a:pPr algn="ctr"/>
+            <a:r>
+              <a:rPr lang="en-US" sz="3200" dirty="0"/>
+              <a:t>80% </a:t>
+            </a:r>
+          </a:p>
+        </p:txBody>
+      </p:sp>
+    </p:spTree>
+    <p:extLst>
+      <p:ext uri="{BB962C8B-B14F-4D97-AF65-F5344CB8AC3E}">
+        <p14:creationId xmlns:p14="http://schemas.microsoft.com/office/powerpoint/2010/main" val="249008454"/>
+      </p:ext>
+    </p:extLst>
+  </p:cSld>
+  <p:clrMapOvr>
+    <a:masterClrMapping/>
+  </p:clrMapOvr>
+</p:sld>
+</file>
+
+<file path=ppt/slides/slide7.xml><?xml version="1.0" encoding="utf-8"?>
+<p:sld xmlns:a="http://schemas.openxmlformats.org/drawingml/2006/main" xmlns:r="http://schemas.openxmlformats.org/officeDocument/2006/relationships" xmlns:p="http://schemas.openxmlformats.org/presentationml/2006/main">
+  <p:cSld>
+    <p:spTree>
+      <p:nvGrpSpPr>
+        <p:cNvPr id="1" name=""/>
+        <p:cNvGrpSpPr/>
+        <p:nvPr/>
+      </p:nvGrpSpPr>
+      <p:grpSpPr>
+        <a:xfrm>
+          <a:off x="0" y="0"/>
+          <a:ext cx="0" cy="0"/>
+          <a:chOff x="0" y="0"/>
+          <a:chExt cx="0" cy="0"/>
+        </a:xfrm>
+      </p:grpSpPr>
+      <p:sp>
+        <p:nvSpPr>
+          <p:cNvPr id="2" name="Title 1"/>
+          <p:cNvSpPr>
+            <a:spLocks noGrp="1"/>
+          </p:cNvSpPr>
+          <p:nvPr>
+            <p:ph type="title"/>
+          </p:nvPr>
+        </p:nvSpPr>
+        <p:spPr/>
+        <p:txBody>
+          <a:bodyPr/>
+          <a:lstStyle/>
+          <a:p>
+            <a:r>
+              <a:rPr lang="en-US" b="1" dirty="0">
+                <a:solidFill>
+                  <a:schemeClr val="tx1"/>
+                </a:solidFill>
+              </a:rPr>
+              <a:t>COMMANDS</a:t>
+            </a:r>
+          </a:p>
+        </p:txBody>
+      </p:sp>
+      <p:graphicFrame>
+        <p:nvGraphicFramePr>
+          <p:cNvPr id="4" name="Content Placeholder 3"/>
+          <p:cNvGraphicFramePr>
+            <a:graphicFrameLocks noGrp="1"/>
+          </p:cNvGraphicFramePr>
+          <p:nvPr>
+            <p:ph idx="1"/>
+            <p:extLst>
+              <p:ext uri="{D42A27DB-BD31-4B8C-83A1-F6EECF244321}">
+                <p14:modId xmlns:p14="http://schemas.microsoft.com/office/powerpoint/2010/main" val="2466142271"/>
+              </p:ext>
+            </p:extLst>
+          </p:nvPr>
+        </p:nvGraphicFramePr>
+        <p:xfrm>
+          <a:off x="857250" y="1900646"/>
+          <a:ext cx="7404100" cy="4038600"/>
+        </p:xfrm>
+        <a:graphic>
+          <a:graphicData uri="http://schemas.openxmlformats.org/drawingml/2006/diagram">
+            <dgm:relIds xmlns:dgm="http://schemas.openxmlformats.org/drawingml/2006/diagram" xmlns:r="http://schemas.openxmlformats.org/officeDocument/2006/relationships" r:dm="rId2" r:lo="rId3" r:qs="rId4" r:cs="rId5"/>
+          </a:graphicData>
+        </a:graphic>
+      </p:graphicFrame>
+    </p:spTree>
+    <p:extLst>
+      <p:ext uri="{BB962C8B-B14F-4D97-AF65-F5344CB8AC3E}">
+        <p14:creationId xmlns:p14="http://schemas.microsoft.com/office/powerpoint/2010/main" val="3633435942"/>
+      </p:ext>
+    </p:extLst>
+  </p:cSld>
+  <p:clrMapOvr>
+    <a:masterClrMapping/>
+  </p:clrMapOvr>
+</p:sld>
+</file>
+
+<file path=ppt/slides/slide8.xml><?xml version="1.0" encoding="utf-8"?>
+<p:sld xmlns:a="http://schemas.openxmlformats.org/drawingml/2006/main" xmlns:r="http://schemas.openxmlformats.org/officeDocument/2006/relationships" xmlns:p="http://schemas.openxmlformats.org/presentationml/2006/main">
+  <p:cSld>
+    <p:spTree>
+      <p:nvGrpSpPr>
+        <p:cNvPr id="1" name=""/>
+        <p:cNvGrpSpPr/>
+        <p:nvPr/>
+      </p:nvGrpSpPr>
+      <p:grpSpPr>
+        <a:xfrm>
+          <a:off x="0" y="0"/>
+          <a:ext cx="0" cy="0"/>
+          <a:chOff x="0" y="0"/>
+          <a:chExt cx="0" cy="0"/>
+        </a:xfrm>
+      </p:grpSpPr>
+      <p:sp>
+        <p:nvSpPr>
+          <p:cNvPr id="2" name="Title 1"/>
+          <p:cNvSpPr>
+            <a:spLocks noGrp="1"/>
+          </p:cNvSpPr>
+          <p:nvPr>
+            <p:ph type="title"/>
+          </p:nvPr>
+        </p:nvSpPr>
+        <p:spPr/>
+        <p:txBody>
+          <a:bodyPr/>
+          <a:lstStyle/>
+          <a:p>
+            <a:r>
+              <a:rPr lang="en-US" b="1" dirty="0">
+                <a:solidFill>
+                  <a:schemeClr val="tx1"/>
+                </a:solidFill>
+              </a:rPr>
+              <a:t>LETS TRY ONE</a:t>
+            </a:r>
+          </a:p>
+        </p:txBody>
+      </p:sp>
+      <p:sp>
+        <p:nvSpPr>
+          <p:cNvPr id="3" name="Content Placeholder 2"/>
+          <p:cNvSpPr>
+            <a:spLocks noGrp="1"/>
+          </p:cNvSpPr>
+          <p:nvPr>
+            <p:ph idx="1"/>
+          </p:nvPr>
+        </p:nvSpPr>
+        <p:spPr/>
+        <p:txBody>
+          <a:bodyPr>
+            <a:normAutofit/>
+          </a:bodyPr>
+          <a:lstStyle/>
+          <a:p>
+            <a:pPr marL="34290" indent="0">
+              <a:buNone/>
+            </a:pPr>
+            <a:r>
+              <a:rPr lang="en-US" sz="3200" dirty="0">
+                <a:solidFill>
+                  <a:srgbClr val="002060"/>
+                </a:solidFill>
+              </a:rPr>
+              <a:t>GET CURRENT WEATHER INFO OF </a:t>
+            </a:r>
+          </a:p>
+          <a:p>
+            <a:pPr marL="34290" indent="0">
+              <a:buNone/>
+            </a:pPr>
+            <a:r>
+              <a:rPr lang="en-US" sz="3200" dirty="0">
+                <a:solidFill>
+                  <a:srgbClr val="002060"/>
+                </a:solidFill>
+              </a:rPr>
+              <a:t>NEW YORK WITH ZIPCODE 10020</a:t>
+            </a:r>
+          </a:p>
+          <a:p>
+            <a:pPr marL="34290" indent="0">
+              <a:buNone/>
+            </a:pPr>
+            <a:endParaRPr lang="en-US" sz="3200" dirty="0">
+              <a:solidFill>
+                <a:srgbClr val="002060"/>
+              </a:solidFill>
+            </a:endParaRPr>
+          </a:p>
+          <a:p>
+            <a:pPr marL="34290" indent="0">
+              <a:buNone/>
+            </a:pPr>
+            <a:r>
+              <a:rPr lang="en-US" sz="3200" dirty="0">
+                <a:solidFill>
+                  <a:srgbClr val="002060"/>
+                </a:solidFill>
+              </a:rPr>
+              <a:t>TEXT “NOW 60001” to 571-317-2222</a:t>
+            </a:r>
+          </a:p>
+        </p:txBody>
+      </p:sp>
+      <p:pic>
+        <p:nvPicPr>
+          <p:cNvPr id="1026" name="Picture 2" descr="http://www.psdgraphics.com/file/weather-icons-set.png"/>
+          <p:cNvPicPr>
+            <a:picLocks noChangeAspect="1" noChangeArrowheads="1"/>
+          </p:cNvPicPr>
+          <p:nvPr/>
+        </p:nvPicPr>
+        <p:blipFill rotWithShape="1">
+          <a:blip r:embed="rId2">
+            <a:extLst>
+              <a:ext uri="{28A0092B-C50C-407E-A947-70E740481C1C}">
+                <a14:useLocalDpi xmlns:a14="http://schemas.microsoft.com/office/drawing/2010/main" val="0"/>
+              </a:ext>
+            </a:extLst>
+          </a:blip>
+          <a:srcRect t="70476" b="5524"/>
+          <a:stretch/>
+        </p:blipFill>
+        <p:spPr bwMode="auto">
+          <a:xfrm>
+            <a:off x="-426720" y="4885507"/>
+            <a:ext cx="9144000" cy="1645921"/>
+          </a:xfrm>
+          <a:prstGeom prst="rect">
+            <a:avLst/>
+          </a:prstGeom>
+          <a:noFill/>
+          <a:extLst>
+            <a:ext uri="{909E8E84-426E-40DD-AFC4-6F175D3DCCD1}">
+              <a14:hiddenFill xmlns:a14="http://schemas.microsoft.com/office/drawing/2010/main">
+                <a:solidFill>
+                  <a:srgbClr val="FFFFFF"/>
+                </a:solidFill>
+              </a14:hiddenFill>
+            </a:ext>
+          </a:extLst>
+        </p:spPr>
+      </p:pic>
+      <p:cxnSp>
+        <p:nvCxnSpPr>
+          <p:cNvPr id="6" name="Straight Connector 5"/>
+          <p:cNvCxnSpPr/>
+          <p:nvPr/>
+        </p:nvCxnSpPr>
+        <p:spPr>
+          <a:xfrm>
+            <a:off x="857250" y="1793966"/>
+            <a:ext cx="7225584" cy="0"/>
+          </a:xfrm>
+          <a:prstGeom prst="line">
+            <a:avLst/>
+          </a:prstGeom>
+          <a:ln w="76200">
+            <a:prstDash val="sysDot"/>
+          </a:ln>
+        </p:spPr>
+        <p:style>
+          <a:lnRef idx="1">
+            <a:schemeClr val="accent1"/>
+          </a:lnRef>
+          <a:fillRef idx="0">
+            <a:schemeClr val="accent1"/>
+          </a:fillRef>
+          <a:effectRef idx="0">
+            <a:schemeClr val="accent1"/>
+          </a:effectRef>
+          <a:fontRef idx="minor">
+            <a:schemeClr val="tx1"/>
+          </a:fontRef>
+        </p:style>
+      </p:cxnSp>
+    </p:spTree>
+    <p:extLst>
+      <p:ext uri="{BB962C8B-B14F-4D97-AF65-F5344CB8AC3E}">
+        <p14:creationId xmlns:p14="http://schemas.microsoft.com/office/powerpoint/2010/main" val="4169293859"/>
+      </p:ext>
+    </p:extLst>
+  </p:cSld>
+  <p:clrMapOvr>
+    <a:masterClrMapping/>
+  </p:clrMapOvr>
+</p:sld>
+</file>
+
+<file path=ppt/slides/slide9.xml><?xml version="1.0" encoding="utf-8"?>
+<p:sld xmlns:a="http://schemas.openxmlformats.org/drawingml/2006/main" xmlns:r="http://schemas.openxmlformats.org/officeDocument/2006/relationships" xmlns:p="http://schemas.openxmlformats.org/presentationml/2006/main">
+  <p:cSld>
+    <p:spTree>
+      <p:nvGrpSpPr>
+        <p:cNvPr id="1" name=""/>
+        <p:cNvGrpSpPr/>
+        <p:nvPr/>
+      </p:nvGrpSpPr>
+      <p:grpSpPr>
+        <a:xfrm>
+          <a:off x="0" y="0"/>
+          <a:ext cx="0" cy="0"/>
+          <a:chOff x="0" y="0"/>
+          <a:chExt cx="0" cy="0"/>
+        </a:xfrm>
+      </p:grpSpPr>
+      <p:sp>
+        <p:nvSpPr>
+          <p:cNvPr id="2" name="Title 1"/>
+          <p:cNvSpPr>
+            <a:spLocks noGrp="1"/>
+          </p:cNvSpPr>
+          <p:nvPr>
+            <p:ph type="title"/>
+          </p:nvPr>
+        </p:nvSpPr>
+        <p:spPr/>
+        <p:txBody>
+          <a:bodyPr/>
+          <a:lstStyle/>
+          <a:p>
+            <a:r>
+              <a:rPr lang="en-US" b="1" dirty="0">
+                <a:solidFill>
+                  <a:schemeClr val="tx1"/>
+                </a:solidFill>
+              </a:rPr>
+              <a:t>TECHNOLOGIES USED</a:t>
+            </a:r>
+          </a:p>
+        </p:txBody>
+      </p:sp>
+      <p:sp>
+        <p:nvSpPr>
+          <p:cNvPr id="3" name="Content Placeholder 2"/>
+          <p:cNvSpPr>
+            <a:spLocks noGrp="1"/>
+          </p:cNvSpPr>
+          <p:nvPr>
+            <p:ph idx="1"/>
+          </p:nvPr>
+        </p:nvSpPr>
+        <p:spPr>
+          <a:xfrm>
+            <a:off x="859237" y="1965960"/>
+            <a:ext cx="7404653" cy="4038600"/>
+          </a:xfrm>
+        </p:spPr>
+        <p:txBody>
+          <a:bodyPr>
+            <a:normAutofit/>
+          </a:bodyPr>
+          <a:lstStyle/>
+          <a:p>
+            <a:r>
+              <a:rPr lang="en-US" sz="2800" dirty="0">
+                <a:solidFill>
+                  <a:srgbClr val="002060"/>
+                </a:solidFill>
+              </a:rPr>
+              <a:t>Node.js Server</a:t>
+            </a:r>
+          </a:p>
+          <a:p>
+            <a:r>
+              <a:rPr lang="en-US" sz="2800" dirty="0" err="1">
+                <a:solidFill>
+                  <a:srgbClr val="002060"/>
+                </a:solidFill>
+              </a:rPr>
+              <a:t>Twilio</a:t>
+            </a:r>
+            <a:r>
+              <a:rPr lang="en-US" sz="2800" dirty="0">
+                <a:solidFill>
+                  <a:srgbClr val="002060"/>
+                </a:solidFill>
+              </a:rPr>
+              <a:t> for SMS Communication</a:t>
+            </a:r>
+          </a:p>
+          <a:p>
+            <a:r>
+              <a:rPr lang="en-US" sz="2800" dirty="0">
+                <a:solidFill>
+                  <a:srgbClr val="002060"/>
+                </a:solidFill>
+              </a:rPr>
+              <a:t>Open Weather Map API for Weather Data</a:t>
+            </a:r>
+          </a:p>
+          <a:p>
+            <a:r>
+              <a:rPr lang="en-US" sz="2800" dirty="0">
+                <a:solidFill>
+                  <a:srgbClr val="002060"/>
+                </a:solidFill>
+              </a:rPr>
+              <a:t>Currently hosted in my laptop exposing port using “</a:t>
+            </a:r>
+            <a:r>
+              <a:rPr lang="en-US" sz="2800" dirty="0" err="1">
+                <a:solidFill>
+                  <a:srgbClr val="002060"/>
+                </a:solidFill>
+              </a:rPr>
+              <a:t>ngrok</a:t>
+            </a:r>
+            <a:r>
+              <a:rPr lang="en-US" sz="2800" dirty="0">
+                <a:solidFill>
+                  <a:srgbClr val="002060"/>
+                </a:solidFill>
+              </a:rPr>
+              <a:t>”</a:t>
+            </a:r>
+          </a:p>
+        </p:txBody>
+      </p:sp>
+      <p:cxnSp>
+        <p:nvCxnSpPr>
+          <p:cNvPr id="6" name="Straight Connector 5"/>
+          <p:cNvCxnSpPr/>
+          <p:nvPr/>
+        </p:nvCxnSpPr>
+        <p:spPr>
+          <a:xfrm>
+            <a:off x="857250" y="1793966"/>
+            <a:ext cx="7225584" cy="0"/>
+          </a:xfrm>
+          <a:prstGeom prst="line">
+            <a:avLst/>
+          </a:prstGeom>
+          <a:ln w="76200">
+            <a:prstDash val="sysDot"/>
+          </a:ln>
+        </p:spPr>
+        <p:style>
+          <a:lnRef idx="1">
+            <a:schemeClr val="accent1"/>
+          </a:lnRef>
+          <a:fillRef idx="0">
+            <a:schemeClr val="accent1"/>
+          </a:fillRef>
+          <a:effectRef idx="0">
+            <a:schemeClr val="accent1"/>
+          </a:effectRef>
+          <a:fontRef idx="minor">
+            <a:schemeClr val="tx1"/>
+          </a:fontRef>
+        </p:style>
+      </p:cxnSp>
+      <p:pic>
+        <p:nvPicPr>
+          <p:cNvPr id="2050" name="Picture 2" descr="Image result for node.js icon"/>
+          <p:cNvPicPr>
+            <a:picLocks noChangeAspect="1" noChangeArrowheads="1"/>
+          </p:cNvPicPr>
+          <p:nvPr/>
+        </p:nvPicPr>
+        <p:blipFill>
+          <a:blip r:embed="rId2">
+            <a:extLst>
+              <a:ext uri="{28A0092B-C50C-407E-A947-70E740481C1C}">
+                <a14:useLocalDpi xmlns:a14="http://schemas.microsoft.com/office/drawing/2010/main" val="0"/>
+              </a:ext>
+            </a:extLst>
+          </a:blip>
+          <a:srcRect/>
+          <a:stretch>
+            <a:fillRect/>
+          </a:stretch>
+        </p:blipFill>
+        <p:spPr bwMode="auto">
+          <a:xfrm>
+            <a:off x="1110345" y="4650380"/>
+            <a:ext cx="1663334" cy="1663334"/>
+          </a:xfrm>
+          <a:prstGeom prst="rect">
+            <a:avLst/>
+          </a:prstGeom>
+          <a:noFill/>
+          <a:extLst>
+            <a:ext uri="{909E8E84-426E-40DD-AFC4-6F175D3DCCD1}">
+              <a14:hiddenFill xmlns:a14="http://schemas.microsoft.com/office/drawing/2010/main">
+                <a:solidFill>
+                  <a:srgbClr val="FFFFFF"/>
+                </a:solidFill>
+              </a14:hiddenFill>
+            </a:ext>
+          </a:extLst>
+        </p:spPr>
+      </p:pic>
+      <p:pic>
+        <p:nvPicPr>
+          <p:cNvPr id="2052" name="Picture 4" descr="Image result for twilio icon square"/>
+          <p:cNvPicPr>
+            <a:picLocks noChangeAspect="1" noChangeArrowheads="1"/>
+          </p:cNvPicPr>
+          <p:nvPr/>
+        </p:nvPicPr>
+        <p:blipFill>
+          <a:blip r:embed="rId3">
+            <a:extLst>
+              <a:ext uri="{28A0092B-C50C-407E-A947-70E740481C1C}">
+                <a14:useLocalDpi xmlns:a14="http://schemas.microsoft.com/office/drawing/2010/main" val="0"/>
+              </a:ext>
+            </a:extLst>
+          </a:blip>
+          <a:srcRect/>
+          <a:stretch>
+            <a:fillRect/>
+          </a:stretch>
+        </p:blipFill>
+        <p:spPr bwMode="auto">
+          <a:xfrm>
+            <a:off x="3026774" y="4650380"/>
+            <a:ext cx="1663334" cy="1663334"/>
+          </a:xfrm>
+          <a:prstGeom prst="rect">
+            <a:avLst/>
+          </a:prstGeom>
+          <a:noFill/>
+          <a:extLst>
+            <a:ext uri="{909E8E84-426E-40DD-AFC4-6F175D3DCCD1}">
+              <a14:hiddenFill xmlns:a14="http://schemas.microsoft.com/office/drawing/2010/main">
+                <a:solidFill>
+                  <a:srgbClr val="FFFFFF"/>
+                </a:solidFill>
+              </a14:hiddenFill>
+            </a:ext>
+          </a:extLst>
+        </p:spPr>
+      </p:pic>
+      <p:pic>
+        <p:nvPicPr>
+          <p:cNvPr id="2054" name="Picture 6" descr="Image result for openweathermap logo square"/>
+          <p:cNvPicPr>
+            <a:picLocks noChangeAspect="1" noChangeArrowheads="1"/>
+          </p:cNvPicPr>
+          <p:nvPr/>
+        </p:nvPicPr>
+        <p:blipFill>
+          <a:blip r:embed="rId4">
+            <a:extLst>
+              <a:ext uri="{28A0092B-C50C-407E-A947-70E740481C1C}">
+                <a14:useLocalDpi xmlns:a14="http://schemas.microsoft.com/office/drawing/2010/main" val="0"/>
+              </a:ext>
+            </a:extLst>
+          </a:blip>
+          <a:srcRect/>
+          <a:stretch>
+            <a:fillRect/>
+          </a:stretch>
+        </p:blipFill>
+        <p:spPr bwMode="auto">
+          <a:xfrm>
+            <a:off x="4943203" y="4650380"/>
+            <a:ext cx="1663334" cy="1663334"/>
+          </a:xfrm>
+          <a:prstGeom prst="rect">
+            <a:avLst/>
+          </a:prstGeom>
+          <a:noFill/>
+          <a:extLst>
+            <a:ext uri="{909E8E84-426E-40DD-AFC4-6F175D3DCCD1}">
+              <a14:hiddenFill xmlns:a14="http://schemas.microsoft.com/office/drawing/2010/main">
+                <a:solidFill>
+                  <a:srgbClr val="FFFFFF"/>
+                </a:solidFill>
+              </a14:hiddenFill>
+            </a:ext>
+          </a:extLst>
+        </p:spPr>
+      </p:pic>
+    </p:spTree>
+    <p:extLst>
+      <p:ext uri="{BB962C8B-B14F-4D97-AF65-F5344CB8AC3E}">
+        <p14:creationId xmlns:p14="http://schemas.microsoft.com/office/powerpoint/2010/main" val="176047533"/>
       </p:ext>
     </p:extLst>
   </p:cSld>
